--- a/ppt.pptx
+++ b/ppt.pptx
@@ -2,7 +2,7 @@
 <file path=ppt/presentation.xml><?xml version="1.0" encoding="utf-8"?>
 <p:presentation xmlns:a="http://schemas.openxmlformats.org/drawingml/2006/main" xmlns:p="http://schemas.openxmlformats.org/presentationml/2006/main" xmlns:r="http://schemas.openxmlformats.org/officeDocument/2006/relationships" autoCompressPictures="0" saveSubsetFonts="1">
   <p:sldMasterIdLst>
-    <p:sldMasterId id="2147483648" r:id="rId1"/>
+    <p:sldMasterId id="2147483917" r:id="rId1"/>
   </p:sldMasterIdLst>
   <p:sldIdLst>
     <p:sldId id="256" r:id="rId2"/>
@@ -11,13 +11,13 @@
     <p:sldId id="259" r:id="rId5"/>
     <p:sldId id="260" r:id="rId6"/>
   </p:sldIdLst>
-  <p:sldSz cx="9144000" cy="5143500" type="screen16x9"/>
+  <p:sldSz cx="9144000" cy="6858000" type="screen4x3"/>
   <p:notesSz cx="6858000" cy="9144000"/>
   <p:defaultTextStyle>
     <a:defPPr>
       <a:defRPr lang="en-US"/>
     </a:defPPr>
-    <a:lvl1pPr algn="l" defTabSz="457200" eaLnBrk="1" hangingPunct="1" latinLnBrk="0" marL="0" rtl="0">
+    <a:lvl1pPr algn="l" defTabSz="914377" eaLnBrk="1" hangingPunct="1" latinLnBrk="0" marL="0" rtl="0">
       <a:defRPr kern="1200" sz="1800">
         <a:solidFill>
           <a:schemeClr val="tx1"/>
@@ -27,7 +27,7 @@
         <a:cs typeface="+mn-cs"/>
       </a:defRPr>
     </a:lvl1pPr>
-    <a:lvl2pPr algn="l" defTabSz="457200" eaLnBrk="1" hangingPunct="1" latinLnBrk="0" marL="457200" rtl="0">
+    <a:lvl2pPr algn="l" defTabSz="914377" eaLnBrk="1" hangingPunct="1" latinLnBrk="0" marL="457189" rtl="0">
       <a:defRPr kern="1200" sz="1800">
         <a:solidFill>
           <a:schemeClr val="tx1"/>
@@ -37,7 +37,7 @@
         <a:cs typeface="+mn-cs"/>
       </a:defRPr>
     </a:lvl2pPr>
-    <a:lvl3pPr algn="l" defTabSz="457200" eaLnBrk="1" hangingPunct="1" latinLnBrk="0" marL="914400" rtl="0">
+    <a:lvl3pPr algn="l" defTabSz="914377" eaLnBrk="1" hangingPunct="1" latinLnBrk="0" marL="914377" rtl="0">
       <a:defRPr kern="1200" sz="1800">
         <a:solidFill>
           <a:schemeClr val="tx1"/>
@@ -47,7 +47,7 @@
         <a:cs typeface="+mn-cs"/>
       </a:defRPr>
     </a:lvl3pPr>
-    <a:lvl4pPr algn="l" defTabSz="457200" eaLnBrk="1" hangingPunct="1" latinLnBrk="0" marL="1371600" rtl="0">
+    <a:lvl4pPr algn="l" defTabSz="914377" eaLnBrk="1" hangingPunct="1" latinLnBrk="0" marL="1371566" rtl="0">
       <a:defRPr kern="1200" sz="1800">
         <a:solidFill>
           <a:schemeClr val="tx1"/>
@@ -57,7 +57,7 @@
         <a:cs typeface="+mn-cs"/>
       </a:defRPr>
     </a:lvl4pPr>
-    <a:lvl5pPr algn="l" defTabSz="457200" eaLnBrk="1" hangingPunct="1" latinLnBrk="0" marL="1828800" rtl="0">
+    <a:lvl5pPr algn="l" defTabSz="914377" eaLnBrk="1" hangingPunct="1" latinLnBrk="0" marL="1828754" rtl="0">
       <a:defRPr kern="1200" sz="1800">
         <a:solidFill>
           <a:schemeClr val="tx1"/>
@@ -67,7 +67,7 @@
         <a:cs typeface="+mn-cs"/>
       </a:defRPr>
     </a:lvl5pPr>
-    <a:lvl6pPr algn="l" defTabSz="457200" eaLnBrk="1" hangingPunct="1" latinLnBrk="0" marL="2286000" rtl="0">
+    <a:lvl6pPr algn="l" defTabSz="914377" eaLnBrk="1" hangingPunct="1" latinLnBrk="0" marL="2285943" rtl="0">
       <a:defRPr kern="1200" sz="1800">
         <a:solidFill>
           <a:schemeClr val="tx1"/>
@@ -77,7 +77,7 @@
         <a:cs typeface="+mn-cs"/>
       </a:defRPr>
     </a:lvl6pPr>
-    <a:lvl7pPr algn="l" defTabSz="457200" eaLnBrk="1" hangingPunct="1" latinLnBrk="0" marL="2743200" rtl="0">
+    <a:lvl7pPr algn="l" defTabSz="914377" eaLnBrk="1" hangingPunct="1" latinLnBrk="0" marL="2743131" rtl="0">
       <a:defRPr kern="1200" sz="1800">
         <a:solidFill>
           <a:schemeClr val="tx1"/>
@@ -87,7 +87,7 @@
         <a:cs typeface="+mn-cs"/>
       </a:defRPr>
     </a:lvl7pPr>
-    <a:lvl8pPr algn="l" defTabSz="457200" eaLnBrk="1" hangingPunct="1" latinLnBrk="0" marL="3200400" rtl="0">
+    <a:lvl8pPr algn="l" defTabSz="914377" eaLnBrk="1" hangingPunct="1" latinLnBrk="0" marL="3200320" rtl="0">
       <a:defRPr kern="1200" sz="1800">
         <a:solidFill>
           <a:schemeClr val="tx1"/>
@@ -97,7 +97,7 @@
         <a:cs typeface="+mn-cs"/>
       </a:defRPr>
     </a:lvl8pPr>
-    <a:lvl9pPr algn="l" defTabSz="457200" eaLnBrk="1" hangingPunct="1" latinLnBrk="0" marL="3657600" rtl="0">
+    <a:lvl9pPr algn="l" defTabSz="914377" eaLnBrk="1" hangingPunct="1" latinLnBrk="0" marL="3657509" rtl="0">
       <a:defRPr kern="1200" sz="1800">
         <a:solidFill>
           <a:schemeClr val="tx1"/>
@@ -111,17 +111,20 @@
   <p:extLst>
     <p:ext uri="{EFAFB233-063F-42B5-8137-9DF3F51BA10A}">
       <p15:sldGuideLst xmlns:p15="http://schemas.microsoft.com/office/powerpoint/2012/main">
-        <p15:guide id="1" orient="horz" pos="1620" userDrawn="1">
+        <p15:guide id="1" orient="horz" pos="2160">
           <p15:clr>
             <a:srgbClr val="A4A3A4"/>
           </p15:clr>
         </p15:guide>
-        <p15:guide id="2" pos="2880" userDrawn="1">
+        <p15:guide id="2" pos="2880">
           <p15:clr>
             <a:srgbClr val="A4A3A4"/>
           </p15:clr>
         </p15:guide>
       </p15:sldGuideLst>
+    </p:ext>
+    <p:ext uri="{2D200454-40CA-4A62-9FC3-DE9A4176ACB9}">
+      <p15:notesGuideLst xmlns:p15="http://schemas.microsoft.com/office/powerpoint/2012/main"/>
     </p:ext>
   </p:extLst>
 </p:presentation>
@@ -368,8 +371,8 @@
 </file>
 
 <file path=ppt/slideLayouts/slideLayout10.xml><?xml version="1.0" encoding="utf-8"?>
-<p:sldLayout xmlns:a="http://schemas.openxmlformats.org/drawingml/2006/main" xmlns:r="http://schemas.openxmlformats.org/officeDocument/2006/relationships" xmlns:p="http://schemas.openxmlformats.org/presentationml/2006/main" type="vertTx" preserve="1">
-  <p:cSld name="Title and Vertical Text">
+<p:sldLayout xmlns:a="http://schemas.openxmlformats.org/drawingml/2006/main" xmlns:r="http://schemas.openxmlformats.org/officeDocument/2006/relationships" xmlns:p="http://schemas.openxmlformats.org/presentationml/2006/main" preserve="1" userDrawn="1">
+  <p:cSld name="4_Custom Layout">
     <p:spTree>
       <p:nvGrpSpPr>
         <p:cNvPr id="1" name=""/>
@@ -386,146 +389,468 @@
       </p:grpSpPr>
       <p:sp>
         <p:nvSpPr>
-          <p:cNvPr id="2" name="Title 1"/>
-          <p:cNvSpPr>
-            <a:spLocks noGrp="1"/>
-          </p:cNvSpPr>
-          <p:nvPr>
-            <p:ph type="title"/>
-          </p:nvPr>
-        </p:nvSpPr>
-        <p:spPr/>
+          <p:cNvPr id="4" name="Picture Placeholder 2"/>
+          <p:cNvSpPr>
+            <a:spLocks noGrp="1" noChangeAspect="1"/>
+          </p:cNvSpPr>
+          <p:nvPr>
+            <p:ph type="pic" idx="13"/>
+          </p:nvPr>
+        </p:nvSpPr>
+        <p:spPr>
+          <a:xfrm>
+            <a:off x="3823924" y="-1"/>
+            <a:ext cx="5320075" cy="6316133"/>
+          </a:xfrm>
+          <a:prstGeom prst="rect">
+            <a:avLst/>
+          </a:prstGeom>
+          <a:solidFill>
+            <a:schemeClr val="bg2">
+              <a:lumMod val="75000"/>
+            </a:schemeClr>
+          </a:solidFill>
+          <a:ln>
+            <a:noFill/>
+          </a:ln>
+        </p:spPr>
+        <p:txBody>
+          <a:bodyPr anchor="t">
+            <a:normAutofit/>
+          </a:bodyPr>
+          <a:lstStyle>
+            <a:lvl1pPr marL="0" indent="0" algn="ctr">
+              <a:buNone/>
+              <a:defRPr sz="1200" b="0" i="0">
+                <a:solidFill>
+                  <a:schemeClr val="bg1"/>
+                </a:solidFill>
+                <a:latin typeface="Arial" charset="0"/>
+                <a:ea typeface="Arial" charset="0"/>
+                <a:cs typeface="Arial" charset="0"/>
+              </a:defRPr>
+            </a:lvl1pPr>
+            <a:lvl2pPr marL="342892" indent="0">
+              <a:buNone/>
+              <a:defRPr sz="2100"/>
+            </a:lvl2pPr>
+            <a:lvl3pPr marL="685783" indent="0">
+              <a:buNone/>
+              <a:defRPr sz="1800"/>
+            </a:lvl3pPr>
+            <a:lvl4pPr marL="1028675" indent="0">
+              <a:buNone/>
+              <a:defRPr sz="1500"/>
+            </a:lvl4pPr>
+            <a:lvl5pPr marL="1371566" indent="0">
+              <a:buNone/>
+              <a:defRPr sz="1500"/>
+            </a:lvl5pPr>
+            <a:lvl6pPr marL="1714457" indent="0">
+              <a:buNone/>
+              <a:defRPr sz="1500"/>
+            </a:lvl6pPr>
+            <a:lvl7pPr marL="2057348" indent="0">
+              <a:buNone/>
+              <a:defRPr sz="1500"/>
+            </a:lvl7pPr>
+            <a:lvl8pPr marL="2400240" indent="0">
+              <a:buNone/>
+              <a:defRPr sz="1500"/>
+            </a:lvl8pPr>
+            <a:lvl9pPr marL="2743132" indent="0">
+              <a:buNone/>
+              <a:defRPr sz="1500"/>
+            </a:lvl9pPr>
+          </a:lstStyle>
+          <a:p>
+            <a:endParaRPr lang="en-US" dirty="0"/>
+          </a:p>
+          <a:p>
+            <a:r>
+              <a:rPr lang="en-US" dirty="0"/>
+              <a:t>Drag picture to placeholder or click icon to add</a:t>
+            </a:r>
+          </a:p>
+        </p:txBody>
+      </p:sp>
+      <p:sp>
+        <p:nvSpPr>
+          <p:cNvPr id="7" name="Text Placeholder 15"/>
+          <p:cNvSpPr>
+            <a:spLocks noGrp="1"/>
+          </p:cNvSpPr>
+          <p:nvPr>
+            <p:ph type="body" sz="quarter" idx="16" hasCustomPrompt="1"/>
+          </p:nvPr>
+        </p:nvSpPr>
+        <p:spPr>
+          <a:xfrm>
+            <a:off x="571316" y="1735998"/>
+            <a:ext cx="3029533" cy="4258402"/>
+          </a:xfrm>
+          <a:prstGeom prst="rect">
+            <a:avLst/>
+          </a:prstGeom>
+        </p:spPr>
+        <p:txBody>
+          <a:bodyPr/>
+          <a:lstStyle>
+            <a:lvl1pPr marL="0" indent="0">
+              <a:buNone/>
+              <a:defRPr/>
+            </a:lvl1pPr>
+          </a:lstStyle>
+          <a:p>
+            <a:r>
+              <a:rPr lang="en-US" dirty="0" err="1"/>
+              <a:t>Lpsum</a:t>
+            </a:r>
+            <a:r>
+              <a:rPr lang="en-US" dirty="0"/>
+              <a:t> dolor sit </a:t>
+            </a:r>
+            <a:r>
+              <a:rPr lang="en-US" dirty="0" err="1"/>
+              <a:t>amet</a:t>
+            </a:r>
+            <a:r>
+              <a:rPr lang="en-US" dirty="0"/>
+              <a:t>, </a:t>
+            </a:r>
+            <a:r>
+              <a:rPr lang="en-US" dirty="0" err="1"/>
+              <a:t>consectetur</a:t>
+            </a:r>
+            <a:r>
+              <a:rPr lang="en-US" dirty="0"/>
+              <a:t> </a:t>
+            </a:r>
+            <a:r>
+              <a:rPr lang="en-US" dirty="0" err="1"/>
+              <a:t>adipiscing</a:t>
+            </a:r>
+            <a:r>
+              <a:rPr lang="en-US" dirty="0"/>
+              <a:t> </a:t>
+            </a:r>
+            <a:r>
+              <a:rPr lang="en-US" dirty="0" err="1"/>
+              <a:t>elit</a:t>
+            </a:r>
+            <a:r>
+              <a:rPr lang="en-US" dirty="0"/>
+              <a:t>. </a:t>
+            </a:r>
+            <a:r>
+              <a:rPr lang="en-US" dirty="0" err="1"/>
+              <a:t>Mauris</a:t>
+            </a:r>
+            <a:r>
+              <a:rPr lang="en-US" dirty="0"/>
+              <a:t> </a:t>
+            </a:r>
+            <a:r>
+              <a:rPr lang="en-US" dirty="0" err="1"/>
+              <a:t>vehicula</a:t>
+            </a:r>
+            <a:r>
+              <a:rPr lang="en-US" dirty="0"/>
+              <a:t> dui in </a:t>
+            </a:r>
+            <a:r>
+              <a:rPr lang="en-US" dirty="0" err="1"/>
+              <a:t>neque</a:t>
+            </a:r>
+            <a:r>
+              <a:rPr lang="en-US" dirty="0"/>
+              <a:t> </a:t>
+            </a:r>
+            <a:r>
+              <a:rPr lang="en-US" dirty="0" err="1"/>
+              <a:t>dignissim</a:t>
+            </a:r>
+            <a:r>
+              <a:rPr lang="en-US" dirty="0"/>
+              <a:t>, in </a:t>
+            </a:r>
+            <a:r>
+              <a:rPr lang="en-US" dirty="0" err="1"/>
+              <a:t>aliquet</a:t>
+            </a:r>
+            <a:r>
+              <a:rPr lang="en-US" dirty="0"/>
+              <a:t> </a:t>
+            </a:r>
+            <a:r>
+              <a:rPr lang="en-US" dirty="0" err="1"/>
+              <a:t>nisl</a:t>
+            </a:r>
+            <a:r>
+              <a:rPr lang="en-US" dirty="0"/>
+              <a:t> </a:t>
+            </a:r>
+            <a:r>
+              <a:rPr lang="en-US" dirty="0" err="1"/>
+              <a:t>varius</a:t>
+            </a:r>
+            <a:r>
+              <a:rPr lang="en-US" dirty="0"/>
+              <a:t>. </a:t>
+            </a:r>
+            <a:r>
+              <a:rPr lang="en-US" dirty="0" err="1"/>
+              <a:t>Sed</a:t>
+            </a:r>
+            <a:r>
+              <a:rPr lang="en-US" dirty="0"/>
+              <a:t> a </a:t>
+            </a:r>
+            <a:r>
+              <a:rPr lang="en-US" dirty="0" err="1"/>
+              <a:t>erat</a:t>
+            </a:r>
+            <a:r>
+              <a:rPr lang="en-US" dirty="0"/>
+              <a:t> </a:t>
+            </a:r>
+            <a:r>
+              <a:rPr lang="en-US" dirty="0" err="1"/>
+              <a:t>ut</a:t>
+            </a:r>
+            <a:r>
+              <a:rPr lang="en-US" dirty="0"/>
+              <a:t> magna </a:t>
+            </a:r>
+            <a:r>
+              <a:rPr lang="en-US" dirty="0" err="1"/>
+              <a:t>vulputate</a:t>
+            </a:r>
+            <a:r>
+              <a:rPr lang="en-US" dirty="0"/>
+              <a:t> </a:t>
+            </a:r>
+            <a:r>
+              <a:rPr lang="en-US" dirty="0" err="1"/>
+              <a:t>feugiat</a:t>
+            </a:r>
+            <a:r>
+              <a:rPr lang="en-US" dirty="0"/>
+              <a:t>. </a:t>
+            </a:r>
+            <a:r>
+              <a:rPr lang="en-US" dirty="0" err="1"/>
+              <a:t>Quisque</a:t>
+            </a:r>
+            <a:r>
+              <a:rPr lang="en-US" dirty="0"/>
+              <a:t> </a:t>
+            </a:r>
+            <a:r>
+              <a:rPr lang="en-US" dirty="0" err="1"/>
+              <a:t>varius</a:t>
+            </a:r>
+            <a:r>
+              <a:rPr lang="en-US" dirty="0"/>
+              <a:t> </a:t>
+            </a:r>
+            <a:r>
+              <a:rPr lang="en-US" dirty="0" err="1"/>
+              <a:t>libero</a:t>
+            </a:r>
+            <a:r>
+              <a:rPr lang="en-US" dirty="0"/>
+              <a:t> </a:t>
+            </a:r>
+            <a:r>
+              <a:rPr lang="en-US" dirty="0" err="1"/>
+              <a:t>placerat</a:t>
+            </a:r>
+            <a:r>
+              <a:rPr lang="en-US" dirty="0"/>
+              <a:t> </a:t>
+            </a:r>
+            <a:r>
+              <a:rPr lang="en-US" dirty="0" err="1"/>
+              <a:t>erat</a:t>
+            </a:r>
+            <a:r>
+              <a:rPr lang="en-US" dirty="0"/>
+              <a:t> </a:t>
+            </a:r>
+            <a:r>
+              <a:rPr lang="en-US" dirty="0" err="1"/>
+              <a:t>lobortis</a:t>
+            </a:r>
+            <a:r>
+              <a:rPr lang="en-US" dirty="0"/>
+              <a:t> </a:t>
+            </a:r>
+            <a:r>
+              <a:rPr lang="en-US" dirty="0" err="1"/>
+              <a:t>congue</a:t>
+            </a:r>
+            <a:r>
+              <a:rPr lang="en-US" dirty="0"/>
+              <a:t>. Integer a </a:t>
+            </a:r>
+            <a:r>
+              <a:rPr lang="en-US" dirty="0" err="1"/>
+              <a:t>arcu</a:t>
+            </a:r>
+            <a:r>
+              <a:rPr lang="en-US" dirty="0"/>
+              <a:t> </a:t>
+            </a:r>
+            <a:r>
+              <a:rPr lang="en-US" dirty="0" err="1"/>
+              <a:t>vel</a:t>
+            </a:r>
+            <a:r>
+              <a:rPr lang="en-US" dirty="0"/>
+              <a:t> ante </a:t>
+            </a:r>
+            <a:r>
+              <a:rPr lang="en-US" dirty="0" err="1"/>
+              <a:t>bibendum</a:t>
+            </a:r>
+            <a:r>
+              <a:rPr lang="en-US" dirty="0"/>
+              <a:t> </a:t>
+            </a:r>
+            <a:r>
+              <a:rPr lang="en-US" dirty="0" err="1"/>
+              <a:t>scelerisque</a:t>
+            </a:r>
+            <a:r>
+              <a:rPr lang="en-US" dirty="0"/>
+              <a:t>. Class </a:t>
+            </a:r>
+            <a:r>
+              <a:rPr lang="en-US" dirty="0" err="1"/>
+              <a:t>aptent</a:t>
+            </a:r>
+            <a:r>
+              <a:rPr lang="en-US" dirty="0"/>
+              <a:t> </a:t>
+            </a:r>
+            <a:r>
+              <a:rPr lang="en-US" dirty="0" err="1"/>
+              <a:t>taciti</a:t>
+            </a:r>
+            <a:r>
+              <a:rPr lang="en-US" dirty="0"/>
+              <a:t> </a:t>
+            </a:r>
+            <a:r>
+              <a:rPr lang="en-US" dirty="0" err="1"/>
+              <a:t>sociosqu</a:t>
+            </a:r>
+            <a:r>
+              <a:rPr lang="en-US" dirty="0"/>
+              <a:t> ad </a:t>
+            </a:r>
+            <a:r>
+              <a:rPr lang="en-US" dirty="0" err="1"/>
+              <a:t>litora</a:t>
+            </a:r>
+            <a:r>
+              <a:rPr lang="en-US" dirty="0"/>
+              <a:t> </a:t>
+            </a:r>
+            <a:r>
+              <a:rPr lang="en-US" dirty="0" err="1"/>
+              <a:t>torquent</a:t>
+            </a:r>
+            <a:r>
+              <a:rPr lang="en-US" dirty="0"/>
+              <a:t>.</a:t>
+            </a:r>
+          </a:p>
+        </p:txBody>
+      </p:sp>
+      <p:sp>
+        <p:nvSpPr>
+          <p:cNvPr id="12" name="Title 1"/>
+          <p:cNvSpPr>
+            <a:spLocks noGrp="1"/>
+          </p:cNvSpPr>
+          <p:nvPr>
+            <p:ph type="title" hasCustomPrompt="1"/>
+          </p:nvPr>
+        </p:nvSpPr>
+        <p:spPr>
+          <a:xfrm>
+            <a:off x="571316" y="733088"/>
+            <a:ext cx="3291108" cy="868430"/>
+          </a:xfrm>
+          <a:prstGeom prst="rect">
+            <a:avLst/>
+          </a:prstGeom>
+        </p:spPr>
         <p:txBody>
           <a:bodyPr/>
           <a:lstStyle/>
           <a:p>
             <a:r>
-              <a:rPr lang="en-US"/>
-              <a:t>Click to edit Master title style</a:t>
-            </a:r>
-          </a:p>
-        </p:txBody>
-      </p:sp>
-      <p:sp>
-        <p:nvSpPr>
-          <p:cNvPr id="3" name="Vertical Text Placeholder 2"/>
-          <p:cNvSpPr>
-            <a:spLocks noGrp="1"/>
-          </p:cNvSpPr>
-          <p:nvPr>
-            <p:ph type="body" orient="vert" idx="1"/>
-          </p:nvPr>
-        </p:nvSpPr>
-        <p:spPr/>
-        <p:txBody>
-          <a:bodyPr vert="eaVert"/>
-          <a:lstStyle/>
-          <a:p>
-            <a:pPr lvl="0"/>
-            <a:r>
-              <a:rPr lang="en-US"/>
-              <a:t>Click to edit Master text styles</a:t>
-            </a:r>
-          </a:p>
-          <a:p>
-            <a:pPr lvl="1"/>
-            <a:r>
-              <a:rPr lang="en-US"/>
-              <a:t>Second level</a:t>
-            </a:r>
-          </a:p>
-          <a:p>
-            <a:pPr lvl="2"/>
-            <a:r>
-              <a:rPr lang="en-US"/>
-              <a:t>Third level</a:t>
-            </a:r>
-          </a:p>
-          <a:p>
-            <a:pPr lvl="3"/>
-            <a:r>
-              <a:rPr lang="en-US"/>
-              <a:t>Fourth level</a:t>
-            </a:r>
-          </a:p>
-          <a:p>
-            <a:pPr lvl="4"/>
-            <a:r>
-              <a:rPr lang="en-US"/>
-              <a:t>Fifth level</a:t>
-            </a:r>
-          </a:p>
-        </p:txBody>
-      </p:sp>
-      <p:sp>
-        <p:nvSpPr>
-          <p:cNvPr id="4" name="Date Placeholder 3"/>
-          <p:cNvSpPr>
-            <a:spLocks noGrp="1"/>
-          </p:cNvSpPr>
-          <p:nvPr>
-            <p:ph type="dt" sz="half" idx="10"/>
-          </p:nvPr>
-        </p:nvSpPr>
-        <p:spPr/>
-        <p:txBody>
-          <a:bodyPr/>
-          <a:lstStyle/>
-          <a:p>
-            <a:fld id="{241EB5C9-1307-BA42-ABA2-0BC069CD8E7F}" type="datetimeFigureOut">
+              <a:rPr lang="en-US" dirty="0"/>
+              <a:t>Click to edit title </a:t>
+            </a:r>
+          </a:p>
+        </p:txBody>
+      </p:sp>
+      <p:sp>
+        <p:nvSpPr>
+          <p:cNvPr id="9" name="Slide Number Placeholder 4">
+            <a:extLst>
+              <a:ext uri="{FF2B5EF4-FFF2-40B4-BE49-F238E27FC236}">
+                <a16:creationId xmlns:a16="http://schemas.microsoft.com/office/drawing/2014/main" id="{8CD81E1C-E7C0-5643-856D-74D7A6D19B2D}"/>
+              </a:ext>
+            </a:extLst>
+          </p:cNvPr>
+          <p:cNvSpPr>
+            <a:spLocks noGrp="1"/>
+          </p:cNvSpPr>
+          <p:nvPr>
+            <p:ph type="sldNum" sz="quarter" idx="4"/>
+          </p:nvPr>
+        </p:nvSpPr>
+        <p:spPr>
+          <a:xfrm>
+            <a:off x="6324416" y="6437963"/>
+            <a:ext cx="2133600" cy="365125"/>
+          </a:xfrm>
+          <a:prstGeom prst="rect">
+            <a:avLst/>
+          </a:prstGeom>
+        </p:spPr>
+        <p:txBody>
+          <a:bodyPr vert="horz" lIns="91440" tIns="45720" rIns="91440" bIns="45720" rtlCol="0" anchor="ctr"/>
+          <a:lstStyle>
+            <a:lvl1pPr algn="r">
+              <a:defRPr sz="1000">
+                <a:solidFill>
+                  <a:schemeClr val="bg1"/>
+                </a:solidFill>
+                <a:latin typeface="Arial" panose="020B0604020202020204" pitchFamily="34" charset="0"/>
+                <a:cs typeface="Arial" panose="020B0604020202020204" pitchFamily="34" charset="0"/>
+              </a:defRPr>
+            </a:lvl1pPr>
+          </a:lstStyle>
+          <a:p>
+            <a:fld id="{DFF3CF64-7C58-ED48-B151-C0AF0EEF3592}" type="slidenum">
               <a:rPr lang="en-US" smtClean="0"/>
-              <a:t>1/2/22</a:t>
-            </a:fld>
-            <a:endParaRPr lang="en-US"/>
-          </a:p>
-        </p:txBody>
-      </p:sp>
-      <p:sp>
-        <p:nvSpPr>
-          <p:cNvPr id="5" name="Footer Placeholder 4"/>
-          <p:cNvSpPr>
-            <a:spLocks noGrp="1"/>
-          </p:cNvSpPr>
-          <p:nvPr>
-            <p:ph type="ftr" sz="quarter" idx="11"/>
-          </p:nvPr>
-        </p:nvSpPr>
-        <p:spPr/>
-        <p:txBody>
-          <a:bodyPr/>
-          <a:lstStyle/>
-          <a:p>
-            <a:endParaRPr lang="en-US"/>
-          </a:p>
-        </p:txBody>
-      </p:sp>
-      <p:sp>
-        <p:nvSpPr>
-          <p:cNvPr id="6" name="Slide Number Placeholder 5"/>
-          <p:cNvSpPr>
-            <a:spLocks noGrp="1"/>
-          </p:cNvSpPr>
-          <p:nvPr>
-            <p:ph type="sldNum" sz="quarter" idx="12"/>
-          </p:nvPr>
-        </p:nvSpPr>
-        <p:spPr/>
-        <p:txBody>
-          <a:bodyPr/>
-          <a:lstStyle/>
-          <a:p>
-            <a:fld id="{C5EF2332-01BF-834F-8236-50238282D533}" type="slidenum">
-              <a:rPr lang="en-US" smtClean="0"/>
+              <a:pPr/>
               <a:t>‹#›</a:t>
             </a:fld>
-            <a:endParaRPr lang="en-US"/>
+            <a:endParaRPr lang="en-US" dirty="0"/>
           </a:p>
         </p:txBody>
       </p:sp>
     </p:spTree>
     <p:extLst>
       <p:ext uri="{BB962C8B-B14F-4D97-AF65-F5344CB8AC3E}">
-        <p14:creationId xmlns:p14="http://schemas.microsoft.com/office/powerpoint/2010/main" val="313914798"/>
+        <p14:creationId xmlns:p14="http://schemas.microsoft.com/office/powerpoint/2010/main" val="264218677"/>
       </p:ext>
     </p:extLst>
   </p:cSld>
@@ -536,8 +861,8 @@
 </file>
 
 <file path=ppt/slideLayouts/slideLayout11.xml><?xml version="1.0" encoding="utf-8"?>
-<p:sldLayout xmlns:a="http://schemas.openxmlformats.org/drawingml/2006/main" xmlns:r="http://schemas.openxmlformats.org/officeDocument/2006/relationships" xmlns:p="http://schemas.openxmlformats.org/presentationml/2006/main" type="vertTitleAndTx" preserve="1">
-  <p:cSld name="Vertical Title and Text">
+<p:sldLayout xmlns:a="http://schemas.openxmlformats.org/drawingml/2006/main" xmlns:r="http://schemas.openxmlformats.org/officeDocument/2006/relationships" xmlns:p="http://schemas.openxmlformats.org/presentationml/2006/main" preserve="1" userDrawn="1">
+  <p:cSld name="5_Custom Layout">
     <p:spTree>
       <p:nvGrpSpPr>
         <p:cNvPr id="1" name=""/>
@@ -554,156 +879,711 @@
       </p:grpSpPr>
       <p:sp>
         <p:nvSpPr>
-          <p:cNvPr id="2" name="Vertical Title 1"/>
-          <p:cNvSpPr>
-            <a:spLocks noGrp="1"/>
-          </p:cNvSpPr>
-          <p:nvPr>
-            <p:ph type="title" orient="vert"/>
+          <p:cNvPr id="4" name="Picture Placeholder 2"/>
+          <p:cNvSpPr>
+            <a:spLocks noGrp="1" noChangeAspect="1"/>
+          </p:cNvSpPr>
+          <p:nvPr>
+            <p:ph type="pic" idx="14"/>
           </p:nvPr>
         </p:nvSpPr>
         <p:spPr>
           <a:xfrm>
-            <a:off x="6629400" y="205979"/>
-            <a:ext cx="2057400" cy="4388644"/>
+            <a:off x="3863701" y="692544"/>
+            <a:ext cx="5290360" cy="5318788"/>
           </a:xfrm>
+          <a:prstGeom prst="rect">
+            <a:avLst/>
+          </a:prstGeom>
+          <a:solidFill>
+            <a:schemeClr val="bg2">
+              <a:lumMod val="75000"/>
+            </a:schemeClr>
+          </a:solidFill>
+          <a:ln>
+            <a:noFill/>
+          </a:ln>
         </p:spPr>
         <p:txBody>
-          <a:bodyPr vert="eaVert"/>
-          <a:lstStyle/>
-          <a:p>
-            <a:r>
-              <a:rPr lang="en-US"/>
-              <a:t>Click to edit Master title style</a:t>
-            </a:r>
-          </a:p>
-        </p:txBody>
-      </p:sp>
-      <p:sp>
-        <p:nvSpPr>
-          <p:cNvPr id="3" name="Vertical Text Placeholder 2"/>
-          <p:cNvSpPr>
-            <a:spLocks noGrp="1"/>
-          </p:cNvSpPr>
-          <p:nvPr>
-            <p:ph type="body" orient="vert" idx="1"/>
+          <a:bodyPr anchor="t">
+            <a:normAutofit/>
+          </a:bodyPr>
+          <a:lstStyle>
+            <a:lvl1pPr marL="0" indent="0" algn="ctr">
+              <a:buNone/>
+              <a:defRPr sz="1200" b="0" i="0">
+                <a:solidFill>
+                  <a:schemeClr val="bg1"/>
+                </a:solidFill>
+                <a:latin typeface="Arial" charset="0"/>
+                <a:ea typeface="Arial" charset="0"/>
+                <a:cs typeface="Arial" charset="0"/>
+              </a:defRPr>
+            </a:lvl1pPr>
+            <a:lvl2pPr marL="342892" indent="0">
+              <a:buNone/>
+              <a:defRPr sz="2100"/>
+            </a:lvl2pPr>
+            <a:lvl3pPr marL="685783" indent="0">
+              <a:buNone/>
+              <a:defRPr sz="1800"/>
+            </a:lvl3pPr>
+            <a:lvl4pPr marL="1028675" indent="0">
+              <a:buNone/>
+              <a:defRPr sz="1500"/>
+            </a:lvl4pPr>
+            <a:lvl5pPr marL="1371566" indent="0">
+              <a:buNone/>
+              <a:defRPr sz="1500"/>
+            </a:lvl5pPr>
+            <a:lvl6pPr marL="1714457" indent="0">
+              <a:buNone/>
+              <a:defRPr sz="1500"/>
+            </a:lvl6pPr>
+            <a:lvl7pPr marL="2057348" indent="0">
+              <a:buNone/>
+              <a:defRPr sz="1500"/>
+            </a:lvl7pPr>
+            <a:lvl8pPr marL="2400240" indent="0">
+              <a:buNone/>
+              <a:defRPr sz="1500"/>
+            </a:lvl8pPr>
+            <a:lvl9pPr marL="2743132" indent="0">
+              <a:buNone/>
+              <a:defRPr sz="1500"/>
+            </a:lvl9pPr>
+          </a:lstStyle>
+          <a:p>
+            <a:endParaRPr lang="en-US" dirty="0"/>
+          </a:p>
+          <a:p>
+            <a:r>
+              <a:rPr lang="en-US" dirty="0"/>
+              <a:t>Drag picture to placeholder or click icon to add</a:t>
+            </a:r>
+          </a:p>
+        </p:txBody>
+      </p:sp>
+      <p:sp>
+        <p:nvSpPr>
+          <p:cNvPr id="8" name="Text Placeholder 15"/>
+          <p:cNvSpPr>
+            <a:spLocks noGrp="1"/>
+          </p:cNvSpPr>
+          <p:nvPr>
+            <p:ph type="body" sz="quarter" idx="16" hasCustomPrompt="1"/>
           </p:nvPr>
         </p:nvSpPr>
         <p:spPr>
           <a:xfrm>
-            <a:off x="457200" y="205979"/>
-            <a:ext cx="6019800" cy="4388644"/>
+            <a:off x="571316" y="1735997"/>
+            <a:ext cx="3029533" cy="4275335"/>
           </a:xfrm>
+          <a:prstGeom prst="rect">
+            <a:avLst/>
+          </a:prstGeom>
         </p:spPr>
         <p:txBody>
-          <a:bodyPr vert="eaVert"/>
-          <a:lstStyle/>
-          <a:p>
-            <a:pPr lvl="0"/>
-            <a:r>
-              <a:rPr lang="en-US"/>
-              <a:t>Click to edit Master text styles</a:t>
-            </a:r>
-          </a:p>
-          <a:p>
-            <a:pPr lvl="1"/>
-            <a:r>
-              <a:rPr lang="en-US"/>
-              <a:t>Second level</a:t>
-            </a:r>
-          </a:p>
-          <a:p>
-            <a:pPr lvl="2"/>
-            <a:r>
-              <a:rPr lang="en-US"/>
-              <a:t>Third level</a:t>
-            </a:r>
-          </a:p>
-          <a:p>
-            <a:pPr lvl="3"/>
-            <a:r>
-              <a:rPr lang="en-US"/>
-              <a:t>Fourth level</a:t>
-            </a:r>
-          </a:p>
-          <a:p>
-            <a:pPr lvl="4"/>
-            <a:r>
-              <a:rPr lang="en-US"/>
-              <a:t>Fifth level</a:t>
-            </a:r>
-          </a:p>
-        </p:txBody>
-      </p:sp>
-      <p:sp>
-        <p:nvSpPr>
-          <p:cNvPr id="4" name="Date Placeholder 3"/>
-          <p:cNvSpPr>
-            <a:spLocks noGrp="1"/>
-          </p:cNvSpPr>
-          <p:nvPr>
-            <p:ph type="dt" sz="half" idx="10"/>
-          </p:nvPr>
-        </p:nvSpPr>
-        <p:spPr/>
+          <a:bodyPr/>
+          <a:lstStyle>
+            <a:lvl1pPr marL="0" indent="0">
+              <a:buNone/>
+              <a:defRPr/>
+            </a:lvl1pPr>
+          </a:lstStyle>
+          <a:p>
+            <a:r>
+              <a:rPr lang="en-US" dirty="0" err="1"/>
+              <a:t>Lpsum</a:t>
+            </a:r>
+            <a:r>
+              <a:rPr lang="en-US" dirty="0"/>
+              <a:t> dolor sit </a:t>
+            </a:r>
+            <a:r>
+              <a:rPr lang="en-US" dirty="0" err="1"/>
+              <a:t>amet</a:t>
+            </a:r>
+            <a:r>
+              <a:rPr lang="en-US" dirty="0"/>
+              <a:t>, </a:t>
+            </a:r>
+            <a:r>
+              <a:rPr lang="en-US" dirty="0" err="1"/>
+              <a:t>consectetur</a:t>
+            </a:r>
+            <a:r>
+              <a:rPr lang="en-US" dirty="0"/>
+              <a:t> </a:t>
+            </a:r>
+            <a:r>
+              <a:rPr lang="en-US" dirty="0" err="1"/>
+              <a:t>adipiscing</a:t>
+            </a:r>
+            <a:r>
+              <a:rPr lang="en-US" dirty="0"/>
+              <a:t> </a:t>
+            </a:r>
+            <a:r>
+              <a:rPr lang="en-US" dirty="0" err="1"/>
+              <a:t>elit</a:t>
+            </a:r>
+            <a:r>
+              <a:rPr lang="en-US" dirty="0"/>
+              <a:t>. </a:t>
+            </a:r>
+            <a:r>
+              <a:rPr lang="en-US" dirty="0" err="1"/>
+              <a:t>Mauris</a:t>
+            </a:r>
+            <a:r>
+              <a:rPr lang="en-US" dirty="0"/>
+              <a:t> </a:t>
+            </a:r>
+            <a:r>
+              <a:rPr lang="en-US" dirty="0" err="1"/>
+              <a:t>vehicula</a:t>
+            </a:r>
+            <a:r>
+              <a:rPr lang="en-US" dirty="0"/>
+              <a:t> dui in </a:t>
+            </a:r>
+            <a:r>
+              <a:rPr lang="en-US" dirty="0" err="1"/>
+              <a:t>neque</a:t>
+            </a:r>
+            <a:r>
+              <a:rPr lang="en-US" dirty="0"/>
+              <a:t> </a:t>
+            </a:r>
+            <a:r>
+              <a:rPr lang="en-US" dirty="0" err="1"/>
+              <a:t>dignissim</a:t>
+            </a:r>
+            <a:r>
+              <a:rPr lang="en-US" dirty="0"/>
+              <a:t>, in </a:t>
+            </a:r>
+            <a:r>
+              <a:rPr lang="en-US" dirty="0" err="1"/>
+              <a:t>aliquet</a:t>
+            </a:r>
+            <a:r>
+              <a:rPr lang="en-US" dirty="0"/>
+              <a:t> </a:t>
+            </a:r>
+            <a:r>
+              <a:rPr lang="en-US" dirty="0" err="1"/>
+              <a:t>nisl</a:t>
+            </a:r>
+            <a:r>
+              <a:rPr lang="en-US" dirty="0"/>
+              <a:t> </a:t>
+            </a:r>
+            <a:r>
+              <a:rPr lang="en-US" dirty="0" err="1"/>
+              <a:t>varius</a:t>
+            </a:r>
+            <a:r>
+              <a:rPr lang="en-US" dirty="0"/>
+              <a:t>. </a:t>
+            </a:r>
+            <a:r>
+              <a:rPr lang="en-US" dirty="0" err="1"/>
+              <a:t>Sed</a:t>
+            </a:r>
+            <a:r>
+              <a:rPr lang="en-US" dirty="0"/>
+              <a:t> a </a:t>
+            </a:r>
+            <a:r>
+              <a:rPr lang="en-US" dirty="0" err="1"/>
+              <a:t>erat</a:t>
+            </a:r>
+            <a:r>
+              <a:rPr lang="en-US" dirty="0"/>
+              <a:t> </a:t>
+            </a:r>
+            <a:r>
+              <a:rPr lang="en-US" dirty="0" err="1"/>
+              <a:t>ut</a:t>
+            </a:r>
+            <a:r>
+              <a:rPr lang="en-US" dirty="0"/>
+              <a:t> magna </a:t>
+            </a:r>
+            <a:r>
+              <a:rPr lang="en-US" dirty="0" err="1"/>
+              <a:t>vulputate</a:t>
+            </a:r>
+            <a:r>
+              <a:rPr lang="en-US" dirty="0"/>
+              <a:t> </a:t>
+            </a:r>
+            <a:r>
+              <a:rPr lang="en-US" dirty="0" err="1"/>
+              <a:t>feugiat</a:t>
+            </a:r>
+            <a:r>
+              <a:rPr lang="en-US" dirty="0"/>
+              <a:t>. </a:t>
+            </a:r>
+            <a:r>
+              <a:rPr lang="en-US" dirty="0" err="1"/>
+              <a:t>Quisque</a:t>
+            </a:r>
+            <a:r>
+              <a:rPr lang="en-US" dirty="0"/>
+              <a:t> </a:t>
+            </a:r>
+            <a:r>
+              <a:rPr lang="en-US" dirty="0" err="1"/>
+              <a:t>varius</a:t>
+            </a:r>
+            <a:r>
+              <a:rPr lang="en-US" dirty="0"/>
+              <a:t> </a:t>
+            </a:r>
+            <a:r>
+              <a:rPr lang="en-US" dirty="0" err="1"/>
+              <a:t>libero</a:t>
+            </a:r>
+            <a:r>
+              <a:rPr lang="en-US" dirty="0"/>
+              <a:t> </a:t>
+            </a:r>
+            <a:r>
+              <a:rPr lang="en-US" dirty="0" err="1"/>
+              <a:t>placerat</a:t>
+            </a:r>
+            <a:r>
+              <a:rPr lang="en-US" dirty="0"/>
+              <a:t> </a:t>
+            </a:r>
+            <a:r>
+              <a:rPr lang="en-US" dirty="0" err="1"/>
+              <a:t>erat</a:t>
+            </a:r>
+            <a:r>
+              <a:rPr lang="en-US" dirty="0"/>
+              <a:t> </a:t>
+            </a:r>
+            <a:r>
+              <a:rPr lang="en-US" dirty="0" err="1"/>
+              <a:t>lobortis</a:t>
+            </a:r>
+            <a:r>
+              <a:rPr lang="en-US" dirty="0"/>
+              <a:t> </a:t>
+            </a:r>
+            <a:r>
+              <a:rPr lang="en-US" dirty="0" err="1"/>
+              <a:t>congue</a:t>
+            </a:r>
+            <a:r>
+              <a:rPr lang="en-US" dirty="0"/>
+              <a:t>. Integer a </a:t>
+            </a:r>
+            <a:r>
+              <a:rPr lang="en-US" dirty="0" err="1"/>
+              <a:t>arcu</a:t>
+            </a:r>
+            <a:r>
+              <a:rPr lang="en-US" dirty="0"/>
+              <a:t> </a:t>
+            </a:r>
+            <a:r>
+              <a:rPr lang="en-US" dirty="0" err="1"/>
+              <a:t>vel</a:t>
+            </a:r>
+            <a:r>
+              <a:rPr lang="en-US" dirty="0"/>
+              <a:t> ante </a:t>
+            </a:r>
+            <a:r>
+              <a:rPr lang="en-US" dirty="0" err="1"/>
+              <a:t>bibendum</a:t>
+            </a:r>
+            <a:r>
+              <a:rPr lang="en-US" dirty="0"/>
+              <a:t> </a:t>
+            </a:r>
+            <a:r>
+              <a:rPr lang="en-US" dirty="0" err="1"/>
+              <a:t>scelerisque</a:t>
+            </a:r>
+            <a:r>
+              <a:rPr lang="en-US" dirty="0"/>
+              <a:t>. Class </a:t>
+            </a:r>
+            <a:r>
+              <a:rPr lang="en-US" dirty="0" err="1"/>
+              <a:t>aptent</a:t>
+            </a:r>
+            <a:r>
+              <a:rPr lang="en-US" dirty="0"/>
+              <a:t> </a:t>
+            </a:r>
+            <a:r>
+              <a:rPr lang="en-US" dirty="0" err="1"/>
+              <a:t>taciti</a:t>
+            </a:r>
+            <a:r>
+              <a:rPr lang="en-US" dirty="0"/>
+              <a:t> </a:t>
+            </a:r>
+            <a:r>
+              <a:rPr lang="en-US" dirty="0" err="1"/>
+              <a:t>sociosqu</a:t>
+            </a:r>
+            <a:r>
+              <a:rPr lang="en-US" dirty="0"/>
+              <a:t> ad </a:t>
+            </a:r>
+            <a:r>
+              <a:rPr lang="en-US" dirty="0" err="1"/>
+              <a:t>litora</a:t>
+            </a:r>
+            <a:r>
+              <a:rPr lang="en-US" dirty="0"/>
+              <a:t> </a:t>
+            </a:r>
+            <a:r>
+              <a:rPr lang="en-US" dirty="0" err="1"/>
+              <a:t>torquent</a:t>
+            </a:r>
+            <a:r>
+              <a:rPr lang="en-US" dirty="0"/>
+              <a:t>.</a:t>
+            </a:r>
+          </a:p>
+        </p:txBody>
+      </p:sp>
+      <p:sp>
+        <p:nvSpPr>
+          <p:cNvPr id="9" name="Title 1"/>
+          <p:cNvSpPr>
+            <a:spLocks noGrp="1"/>
+          </p:cNvSpPr>
+          <p:nvPr>
+            <p:ph type="title" hasCustomPrompt="1"/>
+          </p:nvPr>
+        </p:nvSpPr>
+        <p:spPr>
+          <a:xfrm>
+            <a:off x="571316" y="733087"/>
+            <a:ext cx="3292385" cy="868430"/>
+          </a:xfrm>
+          <a:prstGeom prst="rect">
+            <a:avLst/>
+          </a:prstGeom>
+        </p:spPr>
         <p:txBody>
           <a:bodyPr/>
           <a:lstStyle/>
           <a:p>
-            <a:fld id="{241EB5C9-1307-BA42-ABA2-0BC069CD8E7F}" type="datetimeFigureOut">
+            <a:r>
+              <a:rPr lang="en-US" dirty="0"/>
+              <a:t>Click to edit title</a:t>
+            </a:r>
+          </a:p>
+        </p:txBody>
+      </p:sp>
+      <p:sp>
+        <p:nvSpPr>
+          <p:cNvPr id="10" name="Slide Number Placeholder 4">
+            <a:extLst>
+              <a:ext uri="{FF2B5EF4-FFF2-40B4-BE49-F238E27FC236}">
+                <a16:creationId xmlns:a16="http://schemas.microsoft.com/office/drawing/2014/main" id="{B550263E-EA9E-6F4F-B2E4-BD35FF9FEC81}"/>
+              </a:ext>
+            </a:extLst>
+          </p:cNvPr>
+          <p:cNvSpPr>
+            <a:spLocks noGrp="1"/>
+          </p:cNvSpPr>
+          <p:nvPr>
+            <p:ph type="sldNum" sz="quarter" idx="4"/>
+          </p:nvPr>
+        </p:nvSpPr>
+        <p:spPr>
+          <a:xfrm>
+            <a:off x="6324416" y="6437963"/>
+            <a:ext cx="2133600" cy="365125"/>
+          </a:xfrm>
+          <a:prstGeom prst="rect">
+            <a:avLst/>
+          </a:prstGeom>
+        </p:spPr>
+        <p:txBody>
+          <a:bodyPr vert="horz" lIns="91440" tIns="45720" rIns="91440" bIns="45720" rtlCol="0" anchor="ctr"/>
+          <a:lstStyle>
+            <a:lvl1pPr algn="r">
+              <a:defRPr sz="1000">
+                <a:solidFill>
+                  <a:schemeClr val="bg1"/>
+                </a:solidFill>
+                <a:latin typeface="Arial" panose="020B0604020202020204" pitchFamily="34" charset="0"/>
+                <a:cs typeface="Arial" panose="020B0604020202020204" pitchFamily="34" charset="0"/>
+              </a:defRPr>
+            </a:lvl1pPr>
+          </a:lstStyle>
+          <a:p>
+            <a:fld id="{DFF3CF64-7C58-ED48-B151-C0AF0EEF3592}" type="slidenum">
               <a:rPr lang="en-US" smtClean="0"/>
-              <a:t>1/2/22</a:t>
-            </a:fld>
-            <a:endParaRPr lang="en-US"/>
-          </a:p>
-        </p:txBody>
-      </p:sp>
-      <p:sp>
-        <p:nvSpPr>
-          <p:cNvPr id="5" name="Footer Placeholder 4"/>
-          <p:cNvSpPr>
-            <a:spLocks noGrp="1"/>
-          </p:cNvSpPr>
-          <p:nvPr>
-            <p:ph type="ftr" sz="quarter" idx="11"/>
-          </p:nvPr>
-        </p:nvSpPr>
-        <p:spPr/>
-        <p:txBody>
-          <a:bodyPr/>
-          <a:lstStyle/>
-          <a:p>
-            <a:endParaRPr lang="en-US"/>
-          </a:p>
-        </p:txBody>
-      </p:sp>
-      <p:sp>
-        <p:nvSpPr>
-          <p:cNvPr id="6" name="Slide Number Placeholder 5"/>
-          <p:cNvSpPr>
-            <a:spLocks noGrp="1"/>
-          </p:cNvSpPr>
-          <p:nvPr>
-            <p:ph type="sldNum" sz="quarter" idx="12"/>
-          </p:nvPr>
-        </p:nvSpPr>
-        <p:spPr/>
-        <p:txBody>
-          <a:bodyPr/>
-          <a:lstStyle/>
-          <a:p>
-            <a:fld id="{C5EF2332-01BF-834F-8236-50238282D533}" type="slidenum">
-              <a:rPr lang="en-US" smtClean="0"/>
+              <a:pPr/>
               <a:t>‹#›</a:t>
             </a:fld>
-            <a:endParaRPr lang="en-US"/>
+            <a:endParaRPr lang="en-US" dirty="0"/>
           </a:p>
         </p:txBody>
       </p:sp>
     </p:spTree>
     <p:extLst>
       <p:ext uri="{BB962C8B-B14F-4D97-AF65-F5344CB8AC3E}">
-        <p14:creationId xmlns:p14="http://schemas.microsoft.com/office/powerpoint/2010/main" val="2581529045"/>
+        <p14:creationId xmlns:p14="http://schemas.microsoft.com/office/powerpoint/2010/main" val="2024599352"/>
+      </p:ext>
+    </p:extLst>
+  </p:cSld>
+  <p:clrMapOvr>
+    <a:masterClrMapping/>
+  </p:clrMapOvr>
+</p:sldLayout>
+</file>
+
+<file path=ppt/slideLayouts/slideLayout12.xml><?xml version="1.0" encoding="utf-8"?>
+<p:sldLayout xmlns:a="http://schemas.openxmlformats.org/drawingml/2006/main" xmlns:r="http://schemas.openxmlformats.org/officeDocument/2006/relationships" xmlns:p="http://schemas.openxmlformats.org/presentationml/2006/main" preserve="1" userDrawn="1">
+  <p:cSld name="7_Custom Layout">
+    <p:spTree>
+      <p:nvGrpSpPr>
+        <p:cNvPr id="1" name=""/>
+        <p:cNvGrpSpPr/>
+        <p:nvPr/>
+      </p:nvGrpSpPr>
+      <p:grpSpPr>
+        <a:xfrm>
+          <a:off x="0" y="0"/>
+          <a:ext cx="0" cy="0"/>
+          <a:chOff x="0" y="0"/>
+          <a:chExt cx="0" cy="0"/>
+        </a:xfrm>
+      </p:grpSpPr>
+      <p:sp>
+        <p:nvSpPr>
+          <p:cNvPr id="4" name="Picture Placeholder 2"/>
+          <p:cNvSpPr>
+            <a:spLocks noGrp="1" noChangeAspect="1"/>
+          </p:cNvSpPr>
+          <p:nvPr>
+            <p:ph type="pic" idx="13"/>
+          </p:nvPr>
+        </p:nvSpPr>
+        <p:spPr>
+          <a:xfrm>
+            <a:off x="0" y="-1"/>
+            <a:ext cx="9144000" cy="6316133"/>
+          </a:xfrm>
+          <a:prstGeom prst="rect">
+            <a:avLst/>
+          </a:prstGeom>
+          <a:solidFill>
+            <a:schemeClr val="bg2">
+              <a:lumMod val="75000"/>
+            </a:schemeClr>
+          </a:solidFill>
+          <a:ln>
+            <a:noFill/>
+          </a:ln>
+        </p:spPr>
+        <p:txBody>
+          <a:bodyPr anchor="t">
+            <a:normAutofit/>
+          </a:bodyPr>
+          <a:lstStyle>
+            <a:lvl1pPr marL="0" indent="0" algn="ctr">
+              <a:buNone/>
+              <a:defRPr sz="1200" b="0" i="0">
+                <a:solidFill>
+                  <a:schemeClr val="bg1"/>
+                </a:solidFill>
+                <a:latin typeface="Arial" charset="0"/>
+                <a:ea typeface="Arial" charset="0"/>
+                <a:cs typeface="Arial" charset="0"/>
+              </a:defRPr>
+            </a:lvl1pPr>
+            <a:lvl2pPr marL="342892" indent="0">
+              <a:buNone/>
+              <a:defRPr sz="2100"/>
+            </a:lvl2pPr>
+            <a:lvl3pPr marL="685783" indent="0">
+              <a:buNone/>
+              <a:defRPr sz="1800"/>
+            </a:lvl3pPr>
+            <a:lvl4pPr marL="1028675" indent="0">
+              <a:buNone/>
+              <a:defRPr sz="1500"/>
+            </a:lvl4pPr>
+            <a:lvl5pPr marL="1371566" indent="0">
+              <a:buNone/>
+              <a:defRPr sz="1500"/>
+            </a:lvl5pPr>
+            <a:lvl6pPr marL="1714457" indent="0">
+              <a:buNone/>
+              <a:defRPr sz="1500"/>
+            </a:lvl6pPr>
+            <a:lvl7pPr marL="2057348" indent="0">
+              <a:buNone/>
+              <a:defRPr sz="1500"/>
+            </a:lvl7pPr>
+            <a:lvl8pPr marL="2400240" indent="0">
+              <a:buNone/>
+              <a:defRPr sz="1500"/>
+            </a:lvl8pPr>
+            <a:lvl9pPr marL="2743132" indent="0">
+              <a:buNone/>
+              <a:defRPr sz="1500"/>
+            </a:lvl9pPr>
+          </a:lstStyle>
+          <a:p>
+            <a:endParaRPr lang="en-US" dirty="0"/>
+          </a:p>
+          <a:p>
+            <a:r>
+              <a:rPr lang="en-US" dirty="0"/>
+              <a:t>Drag picture to placeholder or click icon to add</a:t>
+            </a:r>
+          </a:p>
+        </p:txBody>
+      </p:sp>
+      <p:sp>
+        <p:nvSpPr>
+          <p:cNvPr id="5" name="Slide Number Placeholder 4">
+            <a:extLst>
+              <a:ext uri="{FF2B5EF4-FFF2-40B4-BE49-F238E27FC236}">
+                <a16:creationId xmlns:a16="http://schemas.microsoft.com/office/drawing/2014/main" id="{8BB49C74-E4F5-8D41-B244-08047CAAE61E}"/>
+              </a:ext>
+            </a:extLst>
+          </p:cNvPr>
+          <p:cNvSpPr>
+            <a:spLocks noGrp="1"/>
+          </p:cNvSpPr>
+          <p:nvPr>
+            <p:ph type="sldNum" sz="quarter" idx="4"/>
+          </p:nvPr>
+        </p:nvSpPr>
+        <p:spPr>
+          <a:xfrm>
+            <a:off x="6324416" y="6437963"/>
+            <a:ext cx="2133600" cy="365125"/>
+          </a:xfrm>
+          <a:prstGeom prst="rect">
+            <a:avLst/>
+          </a:prstGeom>
+        </p:spPr>
+        <p:txBody>
+          <a:bodyPr vert="horz" lIns="91440" tIns="45720" rIns="91440" bIns="45720" rtlCol="0" anchor="ctr"/>
+          <a:lstStyle>
+            <a:lvl1pPr algn="r">
+              <a:defRPr sz="1000">
+                <a:solidFill>
+                  <a:schemeClr val="bg1"/>
+                </a:solidFill>
+                <a:latin typeface="Arial" panose="020B0604020202020204" pitchFamily="34" charset="0"/>
+                <a:cs typeface="Arial" panose="020B0604020202020204" pitchFamily="34" charset="0"/>
+              </a:defRPr>
+            </a:lvl1pPr>
+          </a:lstStyle>
+          <a:p>
+            <a:fld id="{DFF3CF64-7C58-ED48-B151-C0AF0EEF3592}" type="slidenum">
+              <a:rPr lang="en-US" smtClean="0"/>
+              <a:pPr/>
+              <a:t>‹#›</a:t>
+            </a:fld>
+            <a:endParaRPr lang="en-US" dirty="0"/>
+          </a:p>
+        </p:txBody>
+      </p:sp>
+    </p:spTree>
+    <p:extLst>
+      <p:ext uri="{BB962C8B-B14F-4D97-AF65-F5344CB8AC3E}">
+        <p14:creationId xmlns:p14="http://schemas.microsoft.com/office/powerpoint/2010/main" val="4251218617"/>
+      </p:ext>
+    </p:extLst>
+  </p:cSld>
+  <p:clrMapOvr>
+    <a:masterClrMapping/>
+  </p:clrMapOvr>
+</p:sldLayout>
+</file>
+
+<file path=ppt/slideLayouts/slideLayout13.xml><?xml version="1.0" encoding="utf-8"?>
+<p:sldLayout xmlns:a="http://schemas.openxmlformats.org/drawingml/2006/main" xmlns:r="http://schemas.openxmlformats.org/officeDocument/2006/relationships" xmlns:p="http://schemas.openxmlformats.org/presentationml/2006/main" preserve="1" userDrawn="1">
+  <p:cSld name="Custom Layout">
+    <p:spTree>
+      <p:nvGrpSpPr>
+        <p:cNvPr id="1" name=""/>
+        <p:cNvGrpSpPr/>
+        <p:nvPr/>
+      </p:nvGrpSpPr>
+      <p:grpSpPr>
+        <a:xfrm>
+          <a:off x="0" y="0"/>
+          <a:ext cx="0" cy="0"/>
+          <a:chOff x="0" y="0"/>
+          <a:chExt cx="0" cy="0"/>
+        </a:xfrm>
+      </p:grpSpPr>
+      <p:sp>
+        <p:nvSpPr>
+          <p:cNvPr id="8" name="Slide Number Placeholder 4">
+            <a:extLst>
+              <a:ext uri="{FF2B5EF4-FFF2-40B4-BE49-F238E27FC236}">
+                <a16:creationId xmlns:a16="http://schemas.microsoft.com/office/drawing/2014/main" id="{80A15519-F1A8-6947-A9DF-B0F701FC2759}"/>
+              </a:ext>
+            </a:extLst>
+          </p:cNvPr>
+          <p:cNvSpPr>
+            <a:spLocks noGrp="1"/>
+          </p:cNvSpPr>
+          <p:nvPr>
+            <p:ph type="sldNum" sz="quarter" idx="4"/>
+          </p:nvPr>
+        </p:nvSpPr>
+        <p:spPr>
+          <a:xfrm>
+            <a:off x="6324416" y="6437963"/>
+            <a:ext cx="2133600" cy="365125"/>
+          </a:xfrm>
+          <a:prstGeom prst="rect">
+            <a:avLst/>
+          </a:prstGeom>
+        </p:spPr>
+        <p:txBody>
+          <a:bodyPr vert="horz" lIns="91440" tIns="45720" rIns="91440" bIns="45720" rtlCol="0" anchor="ctr"/>
+          <a:lstStyle>
+            <a:lvl1pPr algn="r">
+              <a:defRPr sz="1000">
+                <a:solidFill>
+                  <a:schemeClr val="bg1"/>
+                </a:solidFill>
+                <a:latin typeface="Arial" panose="020B0604020202020204" pitchFamily="34" charset="0"/>
+                <a:cs typeface="Arial" panose="020B0604020202020204" pitchFamily="34" charset="0"/>
+              </a:defRPr>
+            </a:lvl1pPr>
+          </a:lstStyle>
+          <a:p>
+            <a:fld id="{DFF3CF64-7C58-ED48-B151-C0AF0EEF3592}" type="slidenum">
+              <a:rPr lang="en-US" smtClean="0"/>
+              <a:pPr/>
+              <a:t>‹#›</a:t>
+            </a:fld>
+            <a:endParaRPr lang="en-US" dirty="0"/>
+          </a:p>
+        </p:txBody>
+      </p:sp>
+    </p:spTree>
+    <p:extLst>
+      <p:ext uri="{BB962C8B-B14F-4D97-AF65-F5344CB8AC3E}">
+        <p14:creationId xmlns:p14="http://schemas.microsoft.com/office/powerpoint/2010/main" val="431696167"/>
       </p:ext>
     </p:extLst>
   </p:cSld>
@@ -1831,8 +2711,8 @@
 </file>
 
 <file path=ppt/slideLayouts/slideLayout6.xml><?xml version="1.0" encoding="utf-8"?>
-<p:sldLayout xmlns:a="http://schemas.openxmlformats.org/drawingml/2006/main" xmlns:r="http://schemas.openxmlformats.org/officeDocument/2006/relationships" xmlns:p="http://schemas.openxmlformats.org/presentationml/2006/main" type="titleOnly" preserve="1">
-  <p:cSld name="Title Only">
+<p:sldLayout xmlns:a="http://schemas.openxmlformats.org/drawingml/2006/main" xmlns:r="http://schemas.openxmlformats.org/officeDocument/2006/relationships" xmlns:p="http://schemas.openxmlformats.org/presentationml/2006/main" preserve="1" userDrawn="1">
+  <p:cSld name="1 Column Text">
     <p:spTree>
       <p:nvGrpSpPr>
         <p:cNvPr id="1" name=""/>
@@ -1849,95 +2729,389 @@
       </p:grpSpPr>
       <p:sp>
         <p:nvSpPr>
-          <p:cNvPr id="2" name="Title 1"/>
-          <p:cNvSpPr>
-            <a:spLocks noGrp="1"/>
-          </p:cNvSpPr>
-          <p:nvPr>
-            <p:ph type="title"/>
-          </p:nvPr>
-        </p:nvSpPr>
-        <p:spPr/>
+          <p:cNvPr id="6" name="Text Placeholder 15"/>
+          <p:cNvSpPr>
+            <a:spLocks noGrp="1"/>
+          </p:cNvSpPr>
+          <p:nvPr>
+            <p:ph type="body" sz="quarter" idx="12" hasCustomPrompt="1"/>
+          </p:nvPr>
+        </p:nvSpPr>
+        <p:spPr>
+          <a:xfrm>
+            <a:off x="571316" y="1735998"/>
+            <a:ext cx="6043003" cy="4309202"/>
+          </a:xfrm>
+          <a:prstGeom prst="rect">
+            <a:avLst/>
+          </a:prstGeom>
+        </p:spPr>
         <p:txBody>
           <a:bodyPr/>
-          <a:lstStyle/>
-          <a:p>
-            <a:r>
-              <a:rPr lang="en-US"/>
-              <a:t>Click to edit Master title style</a:t>
-            </a:r>
-          </a:p>
-        </p:txBody>
-      </p:sp>
-      <p:sp>
-        <p:nvSpPr>
-          <p:cNvPr id="3" name="Date Placeholder 2"/>
-          <p:cNvSpPr>
-            <a:spLocks noGrp="1"/>
-          </p:cNvSpPr>
-          <p:nvPr>
-            <p:ph type="dt" sz="half" idx="10"/>
-          </p:nvPr>
-        </p:nvSpPr>
-        <p:spPr/>
+          <a:lstStyle>
+            <a:lvl1pPr marL="0" indent="0">
+              <a:buNone/>
+              <a:defRPr/>
+            </a:lvl1pPr>
+          </a:lstStyle>
+          <a:p>
+            <a:r>
+              <a:rPr lang="en-US" dirty="0" err="1"/>
+              <a:t>Lpsum</a:t>
+            </a:r>
+            <a:r>
+              <a:rPr lang="en-US" dirty="0"/>
+              <a:t> dolor sit </a:t>
+            </a:r>
+            <a:r>
+              <a:rPr lang="en-US" dirty="0" err="1"/>
+              <a:t>amet</a:t>
+            </a:r>
+            <a:r>
+              <a:rPr lang="en-US" dirty="0"/>
+              <a:t>, </a:t>
+            </a:r>
+            <a:r>
+              <a:rPr lang="en-US" dirty="0" err="1"/>
+              <a:t>consectetur</a:t>
+            </a:r>
+            <a:r>
+              <a:rPr lang="en-US" dirty="0"/>
+              <a:t> </a:t>
+            </a:r>
+            <a:r>
+              <a:rPr lang="en-US" dirty="0" err="1"/>
+              <a:t>adipiscing</a:t>
+            </a:r>
+            <a:r>
+              <a:rPr lang="en-US" dirty="0"/>
+              <a:t> </a:t>
+            </a:r>
+            <a:r>
+              <a:rPr lang="en-US" dirty="0" err="1"/>
+              <a:t>elit</a:t>
+            </a:r>
+            <a:r>
+              <a:rPr lang="en-US" dirty="0"/>
+              <a:t>. </a:t>
+            </a:r>
+            <a:r>
+              <a:rPr lang="en-US" dirty="0" err="1"/>
+              <a:t>Mauris</a:t>
+            </a:r>
+            <a:r>
+              <a:rPr lang="en-US" dirty="0"/>
+              <a:t> </a:t>
+            </a:r>
+            <a:r>
+              <a:rPr lang="en-US" dirty="0" err="1"/>
+              <a:t>vehicula</a:t>
+            </a:r>
+            <a:r>
+              <a:rPr lang="en-US" dirty="0"/>
+              <a:t> dui in </a:t>
+            </a:r>
+            <a:r>
+              <a:rPr lang="en-US" dirty="0" err="1"/>
+              <a:t>neque</a:t>
+            </a:r>
+            <a:r>
+              <a:rPr lang="en-US" dirty="0"/>
+              <a:t> </a:t>
+            </a:r>
+            <a:r>
+              <a:rPr lang="en-US" dirty="0" err="1"/>
+              <a:t>dignissim</a:t>
+            </a:r>
+            <a:r>
+              <a:rPr lang="en-US" dirty="0"/>
+              <a:t>, in </a:t>
+            </a:r>
+            <a:r>
+              <a:rPr lang="en-US" dirty="0" err="1"/>
+              <a:t>aliquet</a:t>
+            </a:r>
+            <a:r>
+              <a:rPr lang="en-US" dirty="0"/>
+              <a:t> </a:t>
+            </a:r>
+            <a:r>
+              <a:rPr lang="en-US" dirty="0" err="1"/>
+              <a:t>nisl</a:t>
+            </a:r>
+            <a:r>
+              <a:rPr lang="en-US" dirty="0"/>
+              <a:t> </a:t>
+            </a:r>
+            <a:r>
+              <a:rPr lang="en-US" dirty="0" err="1"/>
+              <a:t>varius</a:t>
+            </a:r>
+            <a:r>
+              <a:rPr lang="en-US" dirty="0"/>
+              <a:t>. </a:t>
+            </a:r>
+            <a:r>
+              <a:rPr lang="en-US" dirty="0" err="1"/>
+              <a:t>Sed</a:t>
+            </a:r>
+            <a:r>
+              <a:rPr lang="en-US" dirty="0"/>
+              <a:t> a </a:t>
+            </a:r>
+            <a:r>
+              <a:rPr lang="en-US" dirty="0" err="1"/>
+              <a:t>erat</a:t>
+            </a:r>
+            <a:r>
+              <a:rPr lang="en-US" dirty="0"/>
+              <a:t> </a:t>
+            </a:r>
+            <a:r>
+              <a:rPr lang="en-US" dirty="0" err="1"/>
+              <a:t>ut</a:t>
+            </a:r>
+            <a:r>
+              <a:rPr lang="en-US" dirty="0"/>
+              <a:t> magna </a:t>
+            </a:r>
+            <a:r>
+              <a:rPr lang="en-US" dirty="0" err="1"/>
+              <a:t>vulputate</a:t>
+            </a:r>
+            <a:r>
+              <a:rPr lang="en-US" dirty="0"/>
+              <a:t> </a:t>
+            </a:r>
+            <a:r>
+              <a:rPr lang="en-US" dirty="0" err="1"/>
+              <a:t>feugiat</a:t>
+            </a:r>
+            <a:r>
+              <a:rPr lang="en-US" dirty="0"/>
+              <a:t>. </a:t>
+            </a:r>
+            <a:r>
+              <a:rPr lang="en-US" dirty="0" err="1"/>
+              <a:t>Quisque</a:t>
+            </a:r>
+            <a:r>
+              <a:rPr lang="en-US" dirty="0"/>
+              <a:t> </a:t>
+            </a:r>
+            <a:r>
+              <a:rPr lang="en-US" dirty="0" err="1"/>
+              <a:t>varius</a:t>
+            </a:r>
+            <a:r>
+              <a:rPr lang="en-US" dirty="0"/>
+              <a:t> </a:t>
+            </a:r>
+            <a:r>
+              <a:rPr lang="en-US" dirty="0" err="1"/>
+              <a:t>libero</a:t>
+            </a:r>
+            <a:r>
+              <a:rPr lang="en-US" dirty="0"/>
+              <a:t> </a:t>
+            </a:r>
+            <a:r>
+              <a:rPr lang="en-US" dirty="0" err="1"/>
+              <a:t>placerat</a:t>
+            </a:r>
+            <a:r>
+              <a:rPr lang="en-US" dirty="0"/>
+              <a:t> </a:t>
+            </a:r>
+            <a:r>
+              <a:rPr lang="en-US" dirty="0" err="1"/>
+              <a:t>erat</a:t>
+            </a:r>
+            <a:r>
+              <a:rPr lang="en-US" dirty="0"/>
+              <a:t> </a:t>
+            </a:r>
+            <a:r>
+              <a:rPr lang="en-US" dirty="0" err="1"/>
+              <a:t>lobortis</a:t>
+            </a:r>
+            <a:r>
+              <a:rPr lang="en-US" dirty="0"/>
+              <a:t> </a:t>
+            </a:r>
+            <a:r>
+              <a:rPr lang="en-US" dirty="0" err="1"/>
+              <a:t>congue</a:t>
+            </a:r>
+            <a:r>
+              <a:rPr lang="en-US" dirty="0"/>
+              <a:t>. Integer a </a:t>
+            </a:r>
+            <a:r>
+              <a:rPr lang="en-US" dirty="0" err="1"/>
+              <a:t>arcu</a:t>
+            </a:r>
+            <a:r>
+              <a:rPr lang="en-US" dirty="0"/>
+              <a:t> </a:t>
+            </a:r>
+            <a:r>
+              <a:rPr lang="en-US" dirty="0" err="1"/>
+              <a:t>vel</a:t>
+            </a:r>
+            <a:r>
+              <a:rPr lang="en-US" dirty="0"/>
+              <a:t> ante </a:t>
+            </a:r>
+            <a:r>
+              <a:rPr lang="en-US" dirty="0" err="1"/>
+              <a:t>bibendum</a:t>
+            </a:r>
+            <a:r>
+              <a:rPr lang="en-US" dirty="0"/>
+              <a:t> </a:t>
+            </a:r>
+            <a:r>
+              <a:rPr lang="en-US" dirty="0" err="1"/>
+              <a:t>scelerisque</a:t>
+            </a:r>
+            <a:r>
+              <a:rPr lang="en-US" dirty="0"/>
+              <a:t>. Class </a:t>
+            </a:r>
+            <a:r>
+              <a:rPr lang="en-US" dirty="0" err="1"/>
+              <a:t>aptent</a:t>
+            </a:r>
+            <a:r>
+              <a:rPr lang="en-US" dirty="0"/>
+              <a:t> </a:t>
+            </a:r>
+            <a:r>
+              <a:rPr lang="en-US" dirty="0" err="1"/>
+              <a:t>taciti</a:t>
+            </a:r>
+            <a:r>
+              <a:rPr lang="en-US" dirty="0"/>
+              <a:t> </a:t>
+            </a:r>
+            <a:r>
+              <a:rPr lang="en-US" dirty="0" err="1"/>
+              <a:t>sociosqu</a:t>
+            </a:r>
+            <a:r>
+              <a:rPr lang="en-US" dirty="0"/>
+              <a:t> ad </a:t>
+            </a:r>
+            <a:r>
+              <a:rPr lang="en-US" dirty="0" err="1"/>
+              <a:t>litora</a:t>
+            </a:r>
+            <a:r>
+              <a:rPr lang="en-US" dirty="0"/>
+              <a:t> </a:t>
+            </a:r>
+            <a:r>
+              <a:rPr lang="en-US" dirty="0" err="1"/>
+              <a:t>torquent</a:t>
+            </a:r>
+            <a:r>
+              <a:rPr lang="en-US" dirty="0"/>
+              <a:t>.</a:t>
+            </a:r>
+          </a:p>
+        </p:txBody>
+      </p:sp>
+      <p:sp>
+        <p:nvSpPr>
+          <p:cNvPr id="8" name="Title 1"/>
+          <p:cNvSpPr>
+            <a:spLocks noGrp="1"/>
+          </p:cNvSpPr>
+          <p:nvPr>
+            <p:ph type="title" hasCustomPrompt="1"/>
+          </p:nvPr>
+        </p:nvSpPr>
+        <p:spPr>
+          <a:xfrm>
+            <a:off x="571316" y="737108"/>
+            <a:ext cx="7886700" cy="868430"/>
+          </a:xfrm>
+          <a:prstGeom prst="rect">
+            <a:avLst/>
+          </a:prstGeom>
+        </p:spPr>
         <p:txBody>
           <a:bodyPr/>
-          <a:lstStyle/>
-          <a:p>
-            <a:fld id="{241EB5C9-1307-BA42-ABA2-0BC069CD8E7F}" type="datetimeFigureOut">
+          <a:lstStyle>
+            <a:lvl1pPr>
+              <a:defRPr>
+                <a:solidFill>
+                  <a:srgbClr val="1D4F91"/>
+                </a:solidFill>
+              </a:defRPr>
+            </a:lvl1pPr>
+          </a:lstStyle>
+          <a:p>
+            <a:r>
+              <a:rPr lang="en-US" dirty="0"/>
+              <a:t>Click to edit title</a:t>
+            </a:r>
+          </a:p>
+        </p:txBody>
+      </p:sp>
+      <p:sp>
+        <p:nvSpPr>
+          <p:cNvPr id="9" name="Slide Number Placeholder 4">
+            <a:extLst>
+              <a:ext uri="{FF2B5EF4-FFF2-40B4-BE49-F238E27FC236}">
+                <a16:creationId xmlns:a16="http://schemas.microsoft.com/office/drawing/2014/main" id="{3D83F124-31E4-B24A-A2AE-EF8C4ADFB64C}"/>
+              </a:ext>
+            </a:extLst>
+          </p:cNvPr>
+          <p:cNvSpPr>
+            <a:spLocks noGrp="1"/>
+          </p:cNvSpPr>
+          <p:nvPr>
+            <p:ph type="sldNum" sz="quarter" idx="4"/>
+          </p:nvPr>
+        </p:nvSpPr>
+        <p:spPr>
+          <a:xfrm>
+            <a:off x="6324416" y="6437963"/>
+            <a:ext cx="2133600" cy="365125"/>
+          </a:xfrm>
+          <a:prstGeom prst="rect">
+            <a:avLst/>
+          </a:prstGeom>
+        </p:spPr>
+        <p:txBody>
+          <a:bodyPr vert="horz" lIns="91440" tIns="45720" rIns="91440" bIns="45720" rtlCol="0" anchor="ctr"/>
+          <a:lstStyle>
+            <a:lvl1pPr algn="r">
+              <a:defRPr sz="1000">
+                <a:solidFill>
+                  <a:schemeClr val="bg1"/>
+                </a:solidFill>
+                <a:latin typeface="Arial" panose="020B0604020202020204" pitchFamily="34" charset="0"/>
+                <a:cs typeface="Arial" panose="020B0604020202020204" pitchFamily="34" charset="0"/>
+              </a:defRPr>
+            </a:lvl1pPr>
+          </a:lstStyle>
+          <a:p>
+            <a:fld id="{DFF3CF64-7C58-ED48-B151-C0AF0EEF3592}" type="slidenum">
               <a:rPr lang="en-US" smtClean="0"/>
-              <a:t>1/2/22</a:t>
-            </a:fld>
-            <a:endParaRPr lang="en-US"/>
-          </a:p>
-        </p:txBody>
-      </p:sp>
-      <p:sp>
-        <p:nvSpPr>
-          <p:cNvPr id="4" name="Footer Placeholder 3"/>
-          <p:cNvSpPr>
-            <a:spLocks noGrp="1"/>
-          </p:cNvSpPr>
-          <p:nvPr>
-            <p:ph type="ftr" sz="quarter" idx="11"/>
-          </p:nvPr>
-        </p:nvSpPr>
-        <p:spPr/>
-        <p:txBody>
-          <a:bodyPr/>
-          <a:lstStyle/>
-          <a:p>
-            <a:endParaRPr lang="en-US"/>
-          </a:p>
-        </p:txBody>
-      </p:sp>
-      <p:sp>
-        <p:nvSpPr>
-          <p:cNvPr id="5" name="Slide Number Placeholder 4"/>
-          <p:cNvSpPr>
-            <a:spLocks noGrp="1"/>
-          </p:cNvSpPr>
-          <p:nvPr>
-            <p:ph type="sldNum" sz="quarter" idx="12"/>
-          </p:nvPr>
-        </p:nvSpPr>
-        <p:spPr/>
-        <p:txBody>
-          <a:bodyPr/>
-          <a:lstStyle/>
-          <a:p>
-            <a:fld id="{C5EF2332-01BF-834F-8236-50238282D533}" type="slidenum">
-              <a:rPr lang="en-US" smtClean="0"/>
+              <a:pPr/>
               <a:t>‹#›</a:t>
             </a:fld>
-            <a:endParaRPr lang="en-US"/>
+            <a:endParaRPr lang="en-US" dirty="0"/>
           </a:p>
         </p:txBody>
       </p:sp>
     </p:spTree>
     <p:extLst>
       <p:ext uri="{BB962C8B-B14F-4D97-AF65-F5344CB8AC3E}">
-        <p14:creationId xmlns:p14="http://schemas.microsoft.com/office/powerpoint/2010/main" val="3472721253"/>
+        <p14:creationId xmlns:p14="http://schemas.microsoft.com/office/powerpoint/2010/main" val="805555761"/>
       </p:ext>
     </p:extLst>
   </p:cSld>
@@ -2318,8 +3492,8 @@
 </file>
 
 <file path=ppt/slideLayouts/slideLayout9.xml><?xml version="1.0" encoding="utf-8"?>
-<p:sldLayout xmlns:a="http://schemas.openxmlformats.org/drawingml/2006/main" xmlns:r="http://schemas.openxmlformats.org/officeDocument/2006/relationships" xmlns:p="http://schemas.openxmlformats.org/presentationml/2006/main" type="picTx" preserve="1">
-  <p:cSld name="Picture with Caption">
+<p:sldLayout xmlns:a="http://schemas.openxmlformats.org/drawingml/2006/main" xmlns:r="http://schemas.openxmlformats.org/officeDocument/2006/relationships" xmlns:p="http://schemas.openxmlformats.org/presentationml/2006/main" preserve="1" userDrawn="1">
+  <p:cSld name="3_Custom Layout">
     <p:spTree>
       <p:nvGrpSpPr>
         <p:cNvPr id="1" name=""/>
@@ -2336,230 +3510,313 @@
       </p:grpSpPr>
       <p:sp>
         <p:nvSpPr>
-          <p:cNvPr id="2" name="Title 1"/>
-          <p:cNvSpPr>
-            <a:spLocks noGrp="1"/>
-          </p:cNvSpPr>
-          <p:nvPr>
-            <p:ph type="title"/>
+          <p:cNvPr id="6" name="Content Placeholder 6"/>
+          <p:cNvSpPr>
+            <a:spLocks noGrp="1"/>
+          </p:cNvSpPr>
+          <p:nvPr>
+            <p:ph sz="quarter" idx="12" hasCustomPrompt="1"/>
           </p:nvPr>
         </p:nvSpPr>
         <p:spPr>
           <a:xfrm>
-            <a:off x="1792288" y="3600450"/>
-            <a:ext cx="5486400" cy="425054"/>
+            <a:off x="571316" y="1735411"/>
+            <a:ext cx="7886699" cy="4275921"/>
           </a:xfrm>
+          <a:prstGeom prst="rect">
+            <a:avLst/>
+          </a:prstGeom>
         </p:spPr>
         <p:txBody>
-          <a:bodyPr anchor="b"/>
+          <a:bodyPr>
+            <a:normAutofit/>
+          </a:bodyPr>
           <a:lstStyle>
-            <a:lvl1pPr algn="l">
-              <a:defRPr sz="1500" b="1"/>
+            <a:lvl1pPr marL="0" indent="0">
+              <a:lnSpc>
+                <a:spcPct val="120000"/>
+              </a:lnSpc>
+              <a:spcBef>
+                <a:spcPts val="600"/>
+              </a:spcBef>
+              <a:buClr>
+                <a:srgbClr val="005BBB"/>
+              </a:buClr>
+              <a:buFontTx/>
+              <a:buNone/>
+              <a:defRPr sz="1600" b="0" i="0">
+                <a:solidFill>
+                  <a:srgbClr val="1D4F91"/>
+                </a:solidFill>
+                <a:latin typeface="Arial" panose="020B0604020202020204" pitchFamily="34" charset="0"/>
+                <a:ea typeface="Arial" panose="020B0604020202020204" pitchFamily="34" charset="0"/>
+                <a:cs typeface="Arial" panose="020B0604020202020204" pitchFamily="34" charset="0"/>
+              </a:defRPr>
+            </a:lvl1pPr>
+            <a:lvl2pPr marL="552450" indent="-209550">
+              <a:lnSpc>
+                <a:spcPct val="120000"/>
+              </a:lnSpc>
+              <a:buClr>
+                <a:srgbClr val="005BBB"/>
+              </a:buClr>
+              <a:buFont typeface="Arial" charset="0"/>
+              <a:buChar char="•"/>
+              <a:tabLst/>
+              <a:defRPr sz="1600" b="0" i="0">
+                <a:solidFill>
+                  <a:schemeClr val="tx1"/>
+                </a:solidFill>
+                <a:latin typeface="Arial" panose="020B0604020202020204" pitchFamily="34" charset="0"/>
+                <a:ea typeface="Arial" panose="020B0604020202020204" pitchFamily="34" charset="0"/>
+                <a:cs typeface="Arial" panose="020B0604020202020204" pitchFamily="34" charset="0"/>
+              </a:defRPr>
+            </a:lvl2pPr>
+            <a:lvl3pPr marL="857250" marR="0" indent="-171450" algn="l" defTabSz="685800" rtl="0" eaLnBrk="1" fontAlgn="auto" latinLnBrk="0" hangingPunct="1">
+              <a:lnSpc>
+                <a:spcPct val="120000"/>
+              </a:lnSpc>
+              <a:spcBef>
+                <a:spcPts val="375"/>
+              </a:spcBef>
+              <a:spcAft>
+                <a:spcPts val="0"/>
+              </a:spcAft>
+              <a:buClr>
+                <a:srgbClr val="005BBB"/>
+              </a:buClr>
+              <a:buSzTx/>
+              <a:buFont typeface="LucidaGrande" charset="0"/>
+              <a:buChar char="-"/>
+              <a:tabLst>
+                <a:tab pos="857250" algn="l"/>
+              </a:tabLst>
+              <a:defRPr sz="1600" b="0" i="0">
+                <a:solidFill>
+                  <a:schemeClr val="tx1"/>
+                </a:solidFill>
+                <a:latin typeface="Arial" panose="020B0604020202020204" pitchFamily="34" charset="0"/>
+                <a:ea typeface="Arial" panose="020B0604020202020204" pitchFamily="34" charset="0"/>
+                <a:cs typeface="Arial" panose="020B0604020202020204" pitchFamily="34" charset="0"/>
+              </a:defRPr>
+            </a:lvl3pPr>
+            <a:lvl4pPr>
+              <a:buClr>
+                <a:srgbClr val="005BBB"/>
+              </a:buClr>
+              <a:defRPr>
+                <a:solidFill>
+                  <a:srgbClr val="666666"/>
+                </a:solidFill>
+                <a:latin typeface="Arial" charset="0"/>
+                <a:ea typeface="Arial" charset="0"/>
+                <a:cs typeface="Arial" charset="0"/>
+              </a:defRPr>
+            </a:lvl4pPr>
+            <a:lvl5pPr>
+              <a:buClr>
+                <a:srgbClr val="005BBB"/>
+              </a:buClr>
+              <a:defRPr>
+                <a:solidFill>
+                  <a:srgbClr val="666666"/>
+                </a:solidFill>
+                <a:latin typeface="Arial" charset="0"/>
+                <a:ea typeface="Arial" charset="0"/>
+                <a:cs typeface="Arial" charset="0"/>
+              </a:defRPr>
+            </a:lvl5pPr>
+          </a:lstStyle>
+          <a:p>
+            <a:pPr lvl="0"/>
+            <a:r>
+              <a:rPr lang="en-US" dirty="0"/>
+              <a:t>CLICK TO EDIT MASTER TEXT STYLES</a:t>
+            </a:r>
+          </a:p>
+          <a:p>
+            <a:pPr lvl="1"/>
+            <a:r>
+              <a:rPr lang="en-US" dirty="0"/>
+              <a:t>Second level text</a:t>
+            </a:r>
+          </a:p>
+          <a:p>
+            <a:pPr lvl="2"/>
+            <a:r>
+              <a:rPr lang="en-US" dirty="0"/>
+              <a:t>Third level</a:t>
+            </a:r>
+          </a:p>
+          <a:p>
+            <a:pPr lvl="1"/>
+            <a:r>
+              <a:rPr lang="en-US" dirty="0"/>
+              <a:t>Second level text</a:t>
+            </a:r>
+          </a:p>
+          <a:p>
+            <a:pPr marL="857250" marR="0" lvl="2" indent="-171450" algn="l" defTabSz="685800" rtl="0" eaLnBrk="1" fontAlgn="auto" latinLnBrk="0" hangingPunct="1">
+              <a:lnSpc>
+                <a:spcPts val="1725"/>
+              </a:lnSpc>
+              <a:spcBef>
+                <a:spcPts val="375"/>
+              </a:spcBef>
+              <a:spcAft>
+                <a:spcPts val="0"/>
+              </a:spcAft>
+              <a:buClr>
+                <a:srgbClr val="005BBB"/>
+              </a:buClr>
+              <a:buSzTx/>
+              <a:buFont typeface="LucidaGrande" charset="0"/>
+              <a:buChar char="-"/>
+              <a:tabLst/>
+              <a:defRPr/>
+            </a:pPr>
+            <a:r>
+              <a:rPr lang="en-US" dirty="0"/>
+              <a:t>Third level</a:t>
+            </a:r>
+          </a:p>
+          <a:p>
+            <a:pPr lvl="0"/>
+            <a:r>
+              <a:rPr lang="en-US" dirty="0"/>
+              <a:t>CLICK TO EDIT MASTER TEXT STYLES</a:t>
+            </a:r>
+          </a:p>
+          <a:p>
+            <a:pPr lvl="1"/>
+            <a:r>
+              <a:rPr lang="en-US" dirty="0"/>
+              <a:t>Second level text </a:t>
+            </a:r>
+          </a:p>
+          <a:p>
+            <a:pPr lvl="2"/>
+            <a:r>
+              <a:rPr lang="en-US" dirty="0"/>
+              <a:t>Third level</a:t>
+            </a:r>
+          </a:p>
+          <a:p>
+            <a:pPr marL="857250" marR="0" lvl="2" indent="-171450" algn="l" defTabSz="685800" rtl="0" eaLnBrk="1" fontAlgn="auto" latinLnBrk="0" hangingPunct="1">
+              <a:lnSpc>
+                <a:spcPts val="1725"/>
+              </a:lnSpc>
+              <a:spcBef>
+                <a:spcPts val="375"/>
+              </a:spcBef>
+              <a:spcAft>
+                <a:spcPts val="0"/>
+              </a:spcAft>
+              <a:buClr>
+                <a:srgbClr val="005BBB"/>
+              </a:buClr>
+              <a:buSzTx/>
+              <a:buFont typeface="LucidaGrande" charset="0"/>
+              <a:buChar char="-"/>
+              <a:tabLst/>
+              <a:defRPr/>
+            </a:pPr>
+            <a:r>
+              <a:rPr lang="en-US" dirty="0"/>
+              <a:t>Third level</a:t>
+            </a:r>
+          </a:p>
+        </p:txBody>
+      </p:sp>
+      <p:sp>
+        <p:nvSpPr>
+          <p:cNvPr id="7" name="Title 1"/>
+          <p:cNvSpPr>
+            <a:spLocks noGrp="1"/>
+          </p:cNvSpPr>
+          <p:nvPr>
+            <p:ph type="title" hasCustomPrompt="1"/>
+          </p:nvPr>
+        </p:nvSpPr>
+        <p:spPr>
+          <a:xfrm>
+            <a:off x="571316" y="733088"/>
+            <a:ext cx="7886700" cy="868430"/>
+          </a:xfrm>
+          <a:prstGeom prst="rect">
+            <a:avLst/>
+          </a:prstGeom>
+        </p:spPr>
+        <p:txBody>
+          <a:bodyPr/>
+          <a:lstStyle>
+            <a:lvl1pPr>
+              <a:defRPr>
+                <a:latin typeface="Arial" panose="020B0604020202020204" pitchFamily="34" charset="0"/>
+                <a:cs typeface="Arial" panose="020B0604020202020204" pitchFamily="34" charset="0"/>
+              </a:defRPr>
             </a:lvl1pPr>
           </a:lstStyle>
           <a:p>
             <a:r>
-              <a:rPr lang="en-US"/>
-              <a:t>Click to edit Master title style</a:t>
-            </a:r>
-          </a:p>
-        </p:txBody>
-      </p:sp>
-      <p:sp>
-        <p:nvSpPr>
-          <p:cNvPr id="3" name="Picture Placeholder 2"/>
-          <p:cNvSpPr>
-            <a:spLocks noGrp="1"/>
-          </p:cNvSpPr>
-          <p:nvPr>
-            <p:ph type="pic" idx="1"/>
+              <a:rPr lang="en-US" dirty="0"/>
+              <a:t>Click to edit title</a:t>
+            </a:r>
+          </a:p>
+        </p:txBody>
+      </p:sp>
+      <p:sp>
+        <p:nvSpPr>
+          <p:cNvPr id="9" name="Slide Number Placeholder 4">
+            <a:extLst>
+              <a:ext uri="{FF2B5EF4-FFF2-40B4-BE49-F238E27FC236}">
+                <a16:creationId xmlns:a16="http://schemas.microsoft.com/office/drawing/2014/main" id="{AE5F231E-627F-D347-813F-24EE8B027F4B}"/>
+              </a:ext>
+            </a:extLst>
+          </p:cNvPr>
+          <p:cNvSpPr>
+            <a:spLocks noGrp="1"/>
+          </p:cNvSpPr>
+          <p:nvPr>
+            <p:ph type="sldNum" sz="quarter" idx="4"/>
           </p:nvPr>
         </p:nvSpPr>
         <p:spPr>
           <a:xfrm>
-            <a:off x="1792288" y="459581"/>
-            <a:ext cx="5486400" cy="3086100"/>
+            <a:off x="6324416" y="6437963"/>
+            <a:ext cx="2133600" cy="365125"/>
           </a:xfrm>
+          <a:prstGeom prst="rect">
+            <a:avLst/>
+          </a:prstGeom>
         </p:spPr>
         <p:txBody>
-          <a:bodyPr/>
+          <a:bodyPr vert="horz" lIns="91440" tIns="45720" rIns="91440" bIns="45720" rtlCol="0" anchor="ctr"/>
           <a:lstStyle>
-            <a:lvl1pPr marL="0" indent="0">
-              <a:buNone/>
-              <a:defRPr sz="2400"/>
+            <a:lvl1pPr algn="r">
+              <a:defRPr sz="1000">
+                <a:solidFill>
+                  <a:schemeClr val="bg1"/>
+                </a:solidFill>
+                <a:latin typeface="Arial" panose="020B0604020202020204" pitchFamily="34" charset="0"/>
+                <a:cs typeface="Arial" panose="020B0604020202020204" pitchFamily="34" charset="0"/>
+              </a:defRPr>
             </a:lvl1pPr>
-            <a:lvl2pPr marL="342900" indent="0">
-              <a:buNone/>
-              <a:defRPr sz="2100"/>
-            </a:lvl2pPr>
-            <a:lvl3pPr marL="685800" indent="0">
-              <a:buNone/>
-              <a:defRPr sz="1800"/>
-            </a:lvl3pPr>
-            <a:lvl4pPr marL="1028700" indent="0">
-              <a:buNone/>
-              <a:defRPr sz="1500"/>
-            </a:lvl4pPr>
-            <a:lvl5pPr marL="1371600" indent="0">
-              <a:buNone/>
-              <a:defRPr sz="1500"/>
-            </a:lvl5pPr>
-            <a:lvl6pPr marL="1714500" indent="0">
-              <a:buNone/>
-              <a:defRPr sz="1500"/>
-            </a:lvl6pPr>
-            <a:lvl7pPr marL="2057400" indent="0">
-              <a:buNone/>
-              <a:defRPr sz="1500"/>
-            </a:lvl7pPr>
-            <a:lvl8pPr marL="2400300" indent="0">
-              <a:buNone/>
-              <a:defRPr sz="1500"/>
-            </a:lvl8pPr>
-            <a:lvl9pPr marL="2743200" indent="0">
-              <a:buNone/>
-              <a:defRPr sz="1500"/>
-            </a:lvl9pPr>
           </a:lstStyle>
           <a:p>
-            <a:endParaRPr lang="en-US"/>
-          </a:p>
-        </p:txBody>
-      </p:sp>
-      <p:sp>
-        <p:nvSpPr>
-          <p:cNvPr id="4" name="Text Placeholder 3"/>
-          <p:cNvSpPr>
-            <a:spLocks noGrp="1"/>
-          </p:cNvSpPr>
-          <p:nvPr>
-            <p:ph type="body" sz="half" idx="2"/>
-          </p:nvPr>
-        </p:nvSpPr>
-        <p:spPr>
-          <a:xfrm>
-            <a:off x="1792288" y="4025503"/>
-            <a:ext cx="5486400" cy="603647"/>
-          </a:xfrm>
-        </p:spPr>
-        <p:txBody>
-          <a:bodyPr/>
-          <a:lstStyle>
-            <a:lvl1pPr marL="0" indent="0">
-              <a:buNone/>
-              <a:defRPr sz="1050"/>
-            </a:lvl1pPr>
-            <a:lvl2pPr marL="342900" indent="0">
-              <a:buNone/>
-              <a:defRPr sz="900"/>
-            </a:lvl2pPr>
-            <a:lvl3pPr marL="685800" indent="0">
-              <a:buNone/>
-              <a:defRPr sz="750"/>
-            </a:lvl3pPr>
-            <a:lvl4pPr marL="1028700" indent="0">
-              <a:buNone/>
-              <a:defRPr sz="675"/>
-            </a:lvl4pPr>
-            <a:lvl5pPr marL="1371600" indent="0">
-              <a:buNone/>
-              <a:defRPr sz="675"/>
-            </a:lvl5pPr>
-            <a:lvl6pPr marL="1714500" indent="0">
-              <a:buNone/>
-              <a:defRPr sz="675"/>
-            </a:lvl6pPr>
-            <a:lvl7pPr marL="2057400" indent="0">
-              <a:buNone/>
-              <a:defRPr sz="675"/>
-            </a:lvl7pPr>
-            <a:lvl8pPr marL="2400300" indent="0">
-              <a:buNone/>
-              <a:defRPr sz="675"/>
-            </a:lvl8pPr>
-            <a:lvl9pPr marL="2743200" indent="0">
-              <a:buNone/>
-              <a:defRPr sz="675"/>
-            </a:lvl9pPr>
-          </a:lstStyle>
-          <a:p>
-            <a:pPr lvl="0"/>
-            <a:r>
-              <a:rPr lang="en-US"/>
-              <a:t>Click to edit Master text styles</a:t>
-            </a:r>
-          </a:p>
-        </p:txBody>
-      </p:sp>
-      <p:sp>
-        <p:nvSpPr>
-          <p:cNvPr id="5" name="Date Placeholder 4"/>
-          <p:cNvSpPr>
-            <a:spLocks noGrp="1"/>
-          </p:cNvSpPr>
-          <p:nvPr>
-            <p:ph type="dt" sz="half" idx="10"/>
-          </p:nvPr>
-        </p:nvSpPr>
-        <p:spPr/>
-        <p:txBody>
-          <a:bodyPr/>
-          <a:lstStyle/>
-          <a:p>
-            <a:fld id="{241EB5C9-1307-BA42-ABA2-0BC069CD8E7F}" type="datetimeFigureOut">
+            <a:fld id="{DFF3CF64-7C58-ED48-B151-C0AF0EEF3592}" type="slidenum">
               <a:rPr lang="en-US" smtClean="0"/>
-              <a:t>1/2/22</a:t>
-            </a:fld>
-            <a:endParaRPr lang="en-US"/>
-          </a:p>
-        </p:txBody>
-      </p:sp>
-      <p:sp>
-        <p:nvSpPr>
-          <p:cNvPr id="6" name="Footer Placeholder 5"/>
-          <p:cNvSpPr>
-            <a:spLocks noGrp="1"/>
-          </p:cNvSpPr>
-          <p:nvPr>
-            <p:ph type="ftr" sz="quarter" idx="11"/>
-          </p:nvPr>
-        </p:nvSpPr>
-        <p:spPr/>
-        <p:txBody>
-          <a:bodyPr/>
-          <a:lstStyle/>
-          <a:p>
-            <a:endParaRPr lang="en-US"/>
-          </a:p>
-        </p:txBody>
-      </p:sp>
-      <p:sp>
-        <p:nvSpPr>
-          <p:cNvPr id="7" name="Slide Number Placeholder 6"/>
-          <p:cNvSpPr>
-            <a:spLocks noGrp="1"/>
-          </p:cNvSpPr>
-          <p:nvPr>
-            <p:ph type="sldNum" sz="quarter" idx="12"/>
-          </p:nvPr>
-        </p:nvSpPr>
-        <p:spPr/>
-        <p:txBody>
-          <a:bodyPr/>
-          <a:lstStyle/>
-          <a:p>
-            <a:fld id="{C5EF2332-01BF-834F-8236-50238282D533}" type="slidenum">
-              <a:rPr lang="en-US" smtClean="0"/>
+              <a:pPr/>
               <a:t>‹#›</a:t>
             </a:fld>
-            <a:endParaRPr lang="en-US"/>
+            <a:endParaRPr lang="en-US" dirty="0"/>
           </a:p>
         </p:txBody>
       </p:sp>
     </p:spTree>
     <p:extLst>
       <p:ext uri="{BB962C8B-B14F-4D97-AF65-F5344CB8AC3E}">
-        <p14:creationId xmlns:p14="http://schemas.microsoft.com/office/powerpoint/2010/main" val="3566899855"/>
+        <p14:creationId xmlns:p14="http://schemas.microsoft.com/office/powerpoint/2010/main" val="3445905063"/>
       </p:ext>
     </p:extLst>
   </p:cSld>
@@ -2570,7 +3827,7 @@
 </file>
 
 <file path=ppt/slideMasters/slideMaster1.xml><?xml version="1.0" encoding="utf-8"?>
-<p:sldMaster xmlns:a="http://schemas.openxmlformats.org/drawingml/2006/main" xmlns:p="http://schemas.openxmlformats.org/presentationml/2006/main" xmlns:r="http://schemas.openxmlformats.org/officeDocument/2006/relationships">
+<p:sldMaster xmlns:a="http://schemas.openxmlformats.org/drawingml/2006/main" xmlns:p="http://schemas.openxmlformats.org/presentationml/2006/main" xmlns:r="http://schemas.openxmlformats.org/officeDocument/2006/relationships" preserve="1">
   <p:cSld>
     <p:bg>
       <p:bgRef idx="1001">
@@ -2591,339 +3848,352 @@
           <a:chExt cx="0" cy="0"/>
         </a:xfrm>
       </p:grpSpPr>
-      <p:sp>
-        <p:nvSpPr>
-          <p:cNvPr id="2" name="Title Placeholder 1"/>
-          <p:cNvSpPr>
-            <a:spLocks noGrp="1"/>
-          </p:cNvSpPr>
-          <p:nvPr>
-            <p:ph type="title"/>
-          </p:nvPr>
-        </p:nvSpPr>
+      <p:pic>
+        <p:nvPicPr>
+          <p:cNvPr id="14" name="Picture 13">
+            <a:extLst>
+              <a:ext uri="{FF2B5EF4-FFF2-40B4-BE49-F238E27FC236}">
+                <a16:creationId xmlns:a16="http://schemas.microsoft.com/office/drawing/2014/main" id="{7DD9A12F-7DD7-0E4A-B2BC-79A20AD69693}"/>
+              </a:ext>
+            </a:extLst>
+          </p:cNvPr>
+          <p:cNvPicPr>
+            <a:picLocks noChangeAspect="1"/>
+          </p:cNvPicPr>
+          <p:nvPr userDrawn="1"/>
+        </p:nvPicPr>
+        <p:blipFill>
+          <a:blip r:embed="rId15"/>
+          <a:stretch>
+            <a:fillRect/>
+          </a:stretch>
+        </p:blipFill>
         <p:spPr>
           <a:xfrm>
-            <a:off x="457200" y="205979"/>
-            <a:ext cx="8229600" cy="857250"/>
+            <a:off x="4313" y="10409"/>
+            <a:ext cx="9144000" cy="6851904"/>
           </a:xfrm>
           <a:prstGeom prst="rect">
             <a:avLst/>
           </a:prstGeom>
         </p:spPr>
-        <p:txBody>
-          <a:bodyPr anchor="ctr" bIns="45720" lIns="91440" rIns="91440" rtlCol="0" tIns="45720" vert="horz">
-            <a:normAutofit/>
-          </a:bodyPr>
-          <a:lstStyle/>
-          <a:p>
-            <a:r>
-              <a:rPr lang="en-US"/>
-              <a:t>Click to edit Master title style</a:t>
-            </a:r>
-          </a:p>
-        </p:txBody>
-      </p:sp>
-      <p:sp>
-        <p:nvSpPr>
-          <p:cNvPr id="3" name="Text Placeholder 2"/>
-          <p:cNvSpPr>
-            <a:spLocks noGrp="1"/>
-          </p:cNvSpPr>
-          <p:nvPr>
-            <p:ph idx="1" type="body"/>
+      </p:pic>
+      <p:sp>
+        <p:nvSpPr>
+          <p:cNvPr id="5" name="Slide Number Placeholder 4"/>
+          <p:cNvSpPr>
+            <a:spLocks noGrp="1"/>
+          </p:cNvSpPr>
+          <p:nvPr>
+            <p:ph idx="4" sz="quarter" type="sldNum"/>
           </p:nvPr>
         </p:nvSpPr>
         <p:spPr>
           <a:xfrm>
-            <a:off x="457200" y="1200151"/>
-            <a:ext cx="8229600" cy="3394472"/>
+            <a:off x="6324416" y="6437963"/>
+            <a:ext cx="2133600" cy="365125"/>
           </a:xfrm>
           <a:prstGeom prst="rect">
             <a:avLst/>
           </a:prstGeom>
         </p:spPr>
         <p:txBody>
-          <a:bodyPr bIns="45720" lIns="91440" rIns="91440" rtlCol="0" tIns="45720" vert="horz">
-            <a:normAutofit/>
-          </a:bodyPr>
-          <a:lstStyle/>
-          <a:p>
-            <a:pPr lvl="0"/>
-            <a:r>
-              <a:rPr lang="en-US"/>
-              <a:t>Click to edit Master text styles</a:t>
-            </a:r>
-          </a:p>
-          <a:p>
-            <a:pPr lvl="1"/>
-            <a:r>
-              <a:rPr lang="en-US"/>
-              <a:t>Second level</a:t>
-            </a:r>
-          </a:p>
-          <a:p>
-            <a:pPr lvl="2"/>
-            <a:r>
-              <a:rPr lang="en-US"/>
-              <a:t>Third level</a:t>
-            </a:r>
-          </a:p>
-          <a:p>
-            <a:pPr lvl="3"/>
-            <a:r>
-              <a:rPr lang="en-US"/>
-              <a:t>Fourth level</a:t>
-            </a:r>
-          </a:p>
-          <a:p>
-            <a:pPr lvl="4"/>
-            <a:r>
-              <a:rPr lang="en-US"/>
-              <a:t>Fifth level</a:t>
-            </a:r>
-          </a:p>
-        </p:txBody>
-      </p:sp>
-      <p:sp>
-        <p:nvSpPr>
-          <p:cNvPr id="4" name="Date Placeholder 3"/>
-          <p:cNvSpPr>
-            <a:spLocks noGrp="1"/>
-          </p:cNvSpPr>
-          <p:nvPr>
-            <p:ph idx="2" sz="half" type="dt"/>
+          <a:bodyPr anchor="ctr" bIns="45720" lIns="91440" rIns="91440" rtlCol="0" tIns="45720" vert="horz"/>
+          <a:lstStyle>
+            <a:lvl1pPr algn="r">
+              <a:defRPr sz="1000">
+                <a:solidFill>
+                  <a:schemeClr val="bg1"/>
+                </a:solidFill>
+                <a:latin charset="0" panose="020B0604020202020204" pitchFamily="34" typeface="Arial"/>
+                <a:cs charset="0" panose="020B0604020202020204" pitchFamily="34" typeface="Arial"/>
+              </a:defRPr>
+            </a:lvl1pPr>
+          </a:lstStyle>
+          <a:p>
+            <a:fld id="{DFF3CF64-7C58-ED48-B151-C0AF0EEF3592}" type="slidenum">
+              <a:rPr lang="en-US" smtClean="0"/>
+              <a:pPr/>
+              <a:t>‹#›</a:t>
+            </a:fld>
+            <a:endParaRPr dirty="0" lang="en-US"/>
+          </a:p>
+        </p:txBody>
+      </p:sp>
+      <p:sp>
+        <p:nvSpPr>
+          <p:cNvPr id="9" name="Text Placeholder 11"/>
+          <p:cNvSpPr>
+            <a:spLocks noGrp="1"/>
+          </p:cNvSpPr>
+          <p:nvPr>
+            <p:ph idx="1" type="body"/>
           </p:nvPr>
         </p:nvSpPr>
         <p:spPr>
           <a:xfrm>
-            <a:off x="457200" y="4767263"/>
-            <a:ext cx="2133600" cy="273844"/>
+            <a:off x="571316" y="1740185"/>
+            <a:ext cx="7886700" cy="3491297"/>
           </a:xfrm>
           <a:prstGeom prst="rect">
             <a:avLst/>
           </a:prstGeom>
         </p:spPr>
         <p:txBody>
-          <a:bodyPr anchor="ctr" bIns="45720" lIns="91440" rIns="91440" rtlCol="0" tIns="45720" vert="horz"/>
-          <a:lstStyle>
-            <a:lvl1pPr algn="l">
-              <a:defRPr sz="900">
-                <a:solidFill>
-                  <a:schemeClr val="tx1">
-                    <a:tint val="75000"/>
-                  </a:schemeClr>
-                </a:solidFill>
-              </a:defRPr>
-            </a:lvl1pPr>
-          </a:lstStyle>
-          <a:p>
-            <a:fld id="{241EB5C9-1307-BA42-ABA2-0BC069CD8E7F}" type="datetimeFigureOut">
-              <a:rPr lang="en-US" smtClean="0"/>
-              <a:t>1/2/22</a:t>
-            </a:fld>
-            <a:endParaRPr lang="en-US"/>
-          </a:p>
-        </p:txBody>
-      </p:sp>
-      <p:sp>
-        <p:nvSpPr>
-          <p:cNvPr id="5" name="Footer Placeholder 4"/>
-          <p:cNvSpPr>
-            <a:spLocks noGrp="1"/>
-          </p:cNvSpPr>
-          <p:nvPr>
-            <p:ph idx="3" sz="quarter" type="ftr"/>
+          <a:bodyPr bIns="45720" lIns="0" rIns="91440" rtlCol="0" tIns="45720" vert="horz">
+            <a:normAutofit/>
+          </a:bodyPr>
+          <a:lstStyle/>
+          <a:p>
+            <a:pPr lvl="0"/>
+            <a:r>
+              <a:rPr dirty="0" lang="en-US"/>
+              <a:t>Click to edit Master text styles</a:t>
+            </a:r>
+          </a:p>
+          <a:p>
+            <a:pPr lvl="1"/>
+            <a:r>
+              <a:rPr dirty="0" lang="en-US"/>
+              <a:t>Second level</a:t>
+            </a:r>
+          </a:p>
+          <a:p>
+            <a:pPr lvl="2"/>
+            <a:r>
+              <a:rPr dirty="0" lang="en-US"/>
+              <a:t>Third level</a:t>
+            </a:r>
+          </a:p>
+        </p:txBody>
+      </p:sp>
+      <p:sp>
+        <p:nvSpPr>
+          <p:cNvPr id="10" name="Title Placeholder 12"/>
+          <p:cNvSpPr>
+            <a:spLocks noGrp="1"/>
+          </p:cNvSpPr>
+          <p:nvPr>
+            <p:ph type="title"/>
           </p:nvPr>
         </p:nvSpPr>
         <p:spPr>
           <a:xfrm>
-            <a:off x="3124200" y="4767263"/>
-            <a:ext cx="2895600" cy="273844"/>
+            <a:off x="571316" y="736810"/>
+            <a:ext cx="7886700" cy="868430"/>
           </a:xfrm>
           <a:prstGeom prst="rect">
             <a:avLst/>
           </a:prstGeom>
         </p:spPr>
         <p:txBody>
-          <a:bodyPr anchor="ctr" bIns="45720" lIns="91440" rIns="91440" rtlCol="0" tIns="45720" vert="horz"/>
-          <a:lstStyle>
-            <a:lvl1pPr algn="ctr">
-              <a:defRPr sz="900">
-                <a:solidFill>
-                  <a:schemeClr val="tx1">
-                    <a:tint val="75000"/>
-                  </a:schemeClr>
-                </a:solidFill>
-              </a:defRPr>
-            </a:lvl1pPr>
-          </a:lstStyle>
-          <a:p>
-            <a:endParaRPr lang="en-US"/>
-          </a:p>
-        </p:txBody>
-      </p:sp>
-      <p:sp>
-        <p:nvSpPr>
-          <p:cNvPr id="6" name="Slide Number Placeholder 5"/>
-          <p:cNvSpPr>
-            <a:spLocks noGrp="1"/>
-          </p:cNvSpPr>
-          <p:nvPr>
-            <p:ph idx="4" sz="quarter" type="sldNum"/>
-          </p:nvPr>
-        </p:nvSpPr>
+          <a:bodyPr anchor="b" bIns="45720" lIns="0" rIns="91440" rtlCol="0" tIns="45720" vert="horz">
+            <a:normAutofit/>
+          </a:bodyPr>
+          <a:lstStyle/>
+          <a:p>
+            <a:r>
+              <a:rPr dirty="0" lang="en-US"/>
+              <a:t>Click to edit Master title style</a:t>
+            </a:r>
+          </a:p>
+        </p:txBody>
+      </p:sp>
+      <p:pic>
+        <p:nvPicPr>
+          <p:cNvPr id="8" name="Picture 7">
+            <a:extLst>
+              <a:ext uri="{FF2B5EF4-FFF2-40B4-BE49-F238E27FC236}">
+                <a16:creationId xmlns:a16="http://schemas.microsoft.com/office/drawing/2014/main" id="{AC533B6E-AD8D-7B45-8C8F-B1A2A8D7C16B}"/>
+              </a:ext>
+            </a:extLst>
+          </p:cNvPr>
+          <p:cNvPicPr>
+            <a:picLocks noChangeAspect="1"/>
+          </p:cNvPicPr>
+          <p:nvPr userDrawn="1"/>
+        </p:nvPicPr>
+        <p:blipFill>
+          <a:blip r:embed="rId16"/>
+          <a:stretch>
+            <a:fillRect/>
+          </a:stretch>
+        </p:blipFill>
         <p:spPr>
           <a:xfrm>
-            <a:off x="6553200" y="4767263"/>
-            <a:ext cx="2133600" cy="273844"/>
+            <a:off x="574682" y="6435813"/>
+            <a:ext cx="2244903" cy="306595"/>
           </a:xfrm>
           <a:prstGeom prst="rect">
             <a:avLst/>
           </a:prstGeom>
         </p:spPr>
-        <p:txBody>
-          <a:bodyPr anchor="ctr" bIns="45720" lIns="91440" rIns="91440" rtlCol="0" tIns="45720" vert="horz"/>
-          <a:lstStyle>
-            <a:lvl1pPr algn="r">
-              <a:defRPr sz="900">
-                <a:solidFill>
-                  <a:schemeClr val="tx1">
-                    <a:tint val="75000"/>
-                  </a:schemeClr>
-                </a:solidFill>
-              </a:defRPr>
-            </a:lvl1pPr>
-          </a:lstStyle>
-          <a:p>
-            <a:fld id="{C5EF2332-01BF-834F-8236-50238282D533}" type="slidenum">
-              <a:rPr lang="en-US" smtClean="0"/>
-              <a:t>‹#›</a:t>
-            </a:fld>
-            <a:endParaRPr lang="en-US"/>
-          </a:p>
-        </p:txBody>
-      </p:sp>
+      </p:pic>
     </p:spTree>
     <p:extLst>
       <p:ext uri="{BB962C8B-B14F-4D97-AF65-F5344CB8AC3E}">
-        <p14:creationId xmlns:p14="http://schemas.microsoft.com/office/powerpoint/2010/main" val="3676200875"/>
+        <p14:creationId xmlns:p14="http://schemas.microsoft.com/office/powerpoint/2010/main" val="1979123371"/>
       </p:ext>
     </p:extLst>
   </p:cSld>
   <p:clrMap accent1="accent1" accent2="accent2" accent3="accent3" accent4="accent4" accent5="accent5" accent6="accent6" bg1="lt1" bg2="lt2" folHlink="folHlink" hlink="hlink" tx1="dk1" tx2="dk2"/>
   <p:sldLayoutIdLst>
-    <p:sldLayoutId id="2147483649" r:id="rId1"/>
-    <p:sldLayoutId id="2147483650" r:id="rId2"/>
-    <p:sldLayoutId id="2147483651" r:id="rId3"/>
-    <p:sldLayoutId id="2147483652" r:id="rId4"/>
-    <p:sldLayoutId id="2147483653" r:id="rId5"/>
-    <p:sldLayoutId id="2147483654" r:id="rId6"/>
-    <p:sldLayoutId id="2147483655" r:id="rId7"/>
-    <p:sldLayoutId id="2147483656" r:id="rId8"/>
-    <p:sldLayoutId id="2147483657" r:id="rId9"/>
-    <p:sldLayoutId id="2147483658" r:id="rId10"/>
-    <p:sldLayoutId id="2147483659" r:id="rId11"/>
+    <p:sldLayoutId id="2147483929" r:id="rId1"/>
+    <p:sldLayoutId id="2147483931" r:id="rId2"/>
+    <p:sldLayoutId id="2147483932" r:id="rId3"/>
+    <p:sldLayoutId id="2147483930" r:id="rId4"/>
+    <p:sldLayoutId id="2147483919" r:id="rId5"/>
+    <p:sldLayoutId id="2147483920" r:id="rId6"/>
+    <p:sldLayoutId id="2147483921" r:id="rId7"/>
+    <p:sldLayoutId id="2147483922" r:id="rId8"/>
+    <p:sldLayoutId id="2147483923" r:id="rId9"/>
+    <p:sldLayoutId id="2147483924" r:id="rId10"/>
+    <p:sldLayoutId id="2147483925" r:id="rId11"/>
+    <p:sldLayoutId id="2147483926" r:id="rId12"/>
+    <p:sldLayoutId id="2147483927" r:id="rId13"/>
   </p:sldLayoutIdLst>
+  <p:hf dt="0" hdr="0"/>
   <p:txStyles>
     <p:titleStyle>
-      <a:lvl1pPr algn="ctr" defTabSz="342900" eaLnBrk="1" hangingPunct="1" latinLnBrk="0" rtl="0">
+      <a:lvl1pPr algn="l" defTabSz="685800" eaLnBrk="1" hangingPunct="1" latinLnBrk="0" rtl="0">
+        <a:lnSpc>
+          <a:spcPct val="90000"/>
+        </a:lnSpc>
         <a:spcBef>
           <a:spcPct val="0"/>
         </a:spcBef>
         <a:buNone/>
-        <a:defRPr kern="1200" sz="3300">
+        <a:defRPr b="0" i="0" kern="1200" sz="2800">
           <a:solidFill>
-            <a:schemeClr val="tx1"/>
+            <a:srgbClr val="1D4F91"/>
           </a:solidFill>
-          <a:latin typeface="+mj-lt"/>
-          <a:ea typeface="+mj-ea"/>
-          <a:cs typeface="+mj-cs"/>
+          <a:latin charset="0" panose="020B0604020202020204" pitchFamily="34" typeface="Arial"/>
+          <a:ea charset="0" panose="020B0604020202020204" pitchFamily="34" typeface="Arial"/>
+          <a:cs charset="0" panose="020B0604020202020204" pitchFamily="34" typeface="Arial"/>
         </a:defRPr>
       </a:lvl1pPr>
     </p:titleStyle>
     <p:bodyStyle>
-      <a:lvl1pPr algn="l" defTabSz="342900" eaLnBrk="1" hangingPunct="1" indent="-342900" latinLnBrk="0" marL="342900" rtl="0">
+      <a:lvl1pPr algn="l" defTabSz="685800" eaLnBrk="1" fontAlgn="auto" hangingPunct="1" indent="0" latinLnBrk="0" marL="0" marR="0" rtl="0">
+        <a:lnSpc>
+          <a:spcPct val="110000"/>
+        </a:lnSpc>
         <a:spcBef>
-          <a:spcPct val="20000"/>
+          <a:spcPts val="750"/>
         </a:spcBef>
-        <a:buFont typeface="Arial"/>
-        <a:buChar char="•"/>
-        <a:defRPr kern="1200" sz="2400">
+        <a:spcAft>
+          <a:spcPts val="0"/>
+        </a:spcAft>
+        <a:buClr>
+          <a:schemeClr val="accent2"/>
+        </a:buClr>
+        <a:buSzTx/>
+        <a:buFont charset="0" panose="020B0604020202020204" pitchFamily="34" typeface="Arial"/>
+        <a:buNone/>
+        <a:tabLst/>
+        <a:defRPr b="0" baseline="0" i="0" kern="1200" sz="1600">
           <a:solidFill>
             <a:schemeClr val="tx1"/>
           </a:solidFill>
-          <a:latin typeface="+mn-lt"/>
-          <a:ea typeface="+mn-ea"/>
-          <a:cs typeface="+mn-cs"/>
+          <a:latin charset="0" panose="020B0604020202020204" pitchFamily="34" typeface="Arial"/>
+          <a:ea charset="0" panose="020B0604020202020204" pitchFamily="34" typeface="Arial"/>
+          <a:cs charset="0" panose="020B0604020202020204" pitchFamily="34" typeface="Arial"/>
         </a:defRPr>
       </a:lvl1pPr>
-      <a:lvl2pPr algn="l" defTabSz="342900" eaLnBrk="1" hangingPunct="1" indent="-342900" latinLnBrk="0" marL="685800" rtl="0">
+      <a:lvl2pPr algn="l" defTabSz="685800" eaLnBrk="1" hangingPunct="1" indent="-171450" latinLnBrk="0" marL="514350" rtl="0">
+        <a:lnSpc>
+          <a:spcPct val="110000"/>
+        </a:lnSpc>
         <a:spcBef>
-          <a:spcPct val="20000"/>
+          <a:spcPts val="375"/>
         </a:spcBef>
-        <a:buFont typeface="Arial"/>
-        <a:buChar char="–"/>
-        <a:defRPr kern="1200" sz="2100">
+        <a:buClr>
+          <a:srgbClr val="1D4F91"/>
+        </a:buClr>
+        <a:buFont charset="0" panose="020B0604020202020204" pitchFamily="34" typeface="Arial"/>
+        <a:buChar char="•"/>
+        <a:defRPr b="0" baseline="0" i="0" kern="1200" sz="1600">
           <a:solidFill>
             <a:schemeClr val="tx1"/>
           </a:solidFill>
-          <a:latin typeface="+mn-lt"/>
-          <a:ea typeface="+mn-ea"/>
-          <a:cs typeface="+mn-cs"/>
+          <a:latin charset="0" panose="020B0604020202020204" pitchFamily="34" typeface="Arial"/>
+          <a:ea charset="0" panose="020B0604020202020204" pitchFamily="34" typeface="Arial"/>
+          <a:cs charset="0" panose="020B0604020202020204" pitchFamily="34" typeface="Arial"/>
         </a:defRPr>
       </a:lvl2pPr>
-      <a:lvl3pPr algn="l" defTabSz="342900" eaLnBrk="1" hangingPunct="1" indent="-342900" latinLnBrk="0" marL="1028700" rtl="0">
+      <a:lvl3pPr algn="l" defTabSz="685800" eaLnBrk="1" hangingPunct="1" indent="-171450" latinLnBrk="0" marL="857250" rtl="0">
+        <a:lnSpc>
+          <a:spcPct val="110000"/>
+        </a:lnSpc>
         <a:spcBef>
-          <a:spcPct val="20000"/>
+          <a:spcPts val="375"/>
         </a:spcBef>
-        <a:buFont typeface="Arial"/>
-        <a:buChar char="•"/>
-        <a:defRPr kern="1200" sz="1800">
+        <a:buClr>
+          <a:srgbClr val="1D4F91"/>
+        </a:buClr>
+        <a:buFont charset="0" typeface="LucidaGrande"/>
+        <a:buChar char="-"/>
+        <a:defRPr b="0" baseline="0" i="0" kern="1200" sz="1600">
           <a:solidFill>
             <a:schemeClr val="tx1"/>
           </a:solidFill>
-          <a:latin typeface="+mn-lt"/>
-          <a:ea typeface="+mn-ea"/>
-          <a:cs typeface="+mn-cs"/>
+          <a:latin charset="0" panose="020B0604020202020204" pitchFamily="34" typeface="Arial"/>
+          <a:ea charset="0" panose="020B0604020202020204" pitchFamily="34" typeface="Arial"/>
+          <a:cs charset="0" panose="020B0604020202020204" pitchFamily="34" typeface="Arial"/>
         </a:defRPr>
       </a:lvl3pPr>
-      <a:lvl4pPr algn="l" defTabSz="342900" eaLnBrk="1" hangingPunct="1" indent="-342900" latinLnBrk="0" marL="1371600" rtl="0">
+      <a:lvl4pPr algn="l" defTabSz="685800" eaLnBrk="1" hangingPunct="1" indent="-171450" latinLnBrk="0" marL="1200150" rtl="0">
+        <a:lnSpc>
+          <a:spcPct val="90000"/>
+        </a:lnSpc>
         <a:spcBef>
-          <a:spcPct val="20000"/>
+          <a:spcPts val="375"/>
         </a:spcBef>
-        <a:buFont typeface="Arial"/>
-        <a:buChar char="–"/>
-        <a:defRPr kern="1200" sz="1500">
+        <a:buClr>
+          <a:srgbClr val="005BBB"/>
+        </a:buClr>
+        <a:buFont charset="0" panose="020B0604020202020204" pitchFamily="34" typeface="Arial"/>
+        <a:buChar char="•"/>
+        <a:defRPr kern="1200" sz="1350">
           <a:solidFill>
             <a:schemeClr val="tx1"/>
           </a:solidFill>
-          <a:latin typeface="+mn-lt"/>
-          <a:ea typeface="+mn-ea"/>
-          <a:cs typeface="+mn-cs"/>
+          <a:latin charset="0" typeface="Arial"/>
+          <a:ea charset="0" typeface="Arial"/>
+          <a:cs charset="0" typeface="Arial"/>
         </a:defRPr>
       </a:lvl4pPr>
-      <a:lvl5pPr algn="l" defTabSz="342900" eaLnBrk="1" hangingPunct="1" indent="-342900" latinLnBrk="0" marL="1714500" rtl="0">
+      <a:lvl5pPr algn="l" defTabSz="685800" eaLnBrk="1" hangingPunct="1" indent="-171450" latinLnBrk="0" marL="1543050" rtl="0">
+        <a:lnSpc>
+          <a:spcPct val="90000"/>
+        </a:lnSpc>
         <a:spcBef>
-          <a:spcPct val="20000"/>
+          <a:spcPts val="375"/>
         </a:spcBef>
-        <a:buFont typeface="Arial"/>
-        <a:buChar char="»"/>
-        <a:defRPr kern="1200" sz="1500">
+        <a:buClr>
+          <a:srgbClr val="005BBB"/>
+        </a:buClr>
+        <a:buFont charset="0" panose="020B0604020202020204" pitchFamily="34" typeface="Arial"/>
+        <a:buChar char="•"/>
+        <a:defRPr kern="1200" sz="1350">
           <a:solidFill>
             <a:schemeClr val="tx1"/>
           </a:solidFill>
-          <a:latin typeface="+mn-lt"/>
-          <a:ea typeface="+mn-ea"/>
-          <a:cs typeface="+mn-cs"/>
+          <a:latin charset="0" typeface="Arial"/>
+          <a:ea charset="0" typeface="Arial"/>
+          <a:cs charset="0" typeface="Arial"/>
         </a:defRPr>
       </a:lvl5pPr>
-      <a:lvl6pPr algn="l" defTabSz="342900" eaLnBrk="1" hangingPunct="1" indent="-342900" latinLnBrk="0" marL="2057400" rtl="0">
+      <a:lvl6pPr algn="l" defTabSz="685800" eaLnBrk="1" hangingPunct="1" indent="-171450" latinLnBrk="0" marL="1885950" rtl="0">
+        <a:lnSpc>
+          <a:spcPct val="90000"/>
+        </a:lnSpc>
         <a:spcBef>
-          <a:spcPct val="20000"/>
+          <a:spcPts val="375"/>
         </a:spcBef>
-        <a:buFont typeface="Arial"/>
+        <a:buFont charset="0" panose="020B0604020202020204" pitchFamily="34" typeface="Arial"/>
         <a:buChar char="•"/>
-        <a:defRPr kern="1200" sz="1500">
+        <a:defRPr kern="1200" sz="1350">
           <a:solidFill>
             <a:schemeClr val="tx1"/>
           </a:solidFill>
@@ -2932,13 +4202,16 @@
           <a:cs typeface="+mn-cs"/>
         </a:defRPr>
       </a:lvl6pPr>
-      <a:lvl7pPr algn="l" defTabSz="342900" eaLnBrk="1" hangingPunct="1" indent="-342900" latinLnBrk="0" marL="2400300" rtl="0">
+      <a:lvl7pPr algn="l" defTabSz="685800" eaLnBrk="1" hangingPunct="1" indent="-171450" latinLnBrk="0" marL="2228850" rtl="0">
+        <a:lnSpc>
+          <a:spcPct val="90000"/>
+        </a:lnSpc>
         <a:spcBef>
-          <a:spcPct val="20000"/>
+          <a:spcPts val="375"/>
         </a:spcBef>
-        <a:buFont typeface="Arial"/>
+        <a:buFont charset="0" panose="020B0604020202020204" pitchFamily="34" typeface="Arial"/>
         <a:buChar char="•"/>
-        <a:defRPr kern="1200" sz="1500">
+        <a:defRPr kern="1200" sz="1350">
           <a:solidFill>
             <a:schemeClr val="tx1"/>
           </a:solidFill>
@@ -2947,13 +4220,16 @@
           <a:cs typeface="+mn-cs"/>
         </a:defRPr>
       </a:lvl7pPr>
-      <a:lvl8pPr algn="l" defTabSz="342900" eaLnBrk="1" hangingPunct="1" indent="-342900" latinLnBrk="0" marL="2743200" rtl="0">
+      <a:lvl8pPr algn="l" defTabSz="685800" eaLnBrk="1" hangingPunct="1" indent="-171450" latinLnBrk="0" marL="2571750" rtl="0">
+        <a:lnSpc>
+          <a:spcPct val="90000"/>
+        </a:lnSpc>
         <a:spcBef>
-          <a:spcPct val="20000"/>
+          <a:spcPts val="375"/>
         </a:spcBef>
-        <a:buFont typeface="Arial"/>
+        <a:buFont charset="0" panose="020B0604020202020204" pitchFamily="34" typeface="Arial"/>
         <a:buChar char="•"/>
-        <a:defRPr kern="1200" sz="1500">
+        <a:defRPr kern="1200" sz="1350">
           <a:solidFill>
             <a:schemeClr val="tx1"/>
           </a:solidFill>
@@ -2962,13 +4238,16 @@
           <a:cs typeface="+mn-cs"/>
         </a:defRPr>
       </a:lvl8pPr>
-      <a:lvl9pPr algn="l" defTabSz="342900" eaLnBrk="1" hangingPunct="1" indent="-342900" latinLnBrk="0" marL="3086100" rtl="0">
+      <a:lvl9pPr algn="l" defTabSz="685800" eaLnBrk="1" hangingPunct="1" indent="-171450" latinLnBrk="0" marL="2914650" rtl="0">
+        <a:lnSpc>
+          <a:spcPct val="90000"/>
+        </a:lnSpc>
         <a:spcBef>
-          <a:spcPct val="20000"/>
+          <a:spcPts val="375"/>
         </a:spcBef>
-        <a:buFont typeface="Arial"/>
+        <a:buFont charset="0" panose="020B0604020202020204" pitchFamily="34" typeface="Arial"/>
         <a:buChar char="•"/>
-        <a:defRPr kern="1200" sz="1500">
+        <a:defRPr kern="1200" sz="1350">
           <a:solidFill>
             <a:schemeClr val="tx1"/>
           </a:solidFill>
@@ -2982,7 +4261,7 @@
       <a:defPPr>
         <a:defRPr lang="en-US"/>
       </a:defPPr>
-      <a:lvl1pPr algn="l" defTabSz="342900" eaLnBrk="1" hangingPunct="1" latinLnBrk="0" marL="0" rtl="0">
+      <a:lvl1pPr algn="l" defTabSz="685800" eaLnBrk="1" hangingPunct="1" latinLnBrk="0" marL="0" rtl="0">
         <a:defRPr kern="1200" sz="1350">
           <a:solidFill>
             <a:schemeClr val="tx1"/>
@@ -2992,7 +4271,7 @@
           <a:cs typeface="+mn-cs"/>
         </a:defRPr>
       </a:lvl1pPr>
-      <a:lvl2pPr algn="l" defTabSz="342900" eaLnBrk="1" hangingPunct="1" latinLnBrk="0" marL="342900" rtl="0">
+      <a:lvl2pPr algn="l" defTabSz="685800" eaLnBrk="1" hangingPunct="1" latinLnBrk="0" marL="342900" rtl="0">
         <a:defRPr kern="1200" sz="1350">
           <a:solidFill>
             <a:schemeClr val="tx1"/>
@@ -3002,7 +4281,7 @@
           <a:cs typeface="+mn-cs"/>
         </a:defRPr>
       </a:lvl2pPr>
-      <a:lvl3pPr algn="l" defTabSz="342900" eaLnBrk="1" hangingPunct="1" latinLnBrk="0" marL="685800" rtl="0">
+      <a:lvl3pPr algn="l" defTabSz="685800" eaLnBrk="1" hangingPunct="1" latinLnBrk="0" marL="685800" rtl="0">
         <a:defRPr kern="1200" sz="1350">
           <a:solidFill>
             <a:schemeClr val="tx1"/>
@@ -3012,7 +4291,7 @@
           <a:cs typeface="+mn-cs"/>
         </a:defRPr>
       </a:lvl3pPr>
-      <a:lvl4pPr algn="l" defTabSz="342900" eaLnBrk="1" hangingPunct="1" latinLnBrk="0" marL="1028700" rtl="0">
+      <a:lvl4pPr algn="l" defTabSz="685800" eaLnBrk="1" hangingPunct="1" latinLnBrk="0" marL="1028700" rtl="0">
         <a:defRPr kern="1200" sz="1350">
           <a:solidFill>
             <a:schemeClr val="tx1"/>
@@ -3022,7 +4301,7 @@
           <a:cs typeface="+mn-cs"/>
         </a:defRPr>
       </a:lvl4pPr>
-      <a:lvl5pPr algn="l" defTabSz="342900" eaLnBrk="1" hangingPunct="1" latinLnBrk="0" marL="1371600" rtl="0">
+      <a:lvl5pPr algn="l" defTabSz="685800" eaLnBrk="1" hangingPunct="1" latinLnBrk="0" marL="1371600" rtl="0">
         <a:defRPr kern="1200" sz="1350">
           <a:solidFill>
             <a:schemeClr val="tx1"/>
@@ -3032,7 +4311,7 @@
           <a:cs typeface="+mn-cs"/>
         </a:defRPr>
       </a:lvl5pPr>
-      <a:lvl6pPr algn="l" defTabSz="342900" eaLnBrk="1" hangingPunct="1" latinLnBrk="0" marL="1714500" rtl="0">
+      <a:lvl6pPr algn="l" defTabSz="685800" eaLnBrk="1" hangingPunct="1" latinLnBrk="0" marL="1714500" rtl="0">
         <a:defRPr kern="1200" sz="1350">
           <a:solidFill>
             <a:schemeClr val="tx1"/>
@@ -3042,7 +4321,7 @@
           <a:cs typeface="+mn-cs"/>
         </a:defRPr>
       </a:lvl6pPr>
-      <a:lvl7pPr algn="l" defTabSz="342900" eaLnBrk="1" hangingPunct="1" latinLnBrk="0" marL="2057400" rtl="0">
+      <a:lvl7pPr algn="l" defTabSz="685800" eaLnBrk="1" hangingPunct="1" latinLnBrk="0" marL="2057400" rtl="0">
         <a:defRPr kern="1200" sz="1350">
           <a:solidFill>
             <a:schemeClr val="tx1"/>
@@ -3052,7 +4331,7 @@
           <a:cs typeface="+mn-cs"/>
         </a:defRPr>
       </a:lvl7pPr>
-      <a:lvl8pPr algn="l" defTabSz="342900" eaLnBrk="1" hangingPunct="1" latinLnBrk="0" marL="2400300" rtl="0">
+      <a:lvl8pPr algn="l" defTabSz="685800" eaLnBrk="1" hangingPunct="1" latinLnBrk="0" marL="2400300" rtl="0">
         <a:defRPr kern="1200" sz="1350">
           <a:solidFill>
             <a:schemeClr val="tx1"/>
@@ -3062,7 +4341,7 @@
           <a:cs typeface="+mn-cs"/>
         </a:defRPr>
       </a:lvl8pPr>
-      <a:lvl9pPr algn="l" defTabSz="342900" eaLnBrk="1" hangingPunct="1" latinLnBrk="0" marL="2743200" rtl="0">
+      <a:lvl9pPr algn="l" defTabSz="685800" eaLnBrk="1" hangingPunct="1" latinLnBrk="0" marL="2743200" rtl="0">
         <a:defRPr kern="1200" sz="1350">
           <a:solidFill>
             <a:schemeClr val="tx1"/>
@@ -3074,6 +4353,72 @@
       </a:lvl9pPr>
     </p:otherStyle>
   </p:txStyles>
+  <p:extLst mod="1">
+    <p:ext uri="{27BBF7A9-308A-43DC-89C8-2F10F3537804}">
+      <p15:sldGuideLst xmlns:p15="http://schemas.microsoft.com/office/powerpoint/2012/main">
+        <p15:guide id="1" orient="horz" pos="880">
+          <p15:clr>
+            <a:srgbClr val="F26B43"/>
+          </p15:clr>
+        </p15:guide>
+        <p15:guide id="2" pos="312">
+          <p15:clr>
+            <a:srgbClr val="F26B43"/>
+          </p15:clr>
+        </p15:guide>
+        <p15:guide id="3" orient="horz" pos="4016">
+          <p15:clr>
+            <a:srgbClr val="F26B43"/>
+          </p15:clr>
+        </p15:guide>
+        <p15:guide id="4" pos="5544">
+          <p15:clr>
+            <a:srgbClr val="F26B43"/>
+          </p15:clr>
+        </p15:guide>
+        <p15:guide id="5" pos="216">
+          <p15:clr>
+            <a:srgbClr val="F26B43"/>
+          </p15:clr>
+        </p15:guide>
+        <p15:guide id="6" pos="3348">
+          <p15:clr>
+            <a:srgbClr val="F26B43"/>
+          </p15:clr>
+        </p15:guide>
+        <p15:guide id="7" pos="3528">
+          <p15:clr>
+            <a:srgbClr val="F26B43"/>
+          </p15:clr>
+        </p15:guide>
+        <p15:guide id="8" pos="3384">
+          <p15:clr>
+            <a:srgbClr val="F26B43"/>
+          </p15:clr>
+        </p15:guide>
+        <p15:guide id="9" orient="horz" pos="1848">
+          <p15:clr>
+            <a:srgbClr val="F26B43"/>
+          </p15:clr>
+        </p15:guide>
+        <p15:guide id="10" orient="horz" pos="1896">
+          <p15:clr>
+            <a:srgbClr val="F26B43"/>
+          </p15:clr>
+        </p15:guide>
+        <p15:guide id="11" orient="horz" pos="2880">
+          <p15:clr>
+            <a:srgbClr val="F26B43"/>
+          </p15:clr>
+        </p15:guide>
+        <p15:guide id="12" orient="horz" pos="2832">
+          <p15:clr>
+            <a:srgbClr val="F26B43"/>
+          </p15:clr>
+        </p15:guide>
+      </p15:sldGuideLst>
+    </p:ext>
+  </p:extLst>
 </p:sldMaster>
 </file>
 
@@ -3147,6 +4492,10 @@
             <a:pPr lvl="0" indent="0" marL="0">
               <a:buNone/>
             </a:pPr>
+            <a:r>
+              <a:rPr/>
+              <a:t>Compare three Survival models</a:t>
+            </a:r>
             <a:br/>
             <a:br/>
             <a:r>
@@ -3158,12 +4507,12 @@
       </p:sp>
       <p:sp>
         <p:nvSpPr>
-          <p:cNvPr id="4" name="Date Placeholder 3"/>
-          <p:cNvSpPr>
-            <a:spLocks noGrp="1"/>
-          </p:cNvSpPr>
-          <p:nvPr>
-            <p:ph idx="10" sz="half" type="dt"/>
+          <p:cNvPr id="5" name="Footer Placeholder 4"/>
+          <p:cNvSpPr>
+            <a:spLocks noGrp="1"/>
+          </p:cNvSpPr>
+          <p:nvPr>
+            <p:ph idx="11" sz="quarter" type="ftr"/>
           </p:nvPr>
         </p:nvSpPr>
         <p:spPr/>
@@ -3171,13 +4520,30 @@
           <a:bodyPr/>
           <a:lstStyle/>
           <a:p>
-            <a:pPr lvl="0" indent="0" marL="0">
-              <a:buNone/>
-            </a:pPr>
-            <a:r>
-              <a:rPr/>
-              <a:t>2023-02-22</a:t>
-            </a:r>
+            <a:endParaRPr lang="en-US"/>
+          </a:p>
+        </p:txBody>
+      </p:sp>
+      <p:sp>
+        <p:nvSpPr>
+          <p:cNvPr id="6" name="Slide Number Placeholder 5"/>
+          <p:cNvSpPr>
+            <a:spLocks noGrp="1"/>
+          </p:cNvSpPr>
+          <p:nvPr>
+            <p:ph idx="12" sz="quarter" type="sldNum"/>
+          </p:nvPr>
+        </p:nvSpPr>
+        <p:spPr/>
+        <p:txBody>
+          <a:bodyPr/>
+          <a:lstStyle/>
+          <a:p>
+            <a:fld id="{C5EF2332-01BF-834F-8236-50238282D533}" type="slidenum">
+              <a:rPr lang="en-US" smtClean="0"/>
+              <a:t>‹#›</a:t>
+            </a:fld>
+            <a:endParaRPr lang="en-US"/>
           </a:p>
         </p:txBody>
       </p:sp>
@@ -3280,6 +4646,48 @@
           </a:p>
         </p:txBody>
       </p:sp>
+      <p:sp>
+        <p:nvSpPr>
+          <p:cNvPr id="5" name="Footer Placeholder 4"/>
+          <p:cNvSpPr>
+            <a:spLocks noGrp="1"/>
+          </p:cNvSpPr>
+          <p:nvPr>
+            <p:ph idx="11" sz="quarter" type="ftr"/>
+          </p:nvPr>
+        </p:nvSpPr>
+        <p:spPr/>
+        <p:txBody>
+          <a:bodyPr/>
+          <a:lstStyle/>
+          <a:p>
+            <a:endParaRPr lang="en-US"/>
+          </a:p>
+        </p:txBody>
+      </p:sp>
+      <p:sp>
+        <p:nvSpPr>
+          <p:cNvPr id="6" name="Slide Number Placeholder 5"/>
+          <p:cNvSpPr>
+            <a:spLocks noGrp="1"/>
+          </p:cNvSpPr>
+          <p:nvPr>
+            <p:ph idx="12" sz="quarter" type="sldNum"/>
+          </p:nvPr>
+        </p:nvSpPr>
+        <p:spPr/>
+        <p:txBody>
+          <a:bodyPr/>
+          <a:lstStyle/>
+          <a:p>
+            <a:fld id="{C5EF2332-01BF-834F-8236-50238282D533}" type="slidenum">
+              <a:rPr lang="en-US" smtClean="0"/>
+              <a:t>‹#›</a:t>
+            </a:fld>
+            <a:endParaRPr lang="en-US"/>
+          </a:p>
+        </p:txBody>
+      </p:sp>
     </p:spTree>
   </p:cSld>
 </p:sld>
@@ -3364,6 +4772,48 @@
           </a:p>
         </p:txBody>
       </p:sp>
+      <p:sp>
+        <p:nvSpPr>
+          <p:cNvPr id="5" name="Footer Placeholder 4"/>
+          <p:cNvSpPr>
+            <a:spLocks noGrp="1"/>
+          </p:cNvSpPr>
+          <p:nvPr>
+            <p:ph idx="11" sz="quarter" type="ftr"/>
+          </p:nvPr>
+        </p:nvSpPr>
+        <p:spPr/>
+        <p:txBody>
+          <a:bodyPr/>
+          <a:lstStyle/>
+          <a:p>
+            <a:endParaRPr lang="en-US"/>
+          </a:p>
+        </p:txBody>
+      </p:sp>
+      <p:sp>
+        <p:nvSpPr>
+          <p:cNvPr id="6" name="Slide Number Placeholder 5"/>
+          <p:cNvSpPr>
+            <a:spLocks noGrp="1"/>
+          </p:cNvSpPr>
+          <p:nvPr>
+            <p:ph idx="12" sz="quarter" type="sldNum"/>
+          </p:nvPr>
+        </p:nvSpPr>
+        <p:spPr/>
+        <p:txBody>
+          <a:bodyPr/>
+          <a:lstStyle/>
+          <a:p>
+            <a:fld id="{C5EF2332-01BF-834F-8236-50238282D533}" type="slidenum">
+              <a:rPr lang="en-US" smtClean="0"/>
+              <a:t>‹#›</a:t>
+            </a:fld>
+            <a:endParaRPr lang="en-US"/>
+          </a:p>
+        </p:txBody>
+      </p:sp>
     </p:spTree>
   </p:cSld>
 </p:sld>
@@ -3464,6 +4914,48 @@
           </a:p>
         </p:txBody>
       </p:sp>
+      <p:sp>
+        <p:nvSpPr>
+          <p:cNvPr id="5" name="Footer Placeholder 4"/>
+          <p:cNvSpPr>
+            <a:spLocks noGrp="1"/>
+          </p:cNvSpPr>
+          <p:nvPr>
+            <p:ph idx="11" sz="quarter" type="ftr"/>
+          </p:nvPr>
+        </p:nvSpPr>
+        <p:spPr/>
+        <p:txBody>
+          <a:bodyPr/>
+          <a:lstStyle/>
+          <a:p>
+            <a:endParaRPr lang="en-US"/>
+          </a:p>
+        </p:txBody>
+      </p:sp>
+      <p:sp>
+        <p:nvSpPr>
+          <p:cNvPr id="6" name="Slide Number Placeholder 5"/>
+          <p:cNvSpPr>
+            <a:spLocks noGrp="1"/>
+          </p:cNvSpPr>
+          <p:nvPr>
+            <p:ph idx="12" sz="quarter" type="sldNum"/>
+          </p:nvPr>
+        </p:nvSpPr>
+        <p:spPr/>
+        <p:txBody>
+          <a:bodyPr/>
+          <a:lstStyle/>
+          <a:p>
+            <a:fld id="{C5EF2332-01BF-834F-8236-50238282D533}" type="slidenum">
+              <a:rPr lang="en-US" smtClean="0"/>
+              <a:t>‹#›</a:t>
+            </a:fld>
+            <a:endParaRPr lang="en-US"/>
+          </a:p>
+        </p:txBody>
+      </p:sp>
     </p:spTree>
   </p:cSld>
 </p:sld>
@@ -3527,8 +5019,8 @@
         </p:blipFill>
         <p:spPr bwMode="auto">
           <a:xfrm>
-            <a:off x="2451100" y="1193800"/>
-            <a:ext cx="4241800" cy="3390900"/>
+            <a:off x="279400" y="0"/>
+            <a:ext cx="8572500" cy="6858000"/>
           </a:xfrm>
           <a:prstGeom prst="rect">
             <a:avLst/>
@@ -3541,50 +5033,92 @@
           </a:ln>
         </p:spPr>
       </p:pic>
+      <p:sp>
+        <p:nvSpPr>
+          <p:cNvPr id="5" name="Footer Placeholder 4"/>
+          <p:cNvSpPr>
+            <a:spLocks noGrp="1"/>
+          </p:cNvSpPr>
+          <p:nvPr>
+            <p:ph idx="11" sz="quarter" type="ftr"/>
+          </p:nvPr>
+        </p:nvSpPr>
+        <p:spPr/>
+        <p:txBody>
+          <a:bodyPr/>
+          <a:lstStyle/>
+          <a:p>
+            <a:endParaRPr lang="en-US"/>
+          </a:p>
+        </p:txBody>
+      </p:sp>
+      <p:sp>
+        <p:nvSpPr>
+          <p:cNvPr id="6" name="Slide Number Placeholder 5"/>
+          <p:cNvSpPr>
+            <a:spLocks noGrp="1"/>
+          </p:cNvSpPr>
+          <p:nvPr>
+            <p:ph idx="12" sz="quarter" type="sldNum"/>
+          </p:nvPr>
+        </p:nvSpPr>
+        <p:spPr/>
+        <p:txBody>
+          <a:bodyPr/>
+          <a:lstStyle/>
+          <a:p>
+            <a:fld id="{C5EF2332-01BF-834F-8236-50238282D533}" type="slidenum">
+              <a:rPr lang="en-US" smtClean="0"/>
+              <a:t>‹#›</a:t>
+            </a:fld>
+            <a:endParaRPr lang="en-US"/>
+          </a:p>
+        </p:txBody>
+      </p:sp>
     </p:spTree>
   </p:cSld>
 </p:sld>
 </file>
 
 <file path=ppt/theme/theme1.xml><?xml version="1.0" encoding="utf-8"?>
-<a:theme xmlns:a="http://schemas.openxmlformats.org/drawingml/2006/main" name="Office Theme">
+<a:theme xmlns:a="http://schemas.openxmlformats.org/drawingml/2006/main" name="1_UB Powerpoint Template">
   <a:themeElements>
-    <a:clrScheme name="Office">
+    <a:clrScheme name="Custom 1">
       <a:dk1>
-        <a:sysClr val="windowText" lastClr="000000"/>
+        <a:srgbClr val="53565A"/>
       </a:dk1>
       <a:lt1>
-        <a:sysClr val="window" lastClr="FFFFFF"/>
+        <a:srgbClr val="FFFFFF"/>
       </a:lt1>
       <a:dk2>
-        <a:srgbClr val="1F497D"/>
+        <a:srgbClr val="0077C8"/>
       </a:dk2>
       <a:lt2>
-        <a:srgbClr val="EEECE1"/>
+        <a:srgbClr val="FFFFFF"/>
       </a:lt2>
       <a:accent1>
-        <a:srgbClr val="4F81BD"/>
+        <a:srgbClr val="1D4F91"/>
       </a:accent1>
       <a:accent2>
-        <a:srgbClr val="C0504D"/>
+        <a:srgbClr val="17802F"/>
       </a:accent2>
       <a:accent3>
-        <a:srgbClr val="9BBB59"/>
+        <a:srgbClr val="FC4C02"/>
       </a:accent3>
       <a:accent4>
-        <a:srgbClr val="8064A2"/>
+        <a:srgbClr val="75787B"/>
       </a:accent4>
       <a:accent5>
-        <a:srgbClr val="4BACC6"/>
+        <a:srgbClr val="FFA300"/>
       </a:accent5>
       <a:accent6>
-        <a:srgbClr val="F79646"/>
+        <a:srgbClr val="AE2573"/>
       </a:accent6>
       <a:hlink>
-        <a:srgbClr val="0000FF"/>
+        <a:srgbClr val="FF2500"/>
       </a:hlink>
       <a:folHlink>
-        <a:srgbClr val="800080"/>
+        <a:srgbClr val="A63202"/>
       </a:folHlink>
     </a:clrScheme>
     <a:fontScheme name="Office">
@@ -3659,7 +5193,7 @@
         <a:font script="Geor" typeface="Sylfaen"/>
       </a:minorFont>
     </a:fontScheme>
-    <a:fmtScheme name="Office">
+    <a:fmtScheme name="Office Theme">
       <a:fillStyleLst>
         <a:solidFill>
           <a:schemeClr val="phClr"/>
@@ -3668,201 +5202,142 @@
           <a:gsLst>
             <a:gs pos="0">
               <a:schemeClr val="phClr">
-                <a:tint val="50000"/>
-                <a:satMod val="300000"/>
+                <a:lumMod val="110000"/>
+                <a:satMod val="105000"/>
+                <a:tint val="67000"/>
               </a:schemeClr>
             </a:gs>
-            <a:gs pos="35000">
+            <a:gs pos="50000">
               <a:schemeClr val="phClr">
-                <a:tint val="37000"/>
-                <a:satMod val="300000"/>
+                <a:lumMod val="105000"/>
+                <a:satMod val="103000"/>
+                <a:tint val="73000"/>
               </a:schemeClr>
             </a:gs>
             <a:gs pos="100000">
               <a:schemeClr val="phClr">
-                <a:tint val="15000"/>
-                <a:satMod val="350000"/>
+                <a:lumMod val="105000"/>
+                <a:satMod val="109000"/>
+                <a:tint val="81000"/>
               </a:schemeClr>
             </a:gs>
           </a:gsLst>
-          <a:lin ang="16200000" scaled="1"/>
+          <a:lin ang="5400000" scaled="0"/>
         </a:gradFill>
         <a:gradFill rotWithShape="1">
           <a:gsLst>
             <a:gs pos="0">
               <a:schemeClr val="phClr">
-                <a:tint val="100000"/>
+                <a:satMod val="103000"/>
+                <a:lumMod val="102000"/>
+                <a:tint val="94000"/>
+              </a:schemeClr>
+            </a:gs>
+            <a:gs pos="50000">
+              <a:schemeClr val="phClr">
+                <a:satMod val="110000"/>
+                <a:lumMod val="100000"/>
                 <a:shade val="100000"/>
-                <a:satMod val="130000"/>
               </a:schemeClr>
             </a:gs>
             <a:gs pos="100000">
               <a:schemeClr val="phClr">
-                <a:tint val="50000"/>
-                <a:shade val="100000"/>
-                <a:satMod val="350000"/>
+                <a:lumMod val="99000"/>
+                <a:satMod val="120000"/>
+                <a:shade val="78000"/>
               </a:schemeClr>
             </a:gs>
           </a:gsLst>
-          <a:lin ang="16200000" scaled="0"/>
+          <a:lin ang="5400000" scaled="0"/>
         </a:gradFill>
       </a:fillStyleLst>
       <a:lnStyleLst>
-        <a:ln w="9525" cap="flat" cmpd="sng" algn="ctr">
-          <a:solidFill>
-            <a:schemeClr val="phClr">
-              <a:shade val="95000"/>
-              <a:satMod val="105000"/>
-            </a:schemeClr>
-          </a:solidFill>
-          <a:prstDash val="solid"/>
-        </a:ln>
-        <a:ln w="25400" cap="flat" cmpd="sng" algn="ctr">
+        <a:ln w="6350" cap="flat" cmpd="sng" algn="ctr">
           <a:solidFill>
             <a:schemeClr val="phClr"/>
           </a:solidFill>
           <a:prstDash val="solid"/>
+          <a:miter lim="800000"/>
         </a:ln>
-        <a:ln w="38100" cap="flat" cmpd="sng" algn="ctr">
+        <a:ln w="12700" cap="flat" cmpd="sng" algn="ctr">
           <a:solidFill>
             <a:schemeClr val="phClr"/>
           </a:solidFill>
           <a:prstDash val="solid"/>
+          <a:miter lim="800000"/>
+        </a:ln>
+        <a:ln w="19050" cap="flat" cmpd="sng" algn="ctr">
+          <a:solidFill>
+            <a:schemeClr val="phClr"/>
+          </a:solidFill>
+          <a:prstDash val="solid"/>
+          <a:miter lim="800000"/>
         </a:ln>
       </a:lnStyleLst>
       <a:effectStyleLst>
         <a:effectStyle>
+          <a:effectLst/>
+        </a:effectStyle>
+        <a:effectStyle>
+          <a:effectLst/>
+        </a:effectStyle>
+        <a:effectStyle>
           <a:effectLst>
-            <a:outerShdw blurRad="40000" dist="20000" dir="5400000" rotWithShape="0">
+            <a:outerShdw blurRad="57150" dist="19050" dir="5400000" algn="ctr" rotWithShape="0">
               <a:srgbClr val="000000">
-                <a:alpha val="38000"/>
+                <a:alpha val="63000"/>
               </a:srgbClr>
             </a:outerShdw>
           </a:effectLst>
-        </a:effectStyle>
-        <a:effectStyle>
-          <a:effectLst>
-            <a:outerShdw blurRad="40000" dist="23000" dir="5400000" rotWithShape="0">
-              <a:srgbClr val="000000">
-                <a:alpha val="35000"/>
-              </a:srgbClr>
-            </a:outerShdw>
-          </a:effectLst>
-        </a:effectStyle>
-        <a:effectStyle>
-          <a:effectLst>
-            <a:outerShdw blurRad="40000" dist="23000" dir="5400000" rotWithShape="0">
-              <a:srgbClr val="000000">
-                <a:alpha val="35000"/>
-              </a:srgbClr>
-            </a:outerShdw>
-          </a:effectLst>
-          <a:scene3d>
-            <a:camera prst="orthographicFront">
-              <a:rot lat="0" lon="0" rev="0"/>
-            </a:camera>
-            <a:lightRig rig="threePt" dir="t">
-              <a:rot lat="0" lon="0" rev="1200000"/>
-            </a:lightRig>
-          </a:scene3d>
-          <a:sp3d>
-            <a:bevelT w="63500" h="25400"/>
-          </a:sp3d>
         </a:effectStyle>
       </a:effectStyleLst>
       <a:bgFillStyleLst>
         <a:solidFill>
           <a:schemeClr val="phClr"/>
         </a:solidFill>
+        <a:solidFill>
+          <a:schemeClr val="phClr">
+            <a:tint val="95000"/>
+            <a:satMod val="170000"/>
+          </a:schemeClr>
+        </a:solidFill>
         <a:gradFill rotWithShape="1">
           <a:gsLst>
             <a:gs pos="0">
               <a:schemeClr val="phClr">
-                <a:tint val="40000"/>
-                <a:satMod val="350000"/>
+                <a:tint val="93000"/>
+                <a:satMod val="150000"/>
+                <a:shade val="98000"/>
+                <a:lumMod val="102000"/>
               </a:schemeClr>
             </a:gs>
-            <a:gs pos="40000">
+            <a:gs pos="50000">
               <a:schemeClr val="phClr">
-                <a:tint val="45000"/>
-                <a:shade val="99000"/>
-                <a:satMod val="350000"/>
+                <a:tint val="98000"/>
+                <a:satMod val="130000"/>
+                <a:shade val="90000"/>
+                <a:lumMod val="103000"/>
               </a:schemeClr>
             </a:gs>
             <a:gs pos="100000">
               <a:schemeClr val="phClr">
-                <a:shade val="20000"/>
-                <a:satMod val="255000"/>
+                <a:shade val="63000"/>
+                <a:satMod val="120000"/>
               </a:schemeClr>
             </a:gs>
           </a:gsLst>
-          <a:path path="circle">
-            <a:fillToRect l="50000" t="-80000" r="50000" b="180000"/>
-          </a:path>
-        </a:gradFill>
-        <a:gradFill rotWithShape="1">
-          <a:gsLst>
-            <a:gs pos="0">
-              <a:schemeClr val="phClr">
-                <a:tint val="80000"/>
-                <a:satMod val="300000"/>
-              </a:schemeClr>
-            </a:gs>
-            <a:gs pos="100000">
-              <a:schemeClr val="phClr">
-                <a:shade val="30000"/>
-                <a:satMod val="200000"/>
-              </a:schemeClr>
-            </a:gs>
-          </a:gsLst>
-          <a:path path="circle">
-            <a:fillToRect l="50000" t="50000" r="50000" b="50000"/>
-          </a:path>
+          <a:lin ang="5400000" scaled="0"/>
         </a:gradFill>
       </a:bgFillStyleLst>
     </a:fmtScheme>
   </a:themeElements>
-  <a:objectDefaults>
-    <a:spDef>
-      <a:spPr/>
-      <a:bodyPr/>
-      <a:lstStyle/>
-      <a:style>
-        <a:lnRef idx="1">
-          <a:schemeClr val="accent1"/>
-        </a:lnRef>
-        <a:fillRef idx="3">
-          <a:schemeClr val="accent1"/>
-        </a:fillRef>
-        <a:effectRef idx="2">
-          <a:schemeClr val="accent1"/>
-        </a:effectRef>
-        <a:fontRef idx="minor">
-          <a:schemeClr val="lt1"/>
-        </a:fontRef>
-      </a:style>
-    </a:spDef>
-    <a:lnDef>
-      <a:spPr/>
-      <a:bodyPr/>
-      <a:lstStyle/>
-      <a:style>
-        <a:lnRef idx="2">
-          <a:schemeClr val="accent1"/>
-        </a:lnRef>
-        <a:fillRef idx="0">
-          <a:schemeClr val="accent1"/>
-        </a:fillRef>
-        <a:effectRef idx="1">
-          <a:schemeClr val="accent1"/>
-        </a:effectRef>
-        <a:fontRef idx="minor">
-          <a:schemeClr val="tx1"/>
-        </a:fontRef>
-      </a:style>
-    </a:lnDef>
-  </a:objectDefaults>
+  <a:objectDefaults/>
   <a:extraClrSchemeLst/>
+  <a:extLst>
+    <a:ext uri="{05A4C25C-085E-4340-85A3-A5531E510DB2}">
+      <thm15:themeFamily xmlns:thm15="http://schemas.microsoft.com/office/thememl/2012/main" name="Powerpoint_Template_WIDE" id="{320877F5-9057-5044-9670-55C377C33490}" vid="{043CC7DF-15AC-0F49-A0D1-304573C219B6}"/>
+    </a:ext>
+  </a:extLst>
 </a:theme>
 </file>
 
@@ -3909,7 +5384,7 @@
     </a:clrScheme>
     <a:fontScheme name="Office">
       <a:majorFont>
-        <a:latin typeface="Calibri Light" panose="020F0302020204030204"/>
+        <a:latin typeface="Calibri Light"/>
         <a:ea typeface=""/>
         <a:cs typeface=""/>
         <a:font script="Jpan" typeface="ＭＳ Ｐゴシック"/>
@@ -3944,7 +5419,7 @@
         <a:font script="Geor" typeface="Sylfaen"/>
       </a:majorFont>
       <a:minorFont>
-        <a:latin typeface="Calibri" panose="020F0502020204030204"/>
+        <a:latin typeface="Calibri"/>
         <a:ea typeface=""/>
         <a:cs typeface=""/>
         <a:font script="Jpan" typeface="ＭＳ Ｐゴシック"/>
@@ -4125,4 +5600,265 @@
     </a:ext>
   </a:extLst>
 </a:theme>
+</file>
+
+<file path=ppt/theme/theme3.xml><?xml version="1.0" encoding="utf-8"?>
+<a:theme xmlns:a="http://schemas.openxmlformats.org/drawingml/2006/main" name="Office Theme">
+  <a:themeElements>
+    <a:clrScheme name="Office">
+      <a:dk1>
+        <a:sysClr val="windowText" lastClr="000000"/>
+      </a:dk1>
+      <a:lt1>
+        <a:sysClr val="window" lastClr="FFFFFF"/>
+      </a:lt1>
+      <a:dk2>
+        <a:srgbClr val="44546A"/>
+      </a:dk2>
+      <a:lt2>
+        <a:srgbClr val="E7E6E6"/>
+      </a:lt2>
+      <a:accent1>
+        <a:srgbClr val="5B9BD5"/>
+      </a:accent1>
+      <a:accent2>
+        <a:srgbClr val="ED7D31"/>
+      </a:accent2>
+      <a:accent3>
+        <a:srgbClr val="A5A5A5"/>
+      </a:accent3>
+      <a:accent4>
+        <a:srgbClr val="FFC000"/>
+      </a:accent4>
+      <a:accent5>
+        <a:srgbClr val="4472C4"/>
+      </a:accent5>
+      <a:accent6>
+        <a:srgbClr val="70AD47"/>
+      </a:accent6>
+      <a:hlink>
+        <a:srgbClr val="0563C1"/>
+      </a:hlink>
+      <a:folHlink>
+        <a:srgbClr val="954F72"/>
+      </a:folHlink>
+    </a:clrScheme>
+    <a:fontScheme name="Office">
+      <a:majorFont>
+        <a:latin typeface="Calibri Light"/>
+        <a:ea typeface=""/>
+        <a:cs typeface=""/>
+        <a:font script="Jpan" typeface="Yu Gothic Light"/>
+        <a:font script="Hang" typeface="맑은 고딕"/>
+        <a:font script="Hans" typeface="DengXian Light"/>
+        <a:font script="Hant" typeface="新細明體"/>
+        <a:font script="Arab" typeface="Times New Roman"/>
+        <a:font script="Hebr" typeface="Times New Roman"/>
+        <a:font script="Thai" typeface="Angsana New"/>
+        <a:font script="Ethi" typeface="Nyala"/>
+        <a:font script="Beng" typeface="Vrinda"/>
+        <a:font script="Gujr" typeface="Shruti"/>
+        <a:font script="Khmr" typeface="MoolBoran"/>
+        <a:font script="Knda" typeface="Tunga"/>
+        <a:font script="Guru" typeface="Raavi"/>
+        <a:font script="Cans" typeface="Euphemia"/>
+        <a:font script="Cher" typeface="Plantagenet Cherokee"/>
+        <a:font script="Yiii" typeface="Microsoft Yi Baiti"/>
+        <a:font script="Tibt" typeface="Microsoft Himalaya"/>
+        <a:font script="Thaa" typeface="MV Boli"/>
+        <a:font script="Deva" typeface="Mangal"/>
+        <a:font script="Telu" typeface="Gautami"/>
+        <a:font script="Taml" typeface="Latha"/>
+        <a:font script="Syrc" typeface="Estrangelo Edessa"/>
+        <a:font script="Orya" typeface="Kalinga"/>
+        <a:font script="Mlym" typeface="Kartika"/>
+        <a:font script="Laoo" typeface="DokChampa"/>
+        <a:font script="Sinh" typeface="Iskoola Pota"/>
+        <a:font script="Mong" typeface="Mongolian Baiti"/>
+        <a:font script="Viet" typeface="Times New Roman"/>
+        <a:font script="Uigh" typeface="Microsoft Uighur"/>
+        <a:font script="Geor" typeface="Sylfaen"/>
+      </a:majorFont>
+      <a:minorFont>
+        <a:latin typeface="Calibri"/>
+        <a:ea typeface=""/>
+        <a:cs typeface=""/>
+        <a:font script="Jpan" typeface="Yu Gothic"/>
+        <a:font script="Hang" typeface="맑은 고딕"/>
+        <a:font script="Hans" typeface="DengXian"/>
+        <a:font script="Hant" typeface="新細明體"/>
+        <a:font script="Arab" typeface="Arial"/>
+        <a:font script="Hebr" typeface="Arial"/>
+        <a:font script="Thai" typeface="Cordia New"/>
+        <a:font script="Ethi" typeface="Nyala"/>
+        <a:font script="Beng" typeface="Vrinda"/>
+        <a:font script="Gujr" typeface="Shruti"/>
+        <a:font script="Khmr" typeface="DaunPenh"/>
+        <a:font script="Knda" typeface="Tunga"/>
+        <a:font script="Guru" typeface="Raavi"/>
+        <a:font script="Cans" typeface="Euphemia"/>
+        <a:font script="Cher" typeface="Plantagenet Cherokee"/>
+        <a:font script="Yiii" typeface="Microsoft Yi Baiti"/>
+        <a:font script="Tibt" typeface="Microsoft Himalaya"/>
+        <a:font script="Thaa" typeface="MV Boli"/>
+        <a:font script="Deva" typeface="Mangal"/>
+        <a:font script="Telu" typeface="Gautami"/>
+        <a:font script="Taml" typeface="Latha"/>
+        <a:font script="Syrc" typeface="Estrangelo Edessa"/>
+        <a:font script="Orya" typeface="Kalinga"/>
+        <a:font script="Mlym" typeface="Kartika"/>
+        <a:font script="Laoo" typeface="DokChampa"/>
+        <a:font script="Sinh" typeface="Iskoola Pota"/>
+        <a:font script="Mong" typeface="Mongolian Baiti"/>
+        <a:font script="Viet" typeface="Arial"/>
+        <a:font script="Uigh" typeface="Microsoft Uighur"/>
+        <a:font script="Geor" typeface="Sylfaen"/>
+      </a:minorFont>
+    </a:fontScheme>
+    <a:fmtScheme name="Office">
+      <a:fillStyleLst>
+        <a:solidFill>
+          <a:schemeClr val="phClr"/>
+        </a:solidFill>
+        <a:gradFill rotWithShape="1">
+          <a:gsLst>
+            <a:gs pos="0">
+              <a:schemeClr val="phClr">
+                <a:lumMod val="110000"/>
+                <a:satMod val="105000"/>
+                <a:tint val="67000"/>
+              </a:schemeClr>
+            </a:gs>
+            <a:gs pos="50000">
+              <a:schemeClr val="phClr">
+                <a:lumMod val="105000"/>
+                <a:satMod val="103000"/>
+                <a:tint val="73000"/>
+              </a:schemeClr>
+            </a:gs>
+            <a:gs pos="100000">
+              <a:schemeClr val="phClr">
+                <a:lumMod val="105000"/>
+                <a:satMod val="109000"/>
+                <a:tint val="81000"/>
+              </a:schemeClr>
+            </a:gs>
+          </a:gsLst>
+          <a:lin ang="5400000" scaled="0"/>
+        </a:gradFill>
+        <a:gradFill rotWithShape="1">
+          <a:gsLst>
+            <a:gs pos="0">
+              <a:schemeClr val="phClr">
+                <a:satMod val="103000"/>
+                <a:lumMod val="102000"/>
+                <a:tint val="94000"/>
+              </a:schemeClr>
+            </a:gs>
+            <a:gs pos="50000">
+              <a:schemeClr val="phClr">
+                <a:satMod val="110000"/>
+                <a:lumMod val="100000"/>
+                <a:shade val="100000"/>
+              </a:schemeClr>
+            </a:gs>
+            <a:gs pos="100000">
+              <a:schemeClr val="phClr">
+                <a:lumMod val="99000"/>
+                <a:satMod val="120000"/>
+                <a:shade val="78000"/>
+              </a:schemeClr>
+            </a:gs>
+          </a:gsLst>
+          <a:lin ang="5400000" scaled="0"/>
+        </a:gradFill>
+      </a:fillStyleLst>
+      <a:lnStyleLst>
+        <a:ln w="6350" cap="flat" cmpd="sng" algn="ctr">
+          <a:solidFill>
+            <a:schemeClr val="phClr"/>
+          </a:solidFill>
+          <a:prstDash val="solid"/>
+          <a:miter lim="800000"/>
+        </a:ln>
+        <a:ln w="12700" cap="flat" cmpd="sng" algn="ctr">
+          <a:solidFill>
+            <a:schemeClr val="phClr"/>
+          </a:solidFill>
+          <a:prstDash val="solid"/>
+          <a:miter lim="800000"/>
+        </a:ln>
+        <a:ln w="19050" cap="flat" cmpd="sng" algn="ctr">
+          <a:solidFill>
+            <a:schemeClr val="phClr"/>
+          </a:solidFill>
+          <a:prstDash val="solid"/>
+          <a:miter lim="800000"/>
+        </a:ln>
+      </a:lnStyleLst>
+      <a:effectStyleLst>
+        <a:effectStyle>
+          <a:effectLst/>
+        </a:effectStyle>
+        <a:effectStyle>
+          <a:effectLst/>
+        </a:effectStyle>
+        <a:effectStyle>
+          <a:effectLst>
+            <a:outerShdw blurRad="57150" dist="19050" dir="5400000" algn="ctr" rotWithShape="0">
+              <a:srgbClr val="000000">
+                <a:alpha val="63000"/>
+              </a:srgbClr>
+            </a:outerShdw>
+          </a:effectLst>
+        </a:effectStyle>
+      </a:effectStyleLst>
+      <a:bgFillStyleLst>
+        <a:solidFill>
+          <a:schemeClr val="phClr"/>
+        </a:solidFill>
+        <a:solidFill>
+          <a:schemeClr val="phClr">
+            <a:tint val="95000"/>
+            <a:satMod val="170000"/>
+          </a:schemeClr>
+        </a:solidFill>
+        <a:gradFill rotWithShape="1">
+          <a:gsLst>
+            <a:gs pos="0">
+              <a:schemeClr val="phClr">
+                <a:tint val="93000"/>
+                <a:satMod val="150000"/>
+                <a:shade val="98000"/>
+                <a:lumMod val="102000"/>
+              </a:schemeClr>
+            </a:gs>
+            <a:gs pos="50000">
+              <a:schemeClr val="phClr">
+                <a:tint val="98000"/>
+                <a:satMod val="130000"/>
+                <a:shade val="90000"/>
+                <a:lumMod val="103000"/>
+              </a:schemeClr>
+            </a:gs>
+            <a:gs pos="100000">
+              <a:schemeClr val="phClr">
+                <a:shade val="63000"/>
+                <a:satMod val="120000"/>
+              </a:schemeClr>
+            </a:gs>
+          </a:gsLst>
+          <a:lin ang="5400000" scaled="0"/>
+        </a:gradFill>
+      </a:bgFillStyleLst>
+    </a:fmtScheme>
+  </a:themeElements>
+  <a:objectDefaults/>
+  <a:extraClrSchemeLst/>
+  <a:extLst>
+    <a:ext uri="{05A4C25C-085E-4340-85A3-A5531E510DB2}">
+      <thm15:themeFamily xmlns:thm15="http://schemas.microsoft.com/office/thememl/2012/main" name="Office Theme" id="{62F939B6-93AF-4DB8-9C6B-D6C7DFDC589F}" vid="{4A3C46E8-61CC-4603-A589-7422A47A8E4A}"/>
+    </a:ext>
+  </a:extLst>
+</a:theme>
 </file>
--- a/ppt.pptx
+++ b/ppt.pptx
@@ -10,6 +10,15 @@
     <p:sldId id="258" r:id="rId4"/>
     <p:sldId id="259" r:id="rId5"/>
     <p:sldId id="260" r:id="rId6"/>
+    <p:sldId id="261" r:id="rId7"/>
+    <p:sldId id="262" r:id="rId8"/>
+    <p:sldId id="263" r:id="rId9"/>
+    <p:sldId id="264" r:id="rId10"/>
+    <p:sldId id="265" r:id="rId11"/>
+    <p:sldId id="266" r:id="rId12"/>
+    <p:sldId id="267" r:id="rId13"/>
+    <p:sldId id="268" r:id="rId14"/>
+    <p:sldId id="269" r:id="rId15"/>
   </p:sldIdLst>
   <p:sldSz cx="9144000" cy="6858000" type="screen4x3"/>
   <p:notesSz cx="6858000" cy="9144000"/>
@@ -4552,7 +4561,7 @@
 </p:sld>
 </file>
 
-<file path=ppt/slides/slide2.xml><?xml version="1.0" encoding="utf-8"?>
+<file path=ppt/slides/slide10.xml><?xml version="1.0" encoding="utf-8"?>
 <p:sld xmlns:a="http://schemas.openxmlformats.org/drawingml/2006/main" xmlns:r="http://schemas.openxmlformats.org/officeDocument/2006/relationships" xmlns:p="http://schemas.openxmlformats.org/presentationml/2006/main">
   <p:cSld>
     <p:spTree>
@@ -4641,7 +4650,7 @@
             </a:r>
             <a:r>
               <a:rPr/>
-              <a:t> button a document will be generated that includes both content as well as the output of any embedded R code chunks within the document.</a:t>
+              <a:t> button a document will be generated that includes both content as well as the output of any embedded R code chunks w ithin the document.</a:t>
             </a:r>
           </a:p>
         </p:txBody>
@@ -4693,7 +4702,7 @@
 </p:sld>
 </file>
 
-<file path=ppt/slides/slide3.xml><?xml version="1.0" encoding="utf-8"?>
+<file path=ppt/slides/slide11.xml><?xml version="1.0" encoding="utf-8"?>
 <p:sld xmlns:a="http://schemas.openxmlformats.org/drawingml/2006/main" xmlns:r="http://schemas.openxmlformats.org/officeDocument/2006/relationships" xmlns:p="http://schemas.openxmlformats.org/presentationml/2006/main">
   <p:cSld>
     <p:spTree>
@@ -4730,44 +4739,7 @@
             </a:pPr>
             <a:r>
               <a:rPr/>
-              <a:t>Slide with Bullets</a:t>
-            </a:r>
-          </a:p>
-        </p:txBody>
-      </p:sp>
-      <p:sp>
-        <p:nvSpPr>
-          <p:cNvPr id="3" name="Content Placeholder 2"/>
-          <p:cNvSpPr>
-            <a:spLocks noGrp="1"/>
-          </p:cNvSpPr>
-          <p:nvPr>
-            <p:ph idx="1"/>
-          </p:nvPr>
-        </p:nvSpPr>
-        <p:spPr/>
-        <p:txBody>
-          <a:bodyPr/>
-          <a:lstStyle/>
-          <a:p>
-            <a:pPr lvl="0"/>
-            <a:r>
-              <a:rPr/>
-              <a:t>Bullet 1</a:t>
-            </a:r>
-          </a:p>
-          <a:p>
-            <a:pPr lvl="0"/>
-            <a:r>
-              <a:rPr/>
-              <a:t>Bullet 2</a:t>
-            </a:r>
-          </a:p>
-          <a:p>
-            <a:pPr lvl="0"/>
-            <a:r>
-              <a:rPr/>
-              <a:t>Bullet 3</a:t>
+              <a:t>Slide with Results</a:t>
             </a:r>
           </a:p>
         </p:txBody>
@@ -4819,7 +4791,7 @@
 </p:sld>
 </file>
 
-<file path=ppt/slides/slide4.xml><?xml version="1.0" encoding="utf-8"?>
+<file path=ppt/slides/slide12.xml><?xml version="1.0" encoding="utf-8"?>
 <p:sld xmlns:a="http://schemas.openxmlformats.org/drawingml/2006/main" xmlns:r="http://schemas.openxmlformats.org/officeDocument/2006/relationships" xmlns:p="http://schemas.openxmlformats.org/presentationml/2006/main">
   <p:cSld>
     <p:spTree>
@@ -4856,7 +4828,7 @@
             </a:pPr>
             <a:r>
               <a:rPr/>
-              <a:t>Slide with R Output</a:t>
+              <a:t>Slide with Bullets</a:t>
             </a:r>
           </a:p>
         </p:txBody>
@@ -4876,40 +4848,24 @@
           <a:bodyPr/>
           <a:lstStyle/>
           <a:p>
-            <a:pPr lvl="0" indent="0">
-              <a:buNone/>
-            </a:pPr>
-            <a:r>
-              <a:rPr>
-                <a:solidFill>
-                  <a:srgbClr val="06287E"/>
-                </a:solidFill>
-                <a:latin typeface="Courier"/>
-              </a:rPr>
-              <a:t>summary</a:t>
-            </a:r>
-            <a:r>
-              <a:rPr>
-                <a:latin typeface="Courier"/>
-              </a:rPr>
-              <a:t>(cars)</a:t>
-            </a:r>
-          </a:p>
-          <a:p>
-            <a:pPr lvl="0" indent="0">
-              <a:buNone/>
-            </a:pPr>
-            <a:r>
-              <a:rPr>
-                <a:latin typeface="Courier"/>
-              </a:rPr>
-              <a:t>##      speed           dist       
-##  Min.   : 4.0   Min.   :  2.00  
-##  1st Qu.:12.0   1st Qu.: 26.00  
-##  Median :15.0   Median : 36.00  
-##  Mean   :15.4   Mean   : 42.98  
-##  3rd Qu.:19.0   3rd Qu.: 56.00  
-##  Max.   :25.0   Max.   :120.00</a:t>
+            <a:pPr lvl="0"/>
+            <a:r>
+              <a:rPr/>
+              <a:t>Bullet 1</a:t>
+            </a:r>
+          </a:p>
+          <a:p>
+            <a:pPr lvl="0"/>
+            <a:r>
+              <a:rPr/>
+              <a:t>Bullet 2</a:t>
+            </a:r>
+          </a:p>
+          <a:p>
+            <a:pPr lvl="0"/>
+            <a:r>
+              <a:rPr/>
+              <a:t>Bullet 3</a:t>
             </a:r>
           </a:p>
         </p:txBody>
@@ -4961,7 +4917,7 @@
 </p:sld>
 </file>
 
-<file path=ppt/slides/slide5.xml><?xml version="1.0" encoding="utf-8"?>
+<file path=ppt/slides/slide13.xml><?xml version="1.0" encoding="utf-8"?>
 <p:sld xmlns:a="http://schemas.openxmlformats.org/drawingml/2006/main" xmlns:r="http://schemas.openxmlformats.org/officeDocument/2006/relationships" xmlns:p="http://schemas.openxmlformats.org/presentationml/2006/main">
   <p:cSld>
     <p:spTree>
@@ -4998,6 +4954,148 @@
             </a:pPr>
             <a:r>
               <a:rPr/>
+              <a:t>Slide with R Output</a:t>
+            </a:r>
+          </a:p>
+        </p:txBody>
+      </p:sp>
+      <p:sp>
+        <p:nvSpPr>
+          <p:cNvPr id="3" name="Content Placeholder 2"/>
+          <p:cNvSpPr>
+            <a:spLocks noGrp="1"/>
+          </p:cNvSpPr>
+          <p:nvPr>
+            <p:ph idx="1"/>
+          </p:nvPr>
+        </p:nvSpPr>
+        <p:spPr/>
+        <p:txBody>
+          <a:bodyPr/>
+          <a:lstStyle/>
+          <a:p>
+            <a:pPr lvl="0" indent="0">
+              <a:buNone/>
+            </a:pPr>
+            <a:r>
+              <a:rPr>
+                <a:solidFill>
+                  <a:srgbClr val="06287E"/>
+                </a:solidFill>
+                <a:latin typeface="Courier"/>
+              </a:rPr>
+              <a:t>summary</a:t>
+            </a:r>
+            <a:r>
+              <a:rPr>
+                <a:latin typeface="Courier"/>
+              </a:rPr>
+              <a:t>(cars)</a:t>
+            </a:r>
+          </a:p>
+          <a:p>
+            <a:pPr lvl="0" indent="0">
+              <a:buNone/>
+            </a:pPr>
+            <a:r>
+              <a:rPr>
+                <a:latin typeface="Courier"/>
+              </a:rPr>
+              <a:t>##      speed           dist       
+##  Min.   : 4.0   Min.   :  2.00  
+##  1st Qu.:12.0   1st Qu.: 26.00  
+##  Median :15.0   Median : 36.00  
+##  Mean   :15.4   Mean   : 42.98  
+##  3rd Qu.:19.0   3rd Qu.: 56.00  
+##  Max.   :25.0   Max.   :120.00</a:t>
+            </a:r>
+          </a:p>
+        </p:txBody>
+      </p:sp>
+      <p:sp>
+        <p:nvSpPr>
+          <p:cNvPr id="5" name="Footer Placeholder 4"/>
+          <p:cNvSpPr>
+            <a:spLocks noGrp="1"/>
+          </p:cNvSpPr>
+          <p:nvPr>
+            <p:ph idx="11" sz="quarter" type="ftr"/>
+          </p:nvPr>
+        </p:nvSpPr>
+        <p:spPr/>
+        <p:txBody>
+          <a:bodyPr/>
+          <a:lstStyle/>
+          <a:p>
+            <a:endParaRPr lang="en-US"/>
+          </a:p>
+        </p:txBody>
+      </p:sp>
+      <p:sp>
+        <p:nvSpPr>
+          <p:cNvPr id="6" name="Slide Number Placeholder 5"/>
+          <p:cNvSpPr>
+            <a:spLocks noGrp="1"/>
+          </p:cNvSpPr>
+          <p:nvPr>
+            <p:ph idx="12" sz="quarter" type="sldNum"/>
+          </p:nvPr>
+        </p:nvSpPr>
+        <p:spPr/>
+        <p:txBody>
+          <a:bodyPr/>
+          <a:lstStyle/>
+          <a:p>
+            <a:fld id="{C5EF2332-01BF-834F-8236-50238282D533}" type="slidenum">
+              <a:rPr lang="en-US" smtClean="0"/>
+              <a:t>‹#›</a:t>
+            </a:fld>
+            <a:endParaRPr lang="en-US"/>
+          </a:p>
+        </p:txBody>
+      </p:sp>
+    </p:spTree>
+  </p:cSld>
+</p:sld>
+</file>
+
+<file path=ppt/slides/slide14.xml><?xml version="1.0" encoding="utf-8"?>
+<p:sld xmlns:a="http://schemas.openxmlformats.org/drawingml/2006/main" xmlns:r="http://schemas.openxmlformats.org/officeDocument/2006/relationships" xmlns:p="http://schemas.openxmlformats.org/presentationml/2006/main">
+  <p:cSld>
+    <p:spTree>
+      <p:nvGrpSpPr>
+        <p:cNvPr id="1" name=""/>
+        <p:cNvGrpSpPr/>
+        <p:nvPr/>
+      </p:nvGrpSpPr>
+      <p:grpSpPr>
+        <a:xfrm>
+          <a:off x="0" y="0"/>
+          <a:ext cx="0" cy="0"/>
+          <a:chOff x="0" y="0"/>
+          <a:chExt cx="0" cy="0"/>
+        </a:xfrm>
+      </p:grpSpPr>
+      <p:sp>
+        <p:nvSpPr>
+          <p:cNvPr id="2" name="Title 1"/>
+          <p:cNvSpPr>
+            <a:spLocks noGrp="1"/>
+          </p:cNvSpPr>
+          <p:nvPr>
+            <p:ph type="title"/>
+          </p:nvPr>
+        </p:nvSpPr>
+        <p:spPr/>
+        <p:txBody>
+          <a:bodyPr/>
+          <a:lstStyle/>
+          <a:p>
+            <a:pPr lvl="0" indent="0" marL="0">
+              <a:buNone/>
+            </a:pPr>
+            <a:r>
+              <a:rPr/>
               <a:t>Slide with Plot</a:t>
             </a:r>
           </a:p>
@@ -5005,7 +5103,7 @@
       </p:sp>
       <p:pic>
         <p:nvPicPr>
-          <p:cNvPr descr="ppt_files/figure-pptx/pressure-1.png" id="0" name="Picture 1"/>
+          <p:cNvPr descr="ppt_yi_files/figure-pptx/pressure-1.png" id="0" name="Picture 1"/>
           <p:cNvPicPr>
             <a:picLocks noGrp="1" noChangeAspect="1"/>
           </p:cNvPicPr>
@@ -5033,6 +5131,4045 @@
           </a:ln>
         </p:spPr>
       </p:pic>
+      <p:sp>
+        <p:nvSpPr>
+          <p:cNvPr id="5" name="Footer Placeholder 4"/>
+          <p:cNvSpPr>
+            <a:spLocks noGrp="1"/>
+          </p:cNvSpPr>
+          <p:nvPr>
+            <p:ph idx="11" sz="quarter" type="ftr"/>
+          </p:nvPr>
+        </p:nvSpPr>
+        <p:spPr/>
+        <p:txBody>
+          <a:bodyPr/>
+          <a:lstStyle/>
+          <a:p>
+            <a:endParaRPr lang="en-US"/>
+          </a:p>
+        </p:txBody>
+      </p:sp>
+      <p:sp>
+        <p:nvSpPr>
+          <p:cNvPr id="6" name="Slide Number Placeholder 5"/>
+          <p:cNvSpPr>
+            <a:spLocks noGrp="1"/>
+          </p:cNvSpPr>
+          <p:nvPr>
+            <p:ph idx="12" sz="quarter" type="sldNum"/>
+          </p:nvPr>
+        </p:nvSpPr>
+        <p:spPr/>
+        <p:txBody>
+          <a:bodyPr/>
+          <a:lstStyle/>
+          <a:p>
+            <a:fld id="{C5EF2332-01BF-834F-8236-50238282D533}" type="slidenum">
+              <a:rPr lang="en-US" smtClean="0"/>
+              <a:t>‹#›</a:t>
+            </a:fld>
+            <a:endParaRPr lang="en-US"/>
+          </a:p>
+        </p:txBody>
+      </p:sp>
+    </p:spTree>
+  </p:cSld>
+</p:sld>
+</file>
+
+<file path=ppt/slides/slide2.xml><?xml version="1.0" encoding="utf-8"?>
+<p:sld xmlns:a="http://schemas.openxmlformats.org/drawingml/2006/main" xmlns:r="http://schemas.openxmlformats.org/officeDocument/2006/relationships" xmlns:p="http://schemas.openxmlformats.org/presentationml/2006/main">
+  <p:cSld>
+    <p:spTree>
+      <p:nvGrpSpPr>
+        <p:cNvPr id="1" name=""/>
+        <p:cNvGrpSpPr/>
+        <p:nvPr/>
+      </p:nvGrpSpPr>
+      <p:grpSpPr>
+        <a:xfrm>
+          <a:off x="0" y="0"/>
+          <a:ext cx="0" cy="0"/>
+          <a:chOff x="0" y="0"/>
+          <a:chExt cx="0" cy="0"/>
+        </a:xfrm>
+      </p:grpSpPr>
+      <p:sp>
+        <p:nvSpPr>
+          <p:cNvPr id="2" name="Title 1"/>
+          <p:cNvSpPr>
+            <a:spLocks noGrp="1"/>
+          </p:cNvSpPr>
+          <p:nvPr>
+            <p:ph type="title"/>
+          </p:nvPr>
+        </p:nvSpPr>
+        <p:spPr/>
+        <p:txBody>
+          <a:bodyPr/>
+          <a:lstStyle/>
+          <a:p>
+            <a:pPr lvl="0" indent="0" marL="0">
+              <a:buNone/>
+            </a:pPr>
+            <a:r>
+              <a:rPr/>
+              <a:t>Background</a:t>
+            </a:r>
+          </a:p>
+        </p:txBody>
+      </p:sp>
+      <p:sp>
+        <p:nvSpPr>
+          <p:cNvPr id="5" name="Footer Placeholder 4"/>
+          <p:cNvSpPr>
+            <a:spLocks noGrp="1"/>
+          </p:cNvSpPr>
+          <p:nvPr>
+            <p:ph idx="11" sz="quarter" type="ftr"/>
+          </p:nvPr>
+        </p:nvSpPr>
+        <p:spPr/>
+        <p:txBody>
+          <a:bodyPr/>
+          <a:lstStyle/>
+          <a:p>
+            <a:endParaRPr lang="en-US"/>
+          </a:p>
+        </p:txBody>
+      </p:sp>
+      <p:sp>
+        <p:nvSpPr>
+          <p:cNvPr id="6" name="Slide Number Placeholder 5"/>
+          <p:cNvSpPr>
+            <a:spLocks noGrp="1"/>
+          </p:cNvSpPr>
+          <p:nvPr>
+            <p:ph idx="12" sz="quarter" type="sldNum"/>
+          </p:nvPr>
+        </p:nvSpPr>
+        <p:spPr/>
+        <p:txBody>
+          <a:bodyPr/>
+          <a:lstStyle/>
+          <a:p>
+            <a:fld id="{C5EF2332-01BF-834F-8236-50238282D533}" type="slidenum">
+              <a:rPr lang="en-US" smtClean="0"/>
+              <a:t>‹#›</a:t>
+            </a:fld>
+            <a:endParaRPr lang="en-US"/>
+          </a:p>
+        </p:txBody>
+      </p:sp>
+    </p:spTree>
+  </p:cSld>
+</p:sld>
+</file>
+
+<file path=ppt/slides/slide3.xml><?xml version="1.0" encoding="utf-8"?>
+<p:sld xmlns:a="http://schemas.openxmlformats.org/drawingml/2006/main" xmlns:r="http://schemas.openxmlformats.org/officeDocument/2006/relationships" xmlns:p="http://schemas.openxmlformats.org/presentationml/2006/main">
+  <p:cSld>
+    <p:spTree>
+      <p:nvGrpSpPr>
+        <p:cNvPr id="1" name=""/>
+        <p:cNvGrpSpPr/>
+        <p:nvPr/>
+      </p:nvGrpSpPr>
+      <p:grpSpPr>
+        <a:xfrm>
+          <a:off x="0" y="0"/>
+          <a:ext cx="0" cy="0"/>
+          <a:chOff x="0" y="0"/>
+          <a:chExt cx="0" cy="0"/>
+        </a:xfrm>
+      </p:grpSpPr>
+      <p:sp>
+        <p:nvSpPr>
+          <p:cNvPr id="2" name="Title 1"/>
+          <p:cNvSpPr>
+            <a:spLocks noGrp="1"/>
+          </p:cNvSpPr>
+          <p:nvPr>
+            <p:ph type="title"/>
+          </p:nvPr>
+        </p:nvSpPr>
+        <p:spPr/>
+        <p:txBody>
+          <a:bodyPr/>
+          <a:lstStyle/>
+          <a:p>
+            <a:pPr lvl="0" indent="0" marL="0">
+              <a:buNone/>
+            </a:pPr>
+            <a:r>
+              <a:rPr/>
+              <a:t>Methodology</a:t>
+            </a:r>
+          </a:p>
+        </p:txBody>
+      </p:sp>
+      <mc:AlternateContent xmlns:mc="http://schemas.openxmlformats.org/markup-compatibility/2006">
+        <mc:Choice xmlns:a14="http://schemas.microsoft.com/office/drawing/2010/main" Requires="a14">
+          <p:sp>
+            <p:nvSpPr>
+              <p:cNvPr id="3" name="Content Placeholder 2"/>
+              <p:cNvSpPr>
+                <a:spLocks noGrp="1"/>
+              </p:cNvSpPr>
+              <p:nvPr>
+                <p:ph idx="1"/>
+              </p:nvPr>
+            </p:nvSpPr>
+            <p:spPr/>
+            <p:txBody>
+              <a:bodyPr/>
+              <a:lstStyle/>
+              <a:p>
+                <a:pPr lvl="0" indent="0" marL="0">
+                  <a:buNone/>
+                </a:pPr>
+                <a:r>
+                  <a:rPr/>
+                  <a:t>Survival function measures the probability of observing individual survival time </a:t>
+                </a:r>
+                <a14:m>
+                  <m:oMath xmlns:m="http://schemas.openxmlformats.org/officeDocument/2006/math">
+                    <m:r>
+                      <m:t>T</m:t>
+                    </m:r>
+                  </m:oMath>
+                </a14:m>
+                <a:r>
+                  <a:rPr/>
+                  <a:t> beyond a certain time </a:t>
+                </a:r>
+                <a14:m>
+                  <m:oMath xmlns:m="http://schemas.openxmlformats.org/officeDocument/2006/math">
+                    <m:r>
+                      <m:t>t</m:t>
+                    </m:r>
+                  </m:oMath>
+                </a14:m>
+                <a:br/>
+                <a14:m>
+                  <m:oMath xmlns:m="http://schemas.openxmlformats.org/officeDocument/2006/math">
+                    <m:r>
+                      <m:t>S</m:t>
+                    </m:r>
+                    <m:d>
+                      <m:dPr>
+                        <m:begChr m:val="("/>
+                        <m:endChr m:val=")"/>
+                        <m:sepChr m:val=""/>
+                        <m:grow/>
+                      </m:dPr>
+                      <m:e>
+                        <m:r>
+                          <m:t>t</m:t>
+                        </m:r>
+                      </m:e>
+                    </m:d>
+                    <m:r>
+                      <m:rPr>
+                        <m:sty m:val="p"/>
+                      </m:rPr>
+                      <m:t>=</m:t>
+                    </m:r>
+                    <m:r>
+                      <m:t>P</m:t>
+                    </m:r>
+                    <m:r>
+                      <m:t>r</m:t>
+                    </m:r>
+                    <m:d>
+                      <m:dPr>
+                        <m:begChr m:val="("/>
+                        <m:endChr m:val=")"/>
+                        <m:sepChr m:val=""/>
+                        <m:grow/>
+                      </m:dPr>
+                      <m:e>
+                        <m:r>
+                          <m:t>T</m:t>
+                        </m:r>
+                        <m:r>
+                          <m:rPr>
+                            <m:sty m:val="p"/>
+                          </m:rPr>
+                          <m:t>&gt;</m:t>
+                        </m:r>
+                        <m:r>
+                          <m:t>t</m:t>
+                        </m:r>
+                      </m:e>
+                    </m:d>
+                    <m:r>
+                      <m:rPr>
+                        <m:sty m:val="p"/>
+                      </m:rPr>
+                      <m:t>=</m:t>
+                    </m:r>
+                    <m:nary>
+                      <m:naryPr>
+                        <m:chr m:val="∫"/>
+                        <m:limLoc m:val="subSup"/>
+                        <m:subHide m:val="0"/>
+                        <m:supHide m:val="0"/>
+                      </m:naryPr>
+                      <m:sub>
+                        <m:r>
+                          <m:t>t</m:t>
+                        </m:r>
+                      </m:sub>
+                      <m:sup>
+                        <m:r>
+                          <m:rPr>
+                            <m:sty m:val="p"/>
+                          </m:rPr>
+                          <m:t>∞</m:t>
+                        </m:r>
+                      </m:sup>
+                      <m:e>
+                        <m:r>
+                          <m:t>f</m:t>
+                        </m:r>
+                      </m:e>
+                    </m:nary>
+                    <m:d>
+                      <m:dPr>
+                        <m:begChr m:val="("/>
+                        <m:endChr m:val=")"/>
+                        <m:sepChr m:val=""/>
+                        <m:grow/>
+                      </m:dPr>
+                      <m:e>
+                        <m:r>
+                          <m:t>s</m:t>
+                        </m:r>
+                      </m:e>
+                    </m:d>
+                    <m:r>
+                      <m:t>d</m:t>
+                    </m:r>
+                    <m:r>
+                      <m:t>s</m:t>
+                    </m:r>
+                  </m:oMath>
+                </a14:m>
+                <a:br/>
+                <a:r>
+                  <a:rPr/>
+                  <a:t>Cumulative Distribution Function of survival time T</a:t>
+                </a:r>
+                <a:br/>
+                <a14:m>
+                  <m:oMath xmlns:m="http://schemas.openxmlformats.org/officeDocument/2006/math">
+                    <m:r>
+                      <m:t>F</m:t>
+                    </m:r>
+                    <m:d>
+                      <m:dPr>
+                        <m:begChr m:val="("/>
+                        <m:endChr m:val=")"/>
+                        <m:sepChr m:val=""/>
+                        <m:grow/>
+                      </m:dPr>
+                      <m:e>
+                        <m:r>
+                          <m:t>t</m:t>
+                        </m:r>
+                      </m:e>
+                    </m:d>
+                    <m:r>
+                      <m:rPr>
+                        <m:sty m:val="p"/>
+                      </m:rPr>
+                      <m:t>=</m:t>
+                    </m:r>
+                    <m:r>
+                      <m:t>P</m:t>
+                    </m:r>
+                    <m:r>
+                      <m:t>r</m:t>
+                    </m:r>
+                    <m:d>
+                      <m:dPr>
+                        <m:begChr m:val="("/>
+                        <m:endChr m:val=")"/>
+                        <m:sepChr m:val=""/>
+                        <m:grow/>
+                      </m:dPr>
+                      <m:e>
+                        <m:r>
+                          <m:t>T</m:t>
+                        </m:r>
+                        <m:r>
+                          <m:rPr>
+                            <m:sty m:val="p"/>
+                          </m:rPr>
+                          <m:t>≤</m:t>
+                        </m:r>
+                        <m:r>
+                          <m:t>t</m:t>
+                        </m:r>
+                      </m:e>
+                    </m:d>
+                    <m:r>
+                      <m:rPr>
+                        <m:sty m:val="p"/>
+                      </m:rPr>
+                      <m:t>=</m:t>
+                    </m:r>
+                    <m:r>
+                      <m:t>1</m:t>
+                    </m:r>
+                    <m:r>
+                      <m:rPr>
+                        <m:sty m:val="p"/>
+                      </m:rPr>
+                      <m:t>−</m:t>
+                    </m:r>
+                    <m:r>
+                      <m:t>S</m:t>
+                    </m:r>
+                    <m:d>
+                      <m:dPr>
+                        <m:begChr m:val="("/>
+                        <m:endChr m:val=")"/>
+                        <m:sepChr m:val=""/>
+                        <m:grow/>
+                      </m:dPr>
+                      <m:e>
+                        <m:r>
+                          <m:t>t</m:t>
+                        </m:r>
+                      </m:e>
+                    </m:d>
+                    <m:r>
+                      <m:rPr>
+                        <m:sty m:val="p"/>
+                      </m:rPr>
+                      <m:t>=</m:t>
+                    </m:r>
+                    <m:r>
+                      <m:t>1</m:t>
+                    </m:r>
+                    <m:r>
+                      <m:rPr>
+                        <m:sty m:val="p"/>
+                      </m:rPr>
+                      <m:t>−</m:t>
+                    </m:r>
+                    <m:nary>
+                      <m:naryPr>
+                        <m:chr m:val="∫"/>
+                        <m:limLoc m:val="subSup"/>
+                        <m:subHide m:val="0"/>
+                        <m:supHide m:val="0"/>
+                      </m:naryPr>
+                      <m:sub>
+                        <m:r>
+                          <m:t>t</m:t>
+                        </m:r>
+                      </m:sub>
+                      <m:sup>
+                        <m:r>
+                          <m:rPr>
+                            <m:sty m:val="p"/>
+                          </m:rPr>
+                          <m:t>∞</m:t>
+                        </m:r>
+                      </m:sup>
+                      <m:e>
+                        <m:r>
+                          <m:t>f</m:t>
+                        </m:r>
+                      </m:e>
+                    </m:nary>
+                    <m:d>
+                      <m:dPr>
+                        <m:begChr m:val="("/>
+                        <m:endChr m:val=")"/>
+                        <m:sepChr m:val=""/>
+                        <m:grow/>
+                      </m:dPr>
+                      <m:e>
+                        <m:r>
+                          <m:t>s</m:t>
+                        </m:r>
+                      </m:e>
+                    </m:d>
+                    <m:r>
+                      <m:t>d</m:t>
+                    </m:r>
+                    <m:r>
+                      <m:t>s</m:t>
+                    </m:r>
+                  </m:oMath>
+                </a14:m>
+                <a:br/>
+                <a:r>
+                  <a:rPr/>
+                  <a:t>Hazard Function</a:t>
+                </a:r>
+                <a:br/>
+                <a14:m>
+                  <m:oMath xmlns:m="http://schemas.openxmlformats.org/officeDocument/2006/math">
+                    <m:r>
+                      <m:t>h</m:t>
+                    </m:r>
+                    <m:d>
+                      <m:dPr>
+                        <m:begChr m:val="("/>
+                        <m:endChr m:val=")"/>
+                        <m:sepChr m:val=""/>
+                        <m:grow/>
+                      </m:dPr>
+                      <m:e>
+                        <m:r>
+                          <m:t>t</m:t>
+                        </m:r>
+                      </m:e>
+                    </m:d>
+                    <m:r>
+                      <m:rPr>
+                        <m:sty m:val="p"/>
+                      </m:rPr>
+                      <m:t>=</m:t>
+                    </m:r>
+                    <m:sSub>
+                      <m:e>
+                        <m:r>
+                          <m:rPr>
+                            <m:sty m:val="p"/>
+                          </m:rPr>
+                          <m:t>lim</m:t>
+                        </m:r>
+                      </m:e>
+                      <m:sub>
+                        <m:sSub>
+                          <m:e>
+                            <m:r>
+                              <m:t>Δ</m:t>
+                            </m:r>
+                          </m:e>
+                          <m:sub>
+                            <m:r>
+                              <m:t>t</m:t>
+                            </m:r>
+                          </m:sub>
+                        </m:sSub>
+                        <m:r>
+                          <m:rPr>
+                            <m:sty m:val="p"/>
+                          </m:rPr>
+                          <m:t>→</m:t>
+                        </m:r>
+                        <m:r>
+                          <m:t>0</m:t>
+                        </m:r>
+                      </m:sub>
+                    </m:sSub>
+                    <m:f>
+                      <m:fPr>
+                        <m:type m:val="bar"/>
+                      </m:fPr>
+                      <m:num>
+                        <m:r>
+                          <m:t>P</m:t>
+                        </m:r>
+                        <m:r>
+                          <m:t>r</m:t>
+                        </m:r>
+                        <m:r>
+                          <m:rPr>
+                            <m:sty m:val="p"/>
+                          </m:rPr>
+                          <m:t>(</m:t>
+                        </m:r>
+                        <m:d>
+                          <m:dPr>
+                            <m:begChr m:val="("/>
+                            <m:endChr m:val=")"/>
+                            <m:sepChr m:val=""/>
+                            <m:grow/>
+                          </m:dPr>
+                          <m:e>
+                            <m:r>
+                              <m:t>T</m:t>
+                            </m:r>
+                            <m:r>
+                              <m:rPr>
+                                <m:sty m:val="p"/>
+                              </m:rPr>
+                              <m:t>∈</m:t>
+                            </m:r>
+                            <m:d>
+                              <m:dPr>
+                                <m:begChr m:val="("/>
+                                <m:endChr m:val=")"/>
+                                <m:sepChr m:val=""/>
+                                <m:grow/>
+                              </m:dPr>
+                              <m:e>
+                                <m:r>
+                                  <m:t>t</m:t>
+                                </m:r>
+                                <m:r>
+                                  <m:rPr>
+                                    <m:sty m:val="p"/>
+                                  </m:rPr>
+                                  <m:t>,</m:t>
+                                </m:r>
+                                <m:r>
+                                  <m:t>t</m:t>
+                                </m:r>
+                                <m:r>
+                                  <m:rPr>
+                                    <m:sty m:val="p"/>
+                                  </m:rPr>
+                                  <m:t>+</m:t>
+                                </m:r>
+                                <m:sSub>
+                                  <m:e>
+                                    <m:r>
+                                      <m:t>Δ</m:t>
+                                    </m:r>
+                                  </m:e>
+                                  <m:sub>
+                                    <m:r>
+                                      <m:t>t</m:t>
+                                    </m:r>
+                                  </m:sub>
+                                </m:sSub>
+                              </m:e>
+                            </m:d>
+                            <m:r>
+                              <m:rPr>
+                                <m:sty m:val="p"/>
+                              </m:rPr>
+                              <m:t>|</m:t>
+                            </m:r>
+                            <m:r>
+                              <m:t>T</m:t>
+                            </m:r>
+                            <m:r>
+                              <m:rPr>
+                                <m:sty m:val="p"/>
+                              </m:rPr>
+                              <m:t>&gt;</m:t>
+                            </m:r>
+                            <m:r>
+                              <m:t>t</m:t>
+                            </m:r>
+                          </m:e>
+                        </m:d>
+                      </m:num>
+                      <m:den>
+                        <m:sSub>
+                          <m:e>
+                            <m:r>
+                              <m:t>Δ</m:t>
+                            </m:r>
+                          </m:e>
+                          <m:sub>
+                            <m:r>
+                              <m:t>t</m:t>
+                            </m:r>
+                          </m:sub>
+                        </m:sSub>
+                      </m:den>
+                    </m:f>
+                    <m:r>
+                      <m:rPr>
+                        <m:sty m:val="p"/>
+                      </m:rPr>
+                      <m:t>=</m:t>
+                    </m:r>
+                    <m:f>
+                      <m:fPr>
+                        <m:type m:val="bar"/>
+                      </m:fPr>
+                      <m:num>
+                        <m:r>
+                          <m:t>f</m:t>
+                        </m:r>
+                        <m:d>
+                          <m:dPr>
+                            <m:begChr m:val="("/>
+                            <m:endChr m:val=")"/>
+                            <m:sepChr m:val=""/>
+                            <m:grow/>
+                          </m:dPr>
+                          <m:e>
+                            <m:r>
+                              <m:t>t</m:t>
+                            </m:r>
+                          </m:e>
+                        </m:d>
+                      </m:num>
+                      <m:den>
+                        <m:r>
+                          <m:t>S</m:t>
+                        </m:r>
+                        <m:d>
+                          <m:dPr>
+                            <m:begChr m:val="("/>
+                            <m:endChr m:val=")"/>
+                            <m:sepChr m:val=""/>
+                            <m:grow/>
+                          </m:dPr>
+                          <m:e>
+                            <m:r>
+                              <m:t>t</m:t>
+                            </m:r>
+                          </m:e>
+                        </m:d>
+                      </m:den>
+                    </m:f>
+                  </m:oMath>
+                </a14:m>
+                <a:br/>
+              </a:p>
+            </p:txBody>
+          </p:sp>
+        </mc:Choice>
+      </mc:AlternateContent>
+      <p:sp>
+        <p:nvSpPr>
+          <p:cNvPr id="5" name="Footer Placeholder 4"/>
+          <p:cNvSpPr>
+            <a:spLocks noGrp="1"/>
+          </p:cNvSpPr>
+          <p:nvPr>
+            <p:ph idx="11" sz="quarter" type="ftr"/>
+          </p:nvPr>
+        </p:nvSpPr>
+        <p:spPr/>
+        <p:txBody>
+          <a:bodyPr/>
+          <a:lstStyle/>
+          <a:p>
+            <a:endParaRPr lang="en-US"/>
+          </a:p>
+        </p:txBody>
+      </p:sp>
+      <p:sp>
+        <p:nvSpPr>
+          <p:cNvPr id="6" name="Slide Number Placeholder 5"/>
+          <p:cNvSpPr>
+            <a:spLocks noGrp="1"/>
+          </p:cNvSpPr>
+          <p:nvPr>
+            <p:ph idx="12" sz="quarter" type="sldNum"/>
+          </p:nvPr>
+        </p:nvSpPr>
+        <p:spPr/>
+        <p:txBody>
+          <a:bodyPr/>
+          <a:lstStyle/>
+          <a:p>
+            <a:fld id="{C5EF2332-01BF-834F-8236-50238282D533}" type="slidenum">
+              <a:rPr lang="en-US" smtClean="0"/>
+              <a:t>‹#›</a:t>
+            </a:fld>
+            <a:endParaRPr lang="en-US"/>
+          </a:p>
+        </p:txBody>
+      </p:sp>
+    </p:spTree>
+  </p:cSld>
+</p:sld>
+</file>
+
+<file path=ppt/slides/slide4.xml><?xml version="1.0" encoding="utf-8"?>
+<p:sld xmlns:a="http://schemas.openxmlformats.org/drawingml/2006/main" xmlns:r="http://schemas.openxmlformats.org/officeDocument/2006/relationships" xmlns:p="http://schemas.openxmlformats.org/presentationml/2006/main">
+  <p:cSld>
+    <p:spTree>
+      <p:nvGrpSpPr>
+        <p:cNvPr id="1" name=""/>
+        <p:cNvGrpSpPr/>
+        <p:nvPr/>
+      </p:nvGrpSpPr>
+      <p:grpSpPr>
+        <a:xfrm>
+          <a:off x="0" y="0"/>
+          <a:ext cx="0" cy="0"/>
+          <a:chOff x="0" y="0"/>
+          <a:chExt cx="0" cy="0"/>
+        </a:xfrm>
+      </p:grpSpPr>
+      <p:sp>
+        <p:nvSpPr>
+          <p:cNvPr id="2" name="Title 1"/>
+          <p:cNvSpPr>
+            <a:spLocks noGrp="1"/>
+          </p:cNvSpPr>
+          <p:nvPr>
+            <p:ph type="title"/>
+          </p:nvPr>
+        </p:nvSpPr>
+        <p:spPr/>
+        <p:txBody>
+          <a:bodyPr/>
+          <a:lstStyle/>
+          <a:p>
+            <a:pPr lvl="0" indent="0" marL="0">
+              <a:buNone/>
+            </a:pPr>
+            <a:r>
+              <a:rPr/>
+              <a:t>…</a:t>
+            </a:r>
+          </a:p>
+        </p:txBody>
+      </p:sp>
+      <mc:AlternateContent xmlns:mc="http://schemas.openxmlformats.org/markup-compatibility/2006">
+        <mc:Choice xmlns:a14="http://schemas.microsoft.com/office/drawing/2010/main" Requires="a14">
+          <p:sp>
+            <p:nvSpPr>
+              <p:cNvPr id="3" name="Content Placeholder 2"/>
+              <p:cNvSpPr>
+                <a:spLocks noGrp="1"/>
+              </p:cNvSpPr>
+              <p:nvPr>
+                <p:ph idx="1"/>
+              </p:nvPr>
+            </p:nvSpPr>
+            <p:spPr/>
+            <p:txBody>
+              <a:bodyPr/>
+              <a:lstStyle/>
+              <a:p>
+                <a:pPr lvl="0" indent="0" marL="0">
+                  <a:buNone/>
+                </a:pPr>
+                <a:r>
+                  <a:rPr/>
+                  <a:t>Proportional hazard model is the primary regression model to investigate the effectiveness of treatment </a:t>
+                </a:r>
+                <a14:m>
+                  <m:oMath xmlns:m="http://schemas.openxmlformats.org/officeDocument/2006/math">
+                    <m:r>
+                      <m:t>X</m:t>
+                    </m:r>
+                  </m:oMath>
+                </a14:m>
+                <a:r>
+                  <a:rPr/>
+                  <a:t> over survival time T, where the i-th patient at a time t</a:t>
+                </a:r>
+                <a:br/>
+                <a:r>
+                  <a:rPr/>
+                  <a:t>is</a:t>
+                </a:r>
+                <a:br/>
+                <a14:m>
+                  <m:oMath xmlns:m="http://schemas.openxmlformats.org/officeDocument/2006/math">
+                    <m:sSub>
+                      <m:e>
+                        <m:r>
+                          <m:t>h</m:t>
+                        </m:r>
+                      </m:e>
+                      <m:sub>
+                        <m:r>
+                          <m:t>i</m:t>
+                        </m:r>
+                      </m:sub>
+                    </m:sSub>
+                    <m:d>
+                      <m:dPr>
+                        <m:begChr m:val="("/>
+                        <m:endChr m:val=")"/>
+                        <m:sepChr m:val=""/>
+                        <m:grow/>
+                      </m:dPr>
+                      <m:e>
+                        <m:r>
+                          <m:t>t</m:t>
+                        </m:r>
+                      </m:e>
+                    </m:d>
+                    <m:r>
+                      <m:rPr>
+                        <m:sty m:val="p"/>
+                      </m:rPr>
+                      <m:t>=</m:t>
+                    </m:r>
+                    <m:sSub>
+                      <m:e>
+                        <m:r>
+                          <m:t>h</m:t>
+                        </m:r>
+                      </m:e>
+                      <m:sub>
+                        <m:r>
+                          <m:t>0</m:t>
+                        </m:r>
+                      </m:sub>
+                    </m:sSub>
+                    <m:d>
+                      <m:dPr>
+                        <m:begChr m:val="("/>
+                        <m:endChr m:val=")"/>
+                        <m:sepChr m:val=""/>
+                        <m:grow/>
+                      </m:dPr>
+                      <m:e>
+                        <m:r>
+                          <m:t>t</m:t>
+                        </m:r>
+                      </m:e>
+                    </m:d>
+                    <m:sSup>
+                      <m:e>
+                        <m:r>
+                          <m:t>e</m:t>
+                        </m:r>
+                      </m:e>
+                      <m:sup>
+                        <m:sSub>
+                          <m:e>
+                            <m:r>
+                              <m:t>x</m:t>
+                            </m:r>
+                          </m:e>
+                          <m:sub>
+                            <m:r>
+                              <m:t>i</m:t>
+                            </m:r>
+                          </m:sub>
+                        </m:sSub>
+                        <m:r>
+                          <m:t>β</m:t>
+                        </m:r>
+                      </m:sup>
+                    </m:sSup>
+                  </m:oMath>
+                </a14:m>
+                <a:br/>
+                <a:r>
+                  <a:rPr/>
+                  <a:t>where</a:t>
+                </a:r>
+                <a:br/>
+                <a:r>
+                  <a:rPr/>
+                  <a:t>- </a:t>
+                </a:r>
+                <a14:m>
+                  <m:oMath xmlns:m="http://schemas.openxmlformats.org/officeDocument/2006/math">
+                    <m:sSub>
+                      <m:e>
+                        <m:r>
+                          <m:t>h</m:t>
+                        </m:r>
+                      </m:e>
+                      <m:sub>
+                        <m:r>
+                          <m:t>0</m:t>
+                        </m:r>
+                      </m:sub>
+                    </m:sSub>
+                  </m:oMath>
+                </a14:m>
+                <a:r>
+                  <a:rPr/>
+                  <a:t> the baseline hazard function</a:t>
+                </a:r>
+                <a:br/>
+                <a:r>
+                  <a:rPr/>
+                  <a:t>- </a:t>
+                </a:r>
+                <a14:m>
+                  <m:oMath xmlns:m="http://schemas.openxmlformats.org/officeDocument/2006/math">
+                    <m:sSub>
+                      <m:e>
+                        <m:r>
+                          <m:t>x</m:t>
+                        </m:r>
+                      </m:e>
+                      <m:sub>
+                        <m:r>
+                          <m:t>i</m:t>
+                        </m:r>
+                      </m:sub>
+                    </m:sSub>
+                  </m:oMath>
+                </a14:m>
+                <a:r>
+                  <a:rPr/>
+                  <a:t> is the treatment indicator variable (control = 0, treatment = 1)</a:t>
+                </a:r>
+                <a:br/>
+                <a:r>
+                  <a:rPr/>
+                  <a:t>- </a:t>
+                </a:r>
+                <a14:m>
+                  <m:oMath xmlns:m="http://schemas.openxmlformats.org/officeDocument/2006/math">
+                    <m:r>
+                      <m:t>β</m:t>
+                    </m:r>
+                  </m:oMath>
+                </a14:m>
+                <a:r>
+                  <a:rPr/>
+                  <a:t> is the log hazard ratio of treatment effect</a:t>
+                </a:r>
+                <a:br/>
+              </a:p>
+              <a:p>
+                <a:pPr lvl="0" indent="0" marL="0">
+                  <a:buNone/>
+                </a:pPr>
+                <a:r>
+                  <a:rPr/>
+                  <a:t>Cumulative Hazard Function</a:t>
+                </a:r>
+                <a:br/>
+                <a14:m>
+                  <m:oMath xmlns:m="http://schemas.openxmlformats.org/officeDocument/2006/math">
+                    <m:r>
+                      <m:t>H</m:t>
+                    </m:r>
+                    <m:d>
+                      <m:dPr>
+                        <m:begChr m:val="("/>
+                        <m:endChr m:val=")"/>
+                        <m:sepChr m:val=""/>
+                        <m:grow/>
+                      </m:dPr>
+                      <m:e>
+                        <m:r>
+                          <m:t>t</m:t>
+                        </m:r>
+                      </m:e>
+                    </m:d>
+                    <m:r>
+                      <m:rPr>
+                        <m:sty m:val="p"/>
+                      </m:rPr>
+                      <m:t>=</m:t>
+                    </m:r>
+                    <m:nary>
+                      <m:naryPr>
+                        <m:chr m:val="∫"/>
+                        <m:limLoc m:val="subSup"/>
+                        <m:subHide m:val="0"/>
+                        <m:supHide m:val="0"/>
+                      </m:naryPr>
+                      <m:sub>
+                        <m:r>
+                          <m:t>t</m:t>
+                        </m:r>
+                      </m:sub>
+                      <m:sup>
+                        <m:r>
+                          <m:rPr>
+                            <m:sty m:val="p"/>
+                          </m:rPr>
+                          <m:t>∞</m:t>
+                        </m:r>
+                      </m:sup>
+                      <m:e>
+                        <m:r>
+                          <m:t>h</m:t>
+                        </m:r>
+                      </m:e>
+                    </m:nary>
+                    <m:d>
+                      <m:dPr>
+                        <m:begChr m:val="("/>
+                        <m:endChr m:val=")"/>
+                        <m:sepChr m:val=""/>
+                        <m:grow/>
+                      </m:dPr>
+                      <m:e>
+                        <m:r>
+                          <m:t>t</m:t>
+                        </m:r>
+                      </m:e>
+                    </m:d>
+                    <m:r>
+                      <m:t>d</m:t>
+                    </m:r>
+                    <m:r>
+                      <m:t>t</m:t>
+                    </m:r>
+                    <m:r>
+                      <m:rPr>
+                        <m:sty m:val="p"/>
+                      </m:rPr>
+                      <m:t>=</m:t>
+                    </m:r>
+                    <m:nary>
+                      <m:naryPr>
+                        <m:chr m:val="∫"/>
+                        <m:limLoc m:val="subSup"/>
+                        <m:subHide m:val="0"/>
+                        <m:supHide m:val="0"/>
+                      </m:naryPr>
+                      <m:sub>
+                        <m:r>
+                          <m:t>t</m:t>
+                        </m:r>
+                      </m:sub>
+                      <m:sup>
+                        <m:r>
+                          <m:rPr>
+                            <m:sty m:val="p"/>
+                          </m:rPr>
+                          <m:t>∞</m:t>
+                        </m:r>
+                      </m:sup>
+                      <m:e>
+                        <m:sSub>
+                          <m:e>
+                            <m:r>
+                              <m:t>h</m:t>
+                            </m:r>
+                          </m:e>
+                          <m:sub>
+                            <m:r>
+                              <m:t>0</m:t>
+                            </m:r>
+                          </m:sub>
+                        </m:sSub>
+                      </m:e>
+                    </m:nary>
+                    <m:d>
+                      <m:dPr>
+                        <m:begChr m:val="("/>
+                        <m:endChr m:val=")"/>
+                        <m:sepChr m:val=""/>
+                        <m:grow/>
+                      </m:dPr>
+                      <m:e>
+                        <m:r>
+                          <m:t>t</m:t>
+                        </m:r>
+                      </m:e>
+                    </m:d>
+                    <m:sSup>
+                      <m:e>
+                        <m:r>
+                          <m:t>e</m:t>
+                        </m:r>
+                      </m:e>
+                      <m:sup>
+                        <m:r>
+                          <m:t>X</m:t>
+                        </m:r>
+                        <m:r>
+                          <m:t>β</m:t>
+                        </m:r>
+                      </m:sup>
+                    </m:sSup>
+                    <m:r>
+                      <m:t>d</m:t>
+                    </m:r>
+                    <m:r>
+                      <m:t>t</m:t>
+                    </m:r>
+                    <m:r>
+                      <m:rPr>
+                        <m:sty m:val="p"/>
+                      </m:rPr>
+                      <m:t>=</m:t>
+                    </m:r>
+                    <m:sSub>
+                      <m:e>
+                        <m:r>
+                          <m:t>H</m:t>
+                        </m:r>
+                      </m:e>
+                      <m:sub>
+                        <m:r>
+                          <m:t>0</m:t>
+                        </m:r>
+                      </m:sub>
+                    </m:sSub>
+                    <m:d>
+                      <m:dPr>
+                        <m:begChr m:val="("/>
+                        <m:endChr m:val=")"/>
+                        <m:sepChr m:val=""/>
+                        <m:grow/>
+                      </m:dPr>
+                      <m:e>
+                        <m:r>
+                          <m:t>t</m:t>
+                        </m:r>
+                      </m:e>
+                    </m:d>
+                    <m:sSup>
+                      <m:e>
+                        <m:r>
+                          <m:t>e</m:t>
+                        </m:r>
+                      </m:e>
+                      <m:sup>
+                        <m:r>
+                          <m:t>X</m:t>
+                        </m:r>
+                        <m:r>
+                          <m:t>β</m:t>
+                        </m:r>
+                      </m:sup>
+                    </m:sSup>
+                  </m:oMath>
+                </a14:m>
+                <a:br/>
+                <a:r>
+                  <a:rPr/>
+                  <a:t>where</a:t>
+                </a:r>
+                <a:br/>
+                <a:r>
+                  <a:rPr/>
+                  <a:t>- </a:t>
+                </a:r>
+                <a14:m>
+                  <m:oMath xmlns:m="http://schemas.openxmlformats.org/officeDocument/2006/math">
+                    <m:sSub>
+                      <m:e>
+                        <m:r>
+                          <m:t>H</m:t>
+                        </m:r>
+                      </m:e>
+                      <m:sub>
+                        <m:r>
+                          <m:t>0</m:t>
+                        </m:r>
+                      </m:sub>
+                    </m:sSub>
+                    <m:d>
+                      <m:dPr>
+                        <m:begChr m:val="("/>
+                        <m:endChr m:val=")"/>
+                        <m:sepChr m:val=""/>
+                        <m:grow/>
+                      </m:dPr>
+                      <m:e>
+                        <m:r>
+                          <m:t>t</m:t>
+                        </m:r>
+                      </m:e>
+                    </m:d>
+                  </m:oMath>
+                </a14:m>
+                <a:r>
+                  <a:rPr/>
+                  <a:t> is the cumulative baseline risk</a:t>
+                </a:r>
+                <a:br/>
+              </a:p>
+            </p:txBody>
+          </p:sp>
+        </mc:Choice>
+      </mc:AlternateContent>
+      <p:sp>
+        <p:nvSpPr>
+          <p:cNvPr id="5" name="Footer Placeholder 4"/>
+          <p:cNvSpPr>
+            <a:spLocks noGrp="1"/>
+          </p:cNvSpPr>
+          <p:nvPr>
+            <p:ph idx="11" sz="quarter" type="ftr"/>
+          </p:nvPr>
+        </p:nvSpPr>
+        <p:spPr/>
+        <p:txBody>
+          <a:bodyPr/>
+          <a:lstStyle/>
+          <a:p>
+            <a:endParaRPr lang="en-US"/>
+          </a:p>
+        </p:txBody>
+      </p:sp>
+      <p:sp>
+        <p:nvSpPr>
+          <p:cNvPr id="6" name="Slide Number Placeholder 5"/>
+          <p:cNvSpPr>
+            <a:spLocks noGrp="1"/>
+          </p:cNvSpPr>
+          <p:nvPr>
+            <p:ph idx="12" sz="quarter" type="sldNum"/>
+          </p:nvPr>
+        </p:nvSpPr>
+        <p:spPr/>
+        <p:txBody>
+          <a:bodyPr/>
+          <a:lstStyle/>
+          <a:p>
+            <a:fld id="{C5EF2332-01BF-834F-8236-50238282D533}" type="slidenum">
+              <a:rPr lang="en-US" smtClean="0"/>
+              <a:t>‹#›</a:t>
+            </a:fld>
+            <a:endParaRPr lang="en-US"/>
+          </a:p>
+        </p:txBody>
+      </p:sp>
+    </p:spTree>
+  </p:cSld>
+</p:sld>
+</file>
+
+<file path=ppt/slides/slide5.xml><?xml version="1.0" encoding="utf-8"?>
+<p:sld xmlns:a="http://schemas.openxmlformats.org/drawingml/2006/main" xmlns:r="http://schemas.openxmlformats.org/officeDocument/2006/relationships" xmlns:p="http://schemas.openxmlformats.org/presentationml/2006/main">
+  <p:cSld>
+    <p:spTree>
+      <p:nvGrpSpPr>
+        <p:cNvPr id="1" name=""/>
+        <p:cNvGrpSpPr/>
+        <p:nvPr/>
+      </p:nvGrpSpPr>
+      <p:grpSpPr>
+        <a:xfrm>
+          <a:off x="0" y="0"/>
+          <a:ext cx="0" cy="0"/>
+          <a:chOff x="0" y="0"/>
+          <a:chExt cx="0" cy="0"/>
+        </a:xfrm>
+      </p:grpSpPr>
+      <p:sp>
+        <p:nvSpPr>
+          <p:cNvPr id="2" name="Title 1"/>
+          <p:cNvSpPr>
+            <a:spLocks noGrp="1"/>
+          </p:cNvSpPr>
+          <p:nvPr>
+            <p:ph type="title"/>
+          </p:nvPr>
+        </p:nvSpPr>
+        <p:spPr/>
+        <p:txBody>
+          <a:bodyPr/>
+          <a:lstStyle/>
+          <a:p>
+            <a:pPr lvl="0" indent="0" marL="0">
+              <a:buNone/>
+            </a:pPr>
+            <a:r>
+              <a:rPr/>
+              <a:t>…</a:t>
+            </a:r>
+          </a:p>
+        </p:txBody>
+      </p:sp>
+      <mc:AlternateContent xmlns:mc="http://schemas.openxmlformats.org/markup-compatibility/2006">
+        <mc:Choice xmlns:a14="http://schemas.microsoft.com/office/drawing/2010/main" Requires="a14">
+          <p:sp>
+            <p:nvSpPr>
+              <p:cNvPr id="3" name="Content Placeholder 2"/>
+              <p:cNvSpPr>
+                <a:spLocks noGrp="1"/>
+              </p:cNvSpPr>
+              <p:nvPr>
+                <p:ph idx="1"/>
+              </p:nvPr>
+            </p:nvSpPr>
+            <p:spPr/>
+            <p:txBody>
+              <a:bodyPr/>
+              <a:lstStyle/>
+              <a:p>
+                <a:pPr lvl="0" indent="0" marL="0">
+                  <a:buNone/>
+                </a:pPr>
+                <a:r>
+                  <a:rPr/>
+                  <a:t>The proportional hazard can be expressed as</a:t>
+                </a:r>
+                <a:br/>
+                <a:br/>
+                <a14:m>
+                  <m:oMath xmlns:m="http://schemas.openxmlformats.org/officeDocument/2006/math">
+                    <m:f>
+                      <m:fPr>
+                        <m:type m:val="bar"/>
+                      </m:fPr>
+                      <m:num>
+                        <m:r>
+                          <m:t>h</m:t>
+                        </m:r>
+                        <m:d>
+                          <m:dPr>
+                            <m:begChr m:val="("/>
+                            <m:endChr m:val=")"/>
+                            <m:sepChr m:val=""/>
+                            <m:grow/>
+                          </m:dPr>
+                          <m:e>
+                            <m:r>
+                              <m:t>t</m:t>
+                            </m:r>
+                            <m:r>
+                              <m:rPr>
+                                <m:sty m:val="p"/>
+                              </m:rPr>
+                              <m:t>|</m:t>
+                            </m:r>
+                            <m:sSub>
+                              <m:e>
+                                <m:r>
+                                  <m:t>x</m:t>
+                                </m:r>
+                              </m:e>
+                              <m:sub>
+                                <m:r>
+                                  <m:t>0</m:t>
+                                </m:r>
+                              </m:sub>
+                            </m:sSub>
+                          </m:e>
+                        </m:d>
+                      </m:num>
+                      <m:den>
+                        <m:r>
+                          <m:t>h</m:t>
+                        </m:r>
+                        <m:d>
+                          <m:dPr>
+                            <m:begChr m:val="("/>
+                            <m:endChr m:val=")"/>
+                            <m:sepChr m:val=""/>
+                            <m:grow/>
+                          </m:dPr>
+                          <m:e>
+                            <m:r>
+                              <m:t>t</m:t>
+                            </m:r>
+                            <m:r>
+                              <m:rPr>
+                                <m:sty m:val="p"/>
+                              </m:rPr>
+                              <m:t>|</m:t>
+                            </m:r>
+                            <m:sSub>
+                              <m:e>
+                                <m:r>
+                                  <m:t>x</m:t>
+                                </m:r>
+                              </m:e>
+                              <m:sub>
+                                <m:r>
+                                  <m:t>1</m:t>
+                                </m:r>
+                              </m:sub>
+                            </m:sSub>
+                          </m:e>
+                        </m:d>
+                      </m:den>
+                    </m:f>
+                    <m:r>
+                      <m:rPr>
+                        <m:sty m:val="p"/>
+                      </m:rPr>
+                      <m:t>=</m:t>
+                    </m:r>
+                    <m:sSup>
+                      <m:e>
+                        <m:r>
+                          <m:t>e</m:t>
+                        </m:r>
+                      </m:e>
+                      <m:sup>
+                        <m:r>
+                          <m:t>β</m:t>
+                        </m:r>
+                        <m:d>
+                          <m:dPr>
+                            <m:begChr m:val="("/>
+                            <m:endChr m:val=")"/>
+                            <m:sepChr m:val=""/>
+                            <m:grow/>
+                          </m:dPr>
+                          <m:e>
+                            <m:sSub>
+                              <m:e>
+                                <m:r>
+                                  <m:t>x</m:t>
+                                </m:r>
+                              </m:e>
+                              <m:sub>
+                                <m:r>
+                                  <m:t>0</m:t>
+                                </m:r>
+                              </m:sub>
+                            </m:sSub>
+                            <m:r>
+                              <m:rPr>
+                                <m:sty m:val="p"/>
+                              </m:rPr>
+                              <m:t>−</m:t>
+                            </m:r>
+                            <m:sSub>
+                              <m:e>
+                                <m:r>
+                                  <m:t>x</m:t>
+                                </m:r>
+                              </m:e>
+                              <m:sub>
+                                <m:r>
+                                  <m:t>1</m:t>
+                                </m:r>
+                              </m:sub>
+                            </m:sSub>
+                          </m:e>
+                        </m:d>
+                      </m:sup>
+                    </m:sSup>
+                  </m:oMath>
+                </a14:m>
+                <a:br/>
+              </a:p>
+              <a:p>
+                <a:pPr lvl="0" indent="0" marL="0">
+                  <a:buNone/>
+                </a:pPr>
+                <a:r>
+                  <a:rPr/>
+                  <a:t>Derive survival time T</a:t>
+                </a:r>
+                <a:br/>
+                <a:br/>
+                <a14:m>
+                  <m:oMath xmlns:m="http://schemas.openxmlformats.org/officeDocument/2006/math">
+                    <m:r>
+                      <m:t>H</m:t>
+                    </m:r>
+                    <m:d>
+                      <m:dPr>
+                        <m:begChr m:val="("/>
+                        <m:endChr m:val=")"/>
+                        <m:sepChr m:val=""/>
+                        <m:grow/>
+                      </m:dPr>
+                      <m:e>
+                        <m:r>
+                          <m:t>t</m:t>
+                        </m:r>
+                      </m:e>
+                    </m:d>
+                    <m:r>
+                      <m:rPr>
+                        <m:sty m:val="p"/>
+                      </m:rPr>
+                      <m:t>=</m:t>
+                    </m:r>
+                    <m:r>
+                      <m:rPr>
+                        <m:sty m:val="p"/>
+                      </m:rPr>
+                      <m:t>−</m:t>
+                    </m:r>
+                    <m:r>
+                      <m:rPr>
+                        <m:sty m:val="p"/>
+                      </m:rPr>
+                      <m:t>log</m:t>
+                    </m:r>
+                    <m:d>
+                      <m:dPr>
+                        <m:begChr m:val="("/>
+                        <m:endChr m:val=")"/>
+                        <m:sepChr m:val=""/>
+                        <m:grow/>
+                      </m:dPr>
+                      <m:e>
+                        <m:r>
+                          <m:t>S</m:t>
+                        </m:r>
+                        <m:d>
+                          <m:dPr>
+                            <m:begChr m:val="("/>
+                            <m:endChr m:val=")"/>
+                            <m:sepChr m:val=""/>
+                            <m:grow/>
+                          </m:dPr>
+                          <m:e>
+                            <m:r>
+                              <m:t>t</m:t>
+                            </m:r>
+                          </m:e>
+                        </m:d>
+                      </m:e>
+                    </m:d>
+                  </m:oMath>
+                </a14:m>
+                <a:br/>
+                <a14:m>
+                  <m:oMath xmlns:m="http://schemas.openxmlformats.org/officeDocument/2006/math">
+                    <m:r>
+                      <m:t>S</m:t>
+                    </m:r>
+                    <m:d>
+                      <m:dPr>
+                        <m:begChr m:val="("/>
+                        <m:endChr m:val=")"/>
+                        <m:sepChr m:val=""/>
+                        <m:grow/>
+                      </m:dPr>
+                      <m:e>
+                        <m:r>
+                          <m:t>t</m:t>
+                        </m:r>
+                      </m:e>
+                    </m:d>
+                    <m:r>
+                      <m:rPr>
+                        <m:sty m:val="p"/>
+                      </m:rPr>
+                      <m:t>=</m:t>
+                    </m:r>
+                    <m:sSup>
+                      <m:e>
+                        <m:r>
+                          <m:t>e</m:t>
+                        </m:r>
+                      </m:e>
+                      <m:sup>
+                        <m:r>
+                          <m:rPr>
+                            <m:sty m:val="p"/>
+                          </m:rPr>
+                          <m:t>−</m:t>
+                        </m:r>
+                        <m:r>
+                          <m:t>H</m:t>
+                        </m:r>
+                        <m:d>
+                          <m:dPr>
+                            <m:begChr m:val="("/>
+                            <m:endChr m:val=")"/>
+                            <m:sepChr m:val=""/>
+                            <m:grow/>
+                          </m:dPr>
+                          <m:e>
+                            <m:r>
+                              <m:t>t</m:t>
+                            </m:r>
+                          </m:e>
+                        </m:d>
+                      </m:sup>
+                    </m:sSup>
+                    <m:r>
+                      <m:rPr>
+                        <m:sty m:val="p"/>
+                      </m:rPr>
+                      <m:t>=</m:t>
+                    </m:r>
+                    <m:sSup>
+                      <m:e>
+                        <m:r>
+                          <m:t>e</m:t>
+                        </m:r>
+                      </m:e>
+                      <m:sup>
+                        <m:nary>
+                          <m:naryPr>
+                            <m:chr m:val="∫"/>
+                            <m:limLoc m:val="subSup"/>
+                            <m:subHide m:val="0"/>
+                            <m:supHide m:val="0"/>
+                          </m:naryPr>
+                          <m:sub>
+                            <m:r>
+                              <m:t>t</m:t>
+                            </m:r>
+                          </m:sub>
+                          <m:sup>
+                            <m:r>
+                              <m:rPr>
+                                <m:sty m:val="p"/>
+                              </m:rPr>
+                              <m:t>∞</m:t>
+                            </m:r>
+                          </m:sup>
+                          <m:e>
+                            <m:r>
+                              <m:t>h</m:t>
+                            </m:r>
+                          </m:e>
+                        </m:nary>
+                        <m:d>
+                          <m:dPr>
+                            <m:begChr m:val="("/>
+                            <m:endChr m:val=")"/>
+                            <m:sepChr m:val=""/>
+                            <m:grow/>
+                          </m:dPr>
+                          <m:e>
+                            <m:r>
+                              <m:t>s</m:t>
+                            </m:r>
+                          </m:e>
+                        </m:d>
+                        <m:r>
+                          <m:t>d</m:t>
+                        </m:r>
+                        <m:r>
+                          <m:t>s</m:t>
+                        </m:r>
+                      </m:sup>
+                    </m:sSup>
+                  </m:oMath>
+                </a14:m>
+                <a:br/>
+              </a:p>
+              <a:p>
+                <a:pPr lvl="0" indent="0" marL="0">
+                  <a:buNone/>
+                </a:pPr>
+                <a:r>
+                  <a:rPr/>
+                  <a:t>By Inverse Transformation Method</a:t>
+                </a:r>
+                <a:br/>
+              </a:p>
+              <a:p>
+                <a:pPr lvl="0" indent="0" marL="0">
+                  <a:buNone/>
+                </a:pPr>
+                <a14:m>
+                  <m:oMath xmlns:m="http://schemas.openxmlformats.org/officeDocument/2006/math">
+                    <m:r>
+                      <m:t>T</m:t>
+                    </m:r>
+                    <m:r>
+                      <m:rPr>
+                        <m:sty m:val="p"/>
+                      </m:rPr>
+                      <m:t>=</m:t>
+                    </m:r>
+                    <m:sSup>
+                      <m:e>
+                        <m:r>
+                          <m:t>F</m:t>
+                        </m:r>
+                      </m:e>
+                      <m:sup>
+                        <m:r>
+                          <m:rPr>
+                            <m:sty m:val="p"/>
+                          </m:rPr>
+                          <m:t>−</m:t>
+                        </m:r>
+                        <m:r>
+                          <m:t>1</m:t>
+                        </m:r>
+                      </m:sup>
+                    </m:sSup>
+                    <m:d>
+                      <m:dPr>
+                        <m:begChr m:val="("/>
+                        <m:endChr m:val=")"/>
+                        <m:sepChr m:val=""/>
+                        <m:grow/>
+                      </m:dPr>
+                      <m:e>
+                        <m:r>
+                          <m:t>U</m:t>
+                        </m:r>
+                      </m:e>
+                    </m:d>
+                    <m:r>
+                      <m:rPr>
+                        <m:sty m:val="p"/>
+                      </m:rPr>
+                      <m:t>=</m:t>
+                    </m:r>
+                    <m:sSubSup>
+                      <m:e>
+                        <m:r>
+                          <m:t>H</m:t>
+                        </m:r>
+                      </m:e>
+                      <m:sub>
+                        <m:r>
+                          <m:t>0</m:t>
+                        </m:r>
+                      </m:sub>
+                      <m:sup>
+                        <m:r>
+                          <m:rPr>
+                            <m:sty m:val="p"/>
+                          </m:rPr>
+                          <m:t>−</m:t>
+                        </m:r>
+                        <m:r>
+                          <m:t>1</m:t>
+                        </m:r>
+                      </m:sup>
+                    </m:sSubSup>
+                    <m:d>
+                      <m:dPr>
+                        <m:begChr m:val="("/>
+                        <m:endChr m:val=")"/>
+                        <m:sepChr m:val=""/>
+                        <m:grow/>
+                      </m:dPr>
+                      <m:e>
+                        <m:f>
+                          <m:fPr>
+                            <m:type m:val="bar"/>
+                          </m:fPr>
+                          <m:num>
+                            <m:r>
+                              <m:rPr>
+                                <m:sty m:val="p"/>
+                              </m:rPr>
+                              <m:t>−</m:t>
+                            </m:r>
+                            <m:r>
+                              <m:rPr>
+                                <m:sty m:val="p"/>
+                              </m:rPr>
+                              <m:t>log</m:t>
+                            </m:r>
+                            <m:d>
+                              <m:dPr>
+                                <m:begChr m:val="("/>
+                                <m:endChr m:val=")"/>
+                                <m:sepChr m:val=""/>
+                                <m:grow/>
+                              </m:dPr>
+                              <m:e>
+                                <m:r>
+                                  <m:t>U</m:t>
+                                </m:r>
+                              </m:e>
+                            </m:d>
+                          </m:num>
+                          <m:den>
+                            <m:sSup>
+                              <m:e>
+                                <m:r>
+                                  <m:t>e</m:t>
+                                </m:r>
+                              </m:e>
+                              <m:sup>
+                                <m:r>
+                                  <m:t>X</m:t>
+                                </m:r>
+                                <m:r>
+                                  <m:t>β</m:t>
+                                </m:r>
+                              </m:sup>
+                            </m:sSup>
+                          </m:den>
+                        </m:f>
+                      </m:e>
+                    </m:d>
+                  </m:oMath>
+                </a14:m>
+                <a:br/>
+                <a:r>
+                  <a:rPr/>
+                  <a:t>where </a:t>
+                </a:r>
+                <a14:m>
+                  <m:oMath xmlns:m="http://schemas.openxmlformats.org/officeDocument/2006/math">
+                    <m:r>
+                      <m:t>U</m:t>
+                    </m:r>
+                    <m:r>
+                      <m:rPr>
+                        <m:sty m:val="p"/>
+                      </m:rPr>
+                      <m:t>∼</m:t>
+                    </m:r>
+                    <m:r>
+                      <m:t>U</m:t>
+                    </m:r>
+                    <m:d>
+                      <m:dPr>
+                        <m:begChr m:val="("/>
+                        <m:endChr m:val=")"/>
+                        <m:sepChr m:val=""/>
+                        <m:grow/>
+                      </m:dPr>
+                      <m:e>
+                        <m:r>
+                          <m:t>0</m:t>
+                        </m:r>
+                        <m:r>
+                          <m:rPr>
+                            <m:sty m:val="p"/>
+                          </m:rPr>
+                          <m:t>,</m:t>
+                        </m:r>
+                        <m:r>
+                          <m:t>1</m:t>
+                        </m:r>
+                      </m:e>
+                    </m:d>
+                  </m:oMath>
+                </a14:m>
+                <a:br/>
+              </a:p>
+            </p:txBody>
+          </p:sp>
+        </mc:Choice>
+      </mc:AlternateContent>
+      <p:sp>
+        <p:nvSpPr>
+          <p:cNvPr id="5" name="Footer Placeholder 4"/>
+          <p:cNvSpPr>
+            <a:spLocks noGrp="1"/>
+          </p:cNvSpPr>
+          <p:nvPr>
+            <p:ph idx="11" sz="quarter" type="ftr"/>
+          </p:nvPr>
+        </p:nvSpPr>
+        <p:spPr/>
+        <p:txBody>
+          <a:bodyPr/>
+          <a:lstStyle/>
+          <a:p>
+            <a:endParaRPr lang="en-US"/>
+          </a:p>
+        </p:txBody>
+      </p:sp>
+      <p:sp>
+        <p:nvSpPr>
+          <p:cNvPr id="6" name="Slide Number Placeholder 5"/>
+          <p:cNvSpPr>
+            <a:spLocks noGrp="1"/>
+          </p:cNvSpPr>
+          <p:nvPr>
+            <p:ph idx="12" sz="quarter" type="sldNum"/>
+          </p:nvPr>
+        </p:nvSpPr>
+        <p:spPr/>
+        <p:txBody>
+          <a:bodyPr/>
+          <a:lstStyle/>
+          <a:p>
+            <a:fld id="{C5EF2332-01BF-834F-8236-50238282D533}" type="slidenum">
+              <a:rPr lang="en-US" smtClean="0"/>
+              <a:t>‹#›</a:t>
+            </a:fld>
+            <a:endParaRPr lang="en-US"/>
+          </a:p>
+        </p:txBody>
+      </p:sp>
+    </p:spTree>
+  </p:cSld>
+</p:sld>
+</file>
+
+<file path=ppt/slides/slide6.xml><?xml version="1.0" encoding="utf-8"?>
+<p:sld xmlns:a="http://schemas.openxmlformats.org/drawingml/2006/main" xmlns:r="http://schemas.openxmlformats.org/officeDocument/2006/relationships" xmlns:p="http://schemas.openxmlformats.org/presentationml/2006/main">
+  <p:cSld>
+    <p:spTree>
+      <p:nvGrpSpPr>
+        <p:cNvPr id="1" name=""/>
+        <p:cNvGrpSpPr/>
+        <p:nvPr/>
+      </p:nvGrpSpPr>
+      <p:grpSpPr>
+        <a:xfrm>
+          <a:off x="0" y="0"/>
+          <a:ext cx="0" cy="0"/>
+          <a:chOff x="0" y="0"/>
+          <a:chExt cx="0" cy="0"/>
+        </a:xfrm>
+      </p:grpSpPr>
+      <p:sp>
+        <p:nvSpPr>
+          <p:cNvPr id="2" name="Title 1"/>
+          <p:cNvSpPr>
+            <a:spLocks noGrp="1"/>
+          </p:cNvSpPr>
+          <p:nvPr>
+            <p:ph type="title"/>
+          </p:nvPr>
+        </p:nvSpPr>
+        <p:spPr/>
+        <p:txBody>
+          <a:bodyPr/>
+          <a:lstStyle/>
+          <a:p>
+            <a:pPr lvl="0" indent="0" marL="0">
+              <a:buNone/>
+            </a:pPr>
+            <a:r>
+              <a:rPr/>
+              <a:t>…</a:t>
+            </a:r>
+          </a:p>
+        </p:txBody>
+      </p:sp>
+      <mc:AlternateContent xmlns:mc="http://schemas.openxmlformats.org/markup-compatibility/2006">
+        <mc:Choice xmlns:a14="http://schemas.microsoft.com/office/drawing/2010/main" Requires="a14">
+          <p:sp>
+            <p:nvSpPr>
+              <p:cNvPr id="3" name="Content Placeholder 2"/>
+              <p:cNvSpPr>
+                <a:spLocks noGrp="1"/>
+              </p:cNvSpPr>
+              <p:nvPr>
+                <p:ph idx="1"/>
+              </p:nvPr>
+            </p:nvSpPr>
+            <p:spPr/>
+            <p:txBody>
+              <a:bodyPr/>
+              <a:lstStyle/>
+              <a:p>
+                <a:pPr lvl="0" indent="0" marL="0">
+                  <a:buNone/>
+                </a:pPr>
+                <a14:m>
+                  <m:oMath xmlns:m="http://schemas.openxmlformats.org/officeDocument/2006/math">
+                    <m:r>
+                      <m:t>T</m:t>
+                    </m:r>
+                    <m:r>
+                      <m:rPr>
+                        <m:sty m:val="p"/>
+                      </m:rPr>
+                      <m:t>=</m:t>
+                    </m:r>
+                    <m:sSup>
+                      <m:e>
+                        <m:r>
+                          <m:t>F</m:t>
+                        </m:r>
+                      </m:e>
+                      <m:sup>
+                        <m:r>
+                          <m:rPr>
+                            <m:sty m:val="p"/>
+                          </m:rPr>
+                          <m:t>−</m:t>
+                        </m:r>
+                        <m:r>
+                          <m:t>1</m:t>
+                        </m:r>
+                      </m:sup>
+                    </m:sSup>
+                    <m:d>
+                      <m:dPr>
+                        <m:begChr m:val="("/>
+                        <m:endChr m:val=")"/>
+                        <m:sepChr m:val=""/>
+                        <m:grow/>
+                      </m:dPr>
+                      <m:e>
+                        <m:r>
+                          <m:t>U</m:t>
+                        </m:r>
+                      </m:e>
+                    </m:d>
+                    <m:r>
+                      <m:rPr>
+                        <m:sty m:val="p"/>
+                      </m:rPr>
+                      <m:t>=</m:t>
+                    </m:r>
+                    <m:sSubSup>
+                      <m:e>
+                        <m:r>
+                          <m:t>H</m:t>
+                        </m:r>
+                      </m:e>
+                      <m:sub>
+                        <m:r>
+                          <m:t>0</m:t>
+                        </m:r>
+                      </m:sub>
+                      <m:sup>
+                        <m:r>
+                          <m:rPr>
+                            <m:sty m:val="p"/>
+                          </m:rPr>
+                          <m:t>−</m:t>
+                        </m:r>
+                        <m:r>
+                          <m:t>1</m:t>
+                        </m:r>
+                      </m:sup>
+                    </m:sSubSup>
+                    <m:d>
+                      <m:dPr>
+                        <m:begChr m:val="("/>
+                        <m:endChr m:val=")"/>
+                        <m:sepChr m:val=""/>
+                        <m:grow/>
+                      </m:dPr>
+                      <m:e>
+                        <m:f>
+                          <m:fPr>
+                            <m:type m:val="bar"/>
+                          </m:fPr>
+                          <m:num>
+                            <m:r>
+                              <m:rPr>
+                                <m:sty m:val="p"/>
+                              </m:rPr>
+                              <m:t>−</m:t>
+                            </m:r>
+                            <m:r>
+                              <m:rPr>
+                                <m:sty m:val="p"/>
+                              </m:rPr>
+                              <m:t>log</m:t>
+                            </m:r>
+                            <m:d>
+                              <m:dPr>
+                                <m:begChr m:val="("/>
+                                <m:endChr m:val=")"/>
+                                <m:sepChr m:val=""/>
+                                <m:grow/>
+                              </m:dPr>
+                              <m:e>
+                                <m:r>
+                                  <m:t>U</m:t>
+                                </m:r>
+                              </m:e>
+                            </m:d>
+                          </m:num>
+                          <m:den>
+                            <m:sSup>
+                              <m:e>
+                                <m:r>
+                                  <m:t>e</m:t>
+                                </m:r>
+                              </m:e>
+                              <m:sup>
+                                <m:r>
+                                  <m:t>X</m:t>
+                                </m:r>
+                                <m:r>
+                                  <m:t>β</m:t>
+                                </m:r>
+                              </m:sup>
+                            </m:sSup>
+                          </m:den>
+                        </m:f>
+                      </m:e>
+                    </m:d>
+                  </m:oMath>
+                </a14:m>
+                <a:br/>
+                <a:r>
+                  <a:rPr/>
+                  <a:t>where </a:t>
+                </a:r>
+                <a14:m>
+                  <m:oMath xmlns:m="http://schemas.openxmlformats.org/officeDocument/2006/math">
+                    <m:r>
+                      <m:t>U</m:t>
+                    </m:r>
+                    <m:r>
+                      <m:rPr>
+                        <m:sty m:val="p"/>
+                      </m:rPr>
+                      <m:t>∼</m:t>
+                    </m:r>
+                    <m:r>
+                      <m:t>U</m:t>
+                    </m:r>
+                    <m:d>
+                      <m:dPr>
+                        <m:begChr m:val="("/>
+                        <m:endChr m:val=")"/>
+                        <m:sepChr m:val=""/>
+                        <m:grow/>
+                      </m:dPr>
+                      <m:e>
+                        <m:r>
+                          <m:t>0</m:t>
+                        </m:r>
+                        <m:r>
+                          <m:rPr>
+                            <m:sty m:val="p"/>
+                          </m:rPr>
+                          <m:t>,</m:t>
+                        </m:r>
+                        <m:r>
+                          <m:t>1</m:t>
+                        </m:r>
+                      </m:e>
+                    </m:d>
+                  </m:oMath>
+                </a14:m>
+                <a:br/>
+                <a:br/>
+                <a:r>
+                  <a:rPr/>
+                  <a:t>In our simulation, we will consider three types of data:</a:t>
+                </a:r>
+                <a:br/>
+                <a:r>
+                  <a:rPr/>
+                  <a:t>Exponential, Weibull, and Gompertz</a:t>
+                </a:r>
+                <a:br/>
+              </a:p>
+              <a:p>
+                <a:pPr lvl="0" indent="0" marL="0">
+                  <a:buNone/>
+                </a:pPr>
+                <a:r>
+                  <a:rPr/>
+                  <a:t>Apply Inverse transformation method, obtain the following table</a:t>
+                </a:r>
+                <a:br/>
+              </a:p>
+            </p:txBody>
+          </p:sp>
+        </mc:Choice>
+      </mc:AlternateContent>
+      <p:sp>
+        <p:nvSpPr>
+          <p:cNvPr id="5" name="Footer Placeholder 4"/>
+          <p:cNvSpPr>
+            <a:spLocks noGrp="1"/>
+          </p:cNvSpPr>
+          <p:nvPr>
+            <p:ph idx="11" sz="quarter" type="ftr"/>
+          </p:nvPr>
+        </p:nvSpPr>
+        <p:spPr/>
+        <p:txBody>
+          <a:bodyPr/>
+          <a:lstStyle/>
+          <a:p>
+            <a:endParaRPr lang="en-US"/>
+          </a:p>
+        </p:txBody>
+      </p:sp>
+      <p:sp>
+        <p:nvSpPr>
+          <p:cNvPr id="6" name="Slide Number Placeholder 5"/>
+          <p:cNvSpPr>
+            <a:spLocks noGrp="1"/>
+          </p:cNvSpPr>
+          <p:nvPr>
+            <p:ph idx="12" sz="quarter" type="sldNum"/>
+          </p:nvPr>
+        </p:nvSpPr>
+        <p:spPr/>
+        <p:txBody>
+          <a:bodyPr/>
+          <a:lstStyle/>
+          <a:p>
+            <a:fld id="{C5EF2332-01BF-834F-8236-50238282D533}" type="slidenum">
+              <a:rPr lang="en-US" smtClean="0"/>
+              <a:t>‹#›</a:t>
+            </a:fld>
+            <a:endParaRPr lang="en-US"/>
+          </a:p>
+        </p:txBody>
+      </p:sp>
+    </p:spTree>
+  </p:cSld>
+</p:sld>
+</file>
+
+<file path=ppt/slides/slide7.xml><?xml version="1.0" encoding="utf-8"?>
+<p:sld xmlns:a="http://schemas.openxmlformats.org/drawingml/2006/main" xmlns:r="http://schemas.openxmlformats.org/officeDocument/2006/relationships" xmlns:p="http://schemas.openxmlformats.org/presentationml/2006/main">
+  <p:cSld>
+    <p:spTree>
+      <p:nvGrpSpPr>
+        <p:cNvPr id="1" name=""/>
+        <p:cNvGrpSpPr/>
+        <p:nvPr/>
+      </p:nvGrpSpPr>
+      <p:grpSpPr>
+        <a:xfrm>
+          <a:off x="0" y="0"/>
+          <a:ext cx="0" cy="0"/>
+          <a:chOff x="0" y="0"/>
+          <a:chExt cx="0" cy="0"/>
+        </a:xfrm>
+      </p:grpSpPr>
+      <p:sp>
+        <p:nvSpPr>
+          <p:cNvPr id="2" name="Title 1"/>
+          <p:cNvSpPr>
+            <a:spLocks noGrp="1"/>
+          </p:cNvSpPr>
+          <p:nvPr>
+            <p:ph type="title"/>
+          </p:nvPr>
+        </p:nvSpPr>
+        <p:spPr/>
+        <p:txBody>
+          <a:bodyPr/>
+          <a:lstStyle/>
+          <a:p>
+            <a:pPr lvl="0" indent="0" marL="0">
+              <a:buNone/>
+            </a:pPr>
+            <a:r>
+              <a:rPr/>
+              <a:t>…</a:t>
+            </a:r>
+          </a:p>
+        </p:txBody>
+      </p:sp>
+      <mc:AlternateContent xmlns:mc="http://schemas.openxmlformats.org/markup-compatibility/2006">
+        <mc:Choice xmlns:a14="http://schemas.microsoft.com/office/drawing/2010/main" Requires="a14">
+          <p:sp>
+            <p:nvSpPr>
+              <p:cNvPr id="3" name="Content Placeholder 2"/>
+              <p:cNvSpPr>
+                <a:spLocks noGrp="1"/>
+              </p:cNvSpPr>
+              <p:nvPr>
+                <p:ph idx="1"/>
+              </p:nvPr>
+            </p:nvSpPr>
+            <p:spPr/>
+            <p:txBody>
+              <a:bodyPr/>
+              <a:lstStyle/>
+              <a:p>
+                <a:pPr lvl="0" indent="0" marL="0">
+                  <a:buNone/>
+                </a:pPr>
+                <a:r>
+                  <a:rPr b="1"/>
+                  <a:t>Generate data</a:t>
+                </a:r>
+                <a:br/>
+                <a:r>
+                  <a:rPr/>
+                  <a:t>1. Define Random Variable </a:t>
+                </a:r>
+                <a14:m>
+                  <m:oMath xmlns:m="http://schemas.openxmlformats.org/officeDocument/2006/math">
+                    <m:r>
+                      <m:t>X</m:t>
+                    </m:r>
+                  </m:oMath>
+                </a14:m>
+                <a:r>
+                  <a:rPr/>
+                  <a:t>, treatment, from a binomial distribution with </a:t>
+                </a:r>
+                <a14:m>
+                  <m:oMath xmlns:m="http://schemas.openxmlformats.org/officeDocument/2006/math">
+                    <m:r>
+                      <m:t>p</m:t>
+                    </m:r>
+                    <m:r>
+                      <m:rPr>
+                        <m:sty m:val="p"/>
+                      </m:rPr>
+                      <m:t>=</m:t>
+                    </m:r>
+                    <m:r>
+                      <m:t>0.5</m:t>
+                    </m:r>
+                  </m:oMath>
+                </a14:m>
+                <a:br/>
+                <a:r>
+                  <a:rPr/>
+                  <a:t>2. Generate survival time </a:t>
+                </a:r>
+                <a14:m>
+                  <m:oMath xmlns:m="http://schemas.openxmlformats.org/officeDocument/2006/math">
+                    <m:r>
+                      <m:t>T</m:t>
+                    </m:r>
+                  </m:oMath>
+                </a14:m>
+                <a:r>
+                  <a:rPr/>
+                  <a:t>, time to event, using </a:t>
+                </a:r>
+                <a14:m>
+                  <m:oMath xmlns:m="http://schemas.openxmlformats.org/officeDocument/2006/math">
+                    <m:r>
+                      <m:t>X</m:t>
+                    </m:r>
+                  </m:oMath>
+                </a14:m>
+                <a:r>
+                  <a:rPr/>
+                  <a:t> and </a:t>
+                </a:r>
+                <a14:m>
+                  <m:oMath xmlns:m="http://schemas.openxmlformats.org/officeDocument/2006/math">
+                    <m:r>
+                      <m:t>β</m:t>
+                    </m:r>
+                  </m:oMath>
+                </a14:m>
+                <a:br/>
+                <a:r>
+                  <a:rPr/>
+                  <a:t>3. Randomly generate censoring time </a:t>
+                </a:r>
+                <a14:m>
+                  <m:oMath xmlns:m="http://schemas.openxmlformats.org/officeDocument/2006/math">
+                    <m:r>
+                      <m:t>C</m:t>
+                    </m:r>
+                  </m:oMath>
+                </a14:m>
+                <a:r>
+                  <a:rPr/>
+                  <a:t>, from an exponential distribution</a:t>
+                </a:r>
+                <a:br/>
+                <a:r>
+                  <a:rPr/>
+                  <a:t>4. We observe either the survival time T or else the censoring time C.</a:t>
+                </a:r>
+                <a:br/>
+                <a:r>
+                  <a:rPr/>
+                  <a:t>Specifically, we observe the random variable</a:t>
+                </a:r>
+                <a:br/>
+                <a14:m>
+                  <m:oMath xmlns:m="http://schemas.openxmlformats.org/officeDocument/2006/math">
+                    <m:r>
+                      <m:t>Y</m:t>
+                    </m:r>
+                    <m:r>
+                      <m:rPr>
+                        <m:sty m:val="p"/>
+                      </m:rPr>
+                      <m:t>=</m:t>
+                    </m:r>
+                    <m:r>
+                      <m:t>m</m:t>
+                    </m:r>
+                    <m:r>
+                      <m:t>i</m:t>
+                    </m:r>
+                    <m:r>
+                      <m:t>n</m:t>
+                    </m:r>
+                    <m:d>
+                      <m:dPr>
+                        <m:begChr m:val="("/>
+                        <m:endChr m:val=")"/>
+                        <m:sepChr m:val=""/>
+                        <m:grow/>
+                      </m:dPr>
+                      <m:e>
+                        <m:r>
+                          <m:t>T</m:t>
+                        </m:r>
+                        <m:r>
+                          <m:rPr>
+                            <m:sty m:val="p"/>
+                          </m:rPr>
+                          <m:t>,</m:t>
+                        </m:r>
+                        <m:r>
+                          <m:t>C</m:t>
+                        </m:r>
+                      </m:e>
+                    </m:d>
+                  </m:oMath>
+                </a14:m>
+                <a:br/>
+                <a:r>
+                  <a:rPr/>
+                  <a:t>Create a status indicator variable (1 = event, 0 = censored)</a:t>
+                </a:r>
+                <a:br/>
+              </a:p>
+              <a:p>
+                <a:pPr lvl="0" indent="0" marL="0">
+                  <a:buNone/>
+                </a:pPr>
+                <a14:m>
+                  <m:oMathPara xmlns:m="http://schemas.openxmlformats.org/officeDocument/2006/math">
+                    <m:oMathParaPr>
+                      <m:jc m:val="center"/>
+                    </m:oMathParaPr>
+                    <m:oMath>
+                      <m:r>
+                        <m:t>S</m:t>
+                      </m:r>
+                      <m:r>
+                        <m:t>t</m:t>
+                      </m:r>
+                      <m:r>
+                        <m:t>a</m:t>
+                      </m:r>
+                      <m:r>
+                        <m:t>t</m:t>
+                      </m:r>
+                      <m:r>
+                        <m:t>u</m:t>
+                      </m:r>
+                      <m:r>
+                        <m:t>s</m:t>
+                      </m:r>
+                      <m:r>
+                        <m:rPr>
+                          <m:sty m:val="p"/>
+                        </m:rPr>
+                        <m:t>=</m:t>
+                      </m:r>
+                      <m:d>
+                        <m:dPr>
+                          <m:begChr m:val="{"/>
+                          <m:endChr m:val=""/>
+                          <m:sepChr m:val=""/>
+                          <m:grow/>
+                        </m:dPr>
+                        <m:e>
+                          <m:m>
+                            <m:mPr>
+                              <m:baseJc m:val="center"/>
+                              <m:plcHide m:val="1"/>
+                              <m:mcs>
+                                <m:mc>
+                                  <m:mcPr>
+                                    <m:mcJc m:val="left"/>
+                                    <m:count m:val="1"/>
+                                  </m:mcPr>
+                                </m:mc>
+                                <m:mc>
+                                  <m:mcPr>
+                                    <m:mcJc m:val="left"/>
+                                    <m:count m:val="1"/>
+                                  </m:mcPr>
+                                </m:mc>
+                              </m:mcs>
+                            </m:mPr>
+                            <m:mr>
+                              <m:e>
+                                <m:r>
+                                  <m:t>1</m:t>
+                                </m:r>
+                                <m:r>
+                                  <m:rPr>
+                                    <m:sty m:val="p"/>
+                                  </m:rPr>
+                                  <m:t>,</m:t>
+                                </m:r>
+                              </m:e>
+                              <m:e>
+                                <m:sSub>
+                                  <m:e>
+                                    <m:r>
+                                      <m:t>T</m:t>
+                                    </m:r>
+                                  </m:e>
+                                  <m:sub>
+                                    <m:r>
+                                      <m:t>i</m:t>
+                                    </m:r>
+                                  </m:sub>
+                                </m:sSub>
+                                <m:r>
+                                  <m:rPr>
+                                    <m:sty m:val="p"/>
+                                  </m:rPr>
+                                  <m:t>≤</m:t>
+                                </m:r>
+                                <m:sSub>
+                                  <m:e>
+                                    <m:r>
+                                      <m:t>C</m:t>
+                                    </m:r>
+                                  </m:e>
+                                  <m:sub>
+                                    <m:r>
+                                      <m:t>i</m:t>
+                                    </m:r>
+                                  </m:sub>
+                                </m:sSub>
+                              </m:e>
+                            </m:mr>
+                            <m:mr>
+                              <m:e>
+                                <m:r>
+                                  <m:t>0</m:t>
+                                </m:r>
+                                <m:r>
+                                  <m:rPr>
+                                    <m:sty m:val="p"/>
+                                  </m:rPr>
+                                  <m:t>,</m:t>
+                                </m:r>
+                              </m:e>
+                              <m:e>
+                                <m:sSub>
+                                  <m:e>
+                                    <m:r>
+                                      <m:t>T</m:t>
+                                    </m:r>
+                                  </m:e>
+                                  <m:sub>
+                                    <m:r>
+                                      <m:t>i</m:t>
+                                    </m:r>
+                                  </m:sub>
+                                </m:sSub>
+                                <m:r>
+                                  <m:rPr>
+                                    <m:sty m:val="p"/>
+                                  </m:rPr>
+                                  <m:t>&gt;</m:t>
+                                </m:r>
+                                <m:sSub>
+                                  <m:e>
+                                    <m:r>
+                                      <m:t>C</m:t>
+                                    </m:r>
+                                  </m:e>
+                                  <m:sub>
+                                    <m:r>
+                                      <m:t>i</m:t>
+                                    </m:r>
+                                  </m:sub>
+                                </m:sSub>
+                              </m:e>
+                            </m:mr>
+                          </m:m>
+                        </m:e>
+                      </m:d>
+                    </m:oMath>
+                  </m:oMathPara>
+                </a14:m>
+              </a:p>
+              <a:p>
+                <a:pPr lvl="0" indent="0" marL="0">
+                  <a:buNone/>
+                </a:pPr>
+                <a:br/>
+                <a:r>
+                  <a:rPr b="1"/>
+                  <a:t>Define true treatment effect and parameter </a:t>
+                </a:r>
+                <a:br/>
+                <a:r>
+                  <a:rPr/>
+                  <a:t>1. True treatment effect </a:t>
+                </a:r>
+                <a14:m>
+                  <m:oMath xmlns:m="http://schemas.openxmlformats.org/officeDocument/2006/math">
+                    <m:r>
+                      <m:t>β</m:t>
+                    </m:r>
+                    <m:r>
+                      <m:rPr>
+                        <m:sty m:val="p"/>
+                      </m:rPr>
+                      <m:t>=</m:t>
+                    </m:r>
+                    <m:r>
+                      <m:t>2</m:t>
+                    </m:r>
+                  </m:oMath>
+                </a14:m>
+                <a:br/>
+                <a:r>
+                  <a:rPr/>
+                  <a:t>2. 7 different sample size N ranging from 100 to 400 increasing by 50</a:t>
+                </a:r>
+                <a:br/>
+                <a:r>
+                  <a:rPr/>
+                  <a:t>3. Simulate exponential distribution with </a:t>
+                </a:r>
+                <a14:m>
+                  <m:oMath xmlns:m="http://schemas.openxmlformats.org/officeDocument/2006/math">
+                    <m:r>
+                      <m:t>λ</m:t>
+                    </m:r>
+                    <m:r>
+                      <m:rPr>
+                        <m:sty m:val="p"/>
+                      </m:rPr>
+                      <m:t>=</m:t>
+                    </m:r>
+                    <m:r>
+                      <m:t>0.5</m:t>
+                    </m:r>
+                  </m:oMath>
+                </a14:m>
+                <a:br/>
+                <a:r>
+                  <a:rPr/>
+                  <a:t>4. Simulate weibull distribution with </a:t>
+                </a:r>
+                <a14:m>
+                  <m:oMath xmlns:m="http://schemas.openxmlformats.org/officeDocument/2006/math">
+                    <m:r>
+                      <m:t>λ</m:t>
+                    </m:r>
+                    <m:r>
+                      <m:rPr>
+                        <m:sty m:val="p"/>
+                      </m:rPr>
+                      <m:t>=</m:t>
+                    </m:r>
+                    <m:r>
+                      <m:t>0.5</m:t>
+                    </m:r>
+                  </m:oMath>
+                </a14:m>
+                <a:r>
+                  <a:rPr/>
+                  <a:t> and </a:t>
+                </a:r>
+                <a14:m>
+                  <m:oMath xmlns:m="http://schemas.openxmlformats.org/officeDocument/2006/math">
+                    <m:r>
+                      <m:t>γ</m:t>
+                    </m:r>
+                    <m:r>
+                      <m:rPr>
+                        <m:sty m:val="p"/>
+                      </m:rPr>
+                      <m:t>=</m:t>
+                    </m:r>
+                    <m:r>
+                      <m:t>2</m:t>
+                    </m:r>
+                  </m:oMath>
+                </a14:m>
+                <a:br/>
+                <a:r>
+                  <a:rPr/>
+                  <a:t>5. Simulate gompertz distribution with </a:t>
+                </a:r>
+                <a14:m>
+                  <m:oMath xmlns:m="http://schemas.openxmlformats.org/officeDocument/2006/math">
+                    <m:r>
+                      <m:t>λ</m:t>
+                    </m:r>
+                    <m:r>
+                      <m:rPr>
+                        <m:sty m:val="p"/>
+                      </m:rPr>
+                      <m:t>=</m:t>
+                    </m:r>
+                    <m:r>
+                      <m:t>0.5</m:t>
+                    </m:r>
+                  </m:oMath>
+                </a14:m>
+                <a:r>
+                  <a:rPr/>
+                  <a:t> and </a:t>
+                </a:r>
+                <a14:m>
+                  <m:oMath xmlns:m="http://schemas.openxmlformats.org/officeDocument/2006/math">
+                    <m:r>
+                      <m:t>α</m:t>
+                    </m:r>
+                    <m:r>
+                      <m:rPr>
+                        <m:sty m:val="p"/>
+                      </m:rPr>
+                      <m:t>=</m:t>
+                    </m:r>
+                    <m:r>
+                      <m:t>2</m:t>
+                    </m:r>
+                  </m:oMath>
+                </a14:m>
+                <a:br/>
+              </a:p>
+            </p:txBody>
+          </p:sp>
+        </mc:Choice>
+      </mc:AlternateContent>
+      <p:sp>
+        <p:nvSpPr>
+          <p:cNvPr id="5" name="Footer Placeholder 4"/>
+          <p:cNvSpPr>
+            <a:spLocks noGrp="1"/>
+          </p:cNvSpPr>
+          <p:nvPr>
+            <p:ph idx="11" sz="quarter" type="ftr"/>
+          </p:nvPr>
+        </p:nvSpPr>
+        <p:spPr/>
+        <p:txBody>
+          <a:bodyPr/>
+          <a:lstStyle/>
+          <a:p>
+            <a:endParaRPr lang="en-US"/>
+          </a:p>
+        </p:txBody>
+      </p:sp>
+      <p:sp>
+        <p:nvSpPr>
+          <p:cNvPr id="6" name="Slide Number Placeholder 5"/>
+          <p:cNvSpPr>
+            <a:spLocks noGrp="1"/>
+          </p:cNvSpPr>
+          <p:nvPr>
+            <p:ph idx="12" sz="quarter" type="sldNum"/>
+          </p:nvPr>
+        </p:nvSpPr>
+        <p:spPr/>
+        <p:txBody>
+          <a:bodyPr/>
+          <a:lstStyle/>
+          <a:p>
+            <a:fld id="{C5EF2332-01BF-834F-8236-50238282D533}" type="slidenum">
+              <a:rPr lang="en-US" smtClean="0"/>
+              <a:t>‹#›</a:t>
+            </a:fld>
+            <a:endParaRPr lang="en-US"/>
+          </a:p>
+        </p:txBody>
+      </p:sp>
+    </p:spTree>
+  </p:cSld>
+</p:sld>
+</file>
+
+<file path=ppt/slides/slide8.xml><?xml version="1.0" encoding="utf-8"?>
+<p:sld xmlns:a="http://schemas.openxmlformats.org/drawingml/2006/main" xmlns:r="http://schemas.openxmlformats.org/officeDocument/2006/relationships" xmlns:p="http://schemas.openxmlformats.org/presentationml/2006/main">
+  <p:cSld>
+    <p:spTree>
+      <p:nvGrpSpPr>
+        <p:cNvPr id="1" name=""/>
+        <p:cNvGrpSpPr/>
+        <p:nvPr/>
+      </p:nvGrpSpPr>
+      <p:grpSpPr>
+        <a:xfrm>
+          <a:off x="0" y="0"/>
+          <a:ext cx="0" cy="0"/>
+          <a:chOff x="0" y="0"/>
+          <a:chExt cx="0" cy="0"/>
+        </a:xfrm>
+      </p:grpSpPr>
+      <p:sp>
+        <p:nvSpPr>
+          <p:cNvPr id="2" name="Title 1"/>
+          <p:cNvSpPr>
+            <a:spLocks noGrp="1"/>
+          </p:cNvSpPr>
+          <p:nvPr>
+            <p:ph type="title"/>
+          </p:nvPr>
+        </p:nvSpPr>
+        <p:spPr/>
+        <p:txBody>
+          <a:bodyPr/>
+          <a:lstStyle/>
+          <a:p>
+            <a:pPr lvl="0" indent="0" marL="0">
+              <a:buNone/>
+            </a:pPr>
+            <a:r>
+              <a:rPr/>
+              <a:t>…</a:t>
+            </a:r>
+          </a:p>
+        </p:txBody>
+      </p:sp>
+      <mc:AlternateContent xmlns:mc="http://schemas.openxmlformats.org/markup-compatibility/2006">
+        <mc:Choice xmlns:a14="http://schemas.microsoft.com/office/drawing/2010/main" Requires="a14">
+          <p:sp>
+            <p:nvSpPr>
+              <p:cNvPr id="3" name="Content Placeholder 2"/>
+              <p:cNvSpPr>
+                <a:spLocks noGrp="1"/>
+              </p:cNvSpPr>
+              <p:nvPr>
+                <p:ph idx="1"/>
+              </p:nvPr>
+            </p:nvSpPr>
+            <p:spPr/>
+            <p:txBody>
+              <a:bodyPr/>
+              <a:lstStyle/>
+              <a:p>
+                <a:pPr lvl="0" indent="0" marL="0">
+                  <a:buNone/>
+                </a:pPr>
+                <a14:m>
+                  <m:oMath xmlns:m="http://schemas.openxmlformats.org/officeDocument/2006/math">
+                    <m:acc>
+                      <m:accPr>
+                        <m:chr m:val="̂"/>
+                      </m:accPr>
+                      <m:e>
+                        <m:r>
+                          <m:t>β</m:t>
+                        </m:r>
+                      </m:e>
+                    </m:acc>
+                  </m:oMath>
+                </a14:m>
+                <a:br/>
+                <a:br/>
+                <a14:m>
+                  <m:oMath xmlns:m="http://schemas.openxmlformats.org/officeDocument/2006/math">
+                    <m:r>
+                      <m:t>B</m:t>
+                    </m:r>
+                    <m:r>
+                      <m:t>i</m:t>
+                    </m:r>
+                    <m:r>
+                      <m:t>a</m:t>
+                    </m:r>
+                    <m:r>
+                      <m:t>s</m:t>
+                    </m:r>
+                    <m:r>
+                      <m:rPr>
+                        <m:sty m:val="p"/>
+                      </m:rPr>
+                      <m:t>=</m:t>
+                    </m:r>
+                    <m:f>
+                      <m:fPr>
+                        <m:type m:val="bar"/>
+                      </m:fPr>
+                      <m:num>
+                        <m:r>
+                          <m:t>1</m:t>
+                        </m:r>
+                      </m:num>
+                      <m:den>
+                        <m:r>
+                          <m:t>k</m:t>
+                        </m:r>
+                      </m:den>
+                    </m:f>
+                    <m:nary>
+                      <m:naryPr>
+                        <m:chr m:val="∑"/>
+                        <m:limLoc m:val="undOvr"/>
+                        <m:subHide m:val="0"/>
+                        <m:supHide m:val="0"/>
+                      </m:naryPr>
+                      <m:sub>
+                        <m:r>
+                          <m:t>i</m:t>
+                        </m:r>
+                        <m:r>
+                          <m:rPr>
+                            <m:sty m:val="p"/>
+                          </m:rPr>
+                          <m:t>=</m:t>
+                        </m:r>
+                        <m:r>
+                          <m:t>1</m:t>
+                        </m:r>
+                      </m:sub>
+                      <m:sup>
+                        <m:r>
+                          <m:t>k</m:t>
+                        </m:r>
+                      </m:sup>
+                      <m:e>
+                        <m:d>
+                          <m:dPr>
+                            <m:begChr m:val="("/>
+                            <m:endChr m:val=")"/>
+                            <m:sepChr m:val=""/>
+                            <m:grow/>
+                          </m:dPr>
+                          <m:e>
+                            <m:acc>
+                              <m:accPr>
+                                <m:chr m:val="̂"/>
+                              </m:accPr>
+                              <m:e>
+                                <m:sSup>
+                                  <m:e>
+                                    <m:r>
+                                      <m:t>β</m:t>
+                                    </m:r>
+                                  </m:e>
+                                  <m:sup>
+                                    <m:d>
+                                      <m:dPr>
+                                        <m:begChr m:val="("/>
+                                        <m:endChr m:val=")"/>
+                                        <m:sepChr m:val=""/>
+                                        <m:grow/>
+                                      </m:dPr>
+                                      <m:e>
+                                        <m:r>
+                                          <m:t>k</m:t>
+                                        </m:r>
+                                      </m:e>
+                                    </m:d>
+                                  </m:sup>
+                                </m:sSup>
+                              </m:e>
+                            </m:acc>
+                            <m:r>
+                              <m:rPr>
+                                <m:sty m:val="p"/>
+                              </m:rPr>
+                              <m:t>−</m:t>
+                            </m:r>
+                            <m:r>
+                              <m:t>β</m:t>
+                            </m:r>
+                          </m:e>
+                        </m:d>
+                      </m:e>
+                    </m:nary>
+                    <m:r>
+                      <m:rPr>
+                        <m:sty m:val="p"/>
+                      </m:rPr>
+                      <m:t>=</m:t>
+                    </m:r>
+                    <m:f>
+                      <m:fPr>
+                        <m:type m:val="bar"/>
+                      </m:fPr>
+                      <m:num>
+                        <m:r>
+                          <m:t>1</m:t>
+                        </m:r>
+                      </m:num>
+                      <m:den>
+                        <m:r>
+                          <m:t>k</m:t>
+                        </m:r>
+                      </m:den>
+                    </m:f>
+                    <m:nary>
+                      <m:naryPr>
+                        <m:chr m:val="∑"/>
+                        <m:limLoc m:val="undOvr"/>
+                        <m:subHide m:val="0"/>
+                        <m:supHide m:val="0"/>
+                      </m:naryPr>
+                      <m:sub>
+                        <m:r>
+                          <m:t>i</m:t>
+                        </m:r>
+                        <m:r>
+                          <m:rPr>
+                            <m:sty m:val="p"/>
+                          </m:rPr>
+                          <m:t>=</m:t>
+                        </m:r>
+                        <m:r>
+                          <m:t>1</m:t>
+                        </m:r>
+                      </m:sub>
+                      <m:sup>
+                        <m:r>
+                          <m:t>k</m:t>
+                        </m:r>
+                      </m:sup>
+                      <m:e>
+                        <m:d>
+                          <m:dPr>
+                            <m:begChr m:val="("/>
+                            <m:endChr m:val=")"/>
+                            <m:sepChr m:val=""/>
+                            <m:grow/>
+                          </m:dPr>
+                          <m:e>
+                            <m:acc>
+                              <m:accPr>
+                                <m:chr m:val="̂"/>
+                              </m:accPr>
+                              <m:e>
+                                <m:sSup>
+                                  <m:e>
+                                    <m:r>
+                                      <m:t>β</m:t>
+                                    </m:r>
+                                  </m:e>
+                                  <m:sup>
+                                    <m:d>
+                                      <m:dPr>
+                                        <m:begChr m:val="("/>
+                                        <m:endChr m:val=")"/>
+                                        <m:sepChr m:val=""/>
+                                        <m:grow/>
+                                      </m:dPr>
+                                      <m:e>
+                                        <m:r>
+                                          <m:t>k</m:t>
+                                        </m:r>
+                                      </m:e>
+                                    </m:d>
+                                  </m:sup>
+                                </m:sSup>
+                              </m:e>
+                            </m:acc>
+                            <m:r>
+                              <m:rPr>
+                                <m:sty m:val="p"/>
+                              </m:rPr>
+                              <m:t>−</m:t>
+                            </m:r>
+                            <m:r>
+                              <m:t>2</m:t>
+                            </m:r>
+                          </m:e>
+                        </m:d>
+                      </m:e>
+                    </m:nary>
+                  </m:oMath>
+                </a14:m>
+                <a:br/>
+                <a14:m>
+                  <m:oMath xmlns:m="http://schemas.openxmlformats.org/officeDocument/2006/math">
+                    <m:r>
+                      <m:t>V</m:t>
+                    </m:r>
+                    <m:r>
+                      <m:t>a</m:t>
+                    </m:r>
+                    <m:r>
+                      <m:t>r</m:t>
+                    </m:r>
+                    <m:r>
+                      <m:t>i</m:t>
+                    </m:r>
+                    <m:r>
+                      <m:t>a</m:t>
+                    </m:r>
+                    <m:r>
+                      <m:t>n</m:t>
+                    </m:r>
+                    <m:r>
+                      <m:t>c</m:t>
+                    </m:r>
+                    <m:r>
+                      <m:t>e</m:t>
+                    </m:r>
+                    <m:r>
+                      <m:rPr>
+                        <m:sty m:val="p"/>
+                      </m:rPr>
+                      <m:t>=</m:t>
+                    </m:r>
+                    <m:f>
+                      <m:fPr>
+                        <m:type m:val="bar"/>
+                      </m:fPr>
+                      <m:num>
+                        <m:r>
+                          <m:t>1</m:t>
+                        </m:r>
+                      </m:num>
+                      <m:den>
+                        <m:r>
+                          <m:t>k</m:t>
+                        </m:r>
+                        <m:r>
+                          <m:rPr>
+                            <m:sty m:val="p"/>
+                          </m:rPr>
+                          <m:t>−</m:t>
+                        </m:r>
+                        <m:r>
+                          <m:t>1</m:t>
+                        </m:r>
+                      </m:den>
+                    </m:f>
+                    <m:nary>
+                      <m:naryPr>
+                        <m:chr m:val="∑"/>
+                        <m:limLoc m:val="undOvr"/>
+                        <m:subHide m:val="0"/>
+                        <m:supHide m:val="0"/>
+                      </m:naryPr>
+                      <m:sub>
+                        <m:r>
+                          <m:t>i</m:t>
+                        </m:r>
+                        <m:r>
+                          <m:rPr>
+                            <m:sty m:val="p"/>
+                          </m:rPr>
+                          <m:t>=</m:t>
+                        </m:r>
+                        <m:r>
+                          <m:t>1</m:t>
+                        </m:r>
+                      </m:sub>
+                      <m:sup>
+                        <m:r>
+                          <m:t>k</m:t>
+                        </m:r>
+                      </m:sup>
+                      <m:e>
+                        <m:acc>
+                          <m:accPr>
+                            <m:chr m:val="̂"/>
+                          </m:accPr>
+                          <m:e>
+                            <m:r>
+                              <m:rPr>
+                                <m:sty m:val="p"/>
+                              </m:rPr>
+                              <m:t>(</m:t>
+                            </m:r>
+                            <m:sSup>
+                              <m:e>
+                                <m:r>
+                                  <m:t>β</m:t>
+                                </m:r>
+                              </m:e>
+                              <m:sup>
+                                <m:d>
+                                  <m:dPr>
+                                    <m:begChr m:val="("/>
+                                    <m:endChr m:val=")"/>
+                                    <m:sepChr m:val=""/>
+                                    <m:grow/>
+                                  </m:dPr>
+                                  <m:e>
+                                    <m:r>
+                                      <m:t>k</m:t>
+                                    </m:r>
+                                  </m:e>
+                                </m:d>
+                              </m:sup>
+                            </m:sSup>
+                          </m:e>
+                        </m:acc>
+                      </m:e>
+                    </m:nary>
+                    <m:r>
+                      <m:rPr>
+                        <m:sty m:val="p"/>
+                      </m:rPr>
+                      <m:t>−</m:t>
+                    </m:r>
+                    <m:r>
+                      <m:t>β</m:t>
+                    </m:r>
+                    <m:sSup>
+                      <m:e>
+                        <m:r>
+                          <m:rPr>
+                            <m:sty m:val="p"/>
+                          </m:rPr>
+                          <m:t>)</m:t>
+                        </m:r>
+                      </m:e>
+                      <m:sup>
+                        <m:r>
+                          <m:t>2</m:t>
+                        </m:r>
+                      </m:sup>
+                    </m:sSup>
+                    <m:r>
+                      <m:rPr>
+                        <m:sty m:val="p"/>
+                      </m:rPr>
+                      <m:t>=</m:t>
+                    </m:r>
+                    <m:f>
+                      <m:fPr>
+                        <m:type m:val="bar"/>
+                      </m:fPr>
+                      <m:num>
+                        <m:r>
+                          <m:t>1</m:t>
+                        </m:r>
+                      </m:num>
+                      <m:den>
+                        <m:r>
+                          <m:t>k</m:t>
+                        </m:r>
+                        <m:r>
+                          <m:rPr>
+                            <m:sty m:val="p"/>
+                          </m:rPr>
+                          <m:t>−</m:t>
+                        </m:r>
+                        <m:r>
+                          <m:t>1</m:t>
+                        </m:r>
+                      </m:den>
+                    </m:f>
+                    <m:nary>
+                      <m:naryPr>
+                        <m:chr m:val="∑"/>
+                        <m:limLoc m:val="undOvr"/>
+                        <m:subHide m:val="0"/>
+                        <m:supHide m:val="0"/>
+                      </m:naryPr>
+                      <m:sub>
+                        <m:r>
+                          <m:t>i</m:t>
+                        </m:r>
+                        <m:r>
+                          <m:rPr>
+                            <m:sty m:val="p"/>
+                          </m:rPr>
+                          <m:t>=</m:t>
+                        </m:r>
+                        <m:r>
+                          <m:t>1</m:t>
+                        </m:r>
+                      </m:sub>
+                      <m:sup>
+                        <m:r>
+                          <m:t>k</m:t>
+                        </m:r>
+                      </m:sup>
+                      <m:e>
+                        <m:acc>
+                          <m:accPr>
+                            <m:chr m:val="̂"/>
+                          </m:accPr>
+                          <m:e>
+                            <m:r>
+                              <m:rPr>
+                                <m:sty m:val="p"/>
+                              </m:rPr>
+                              <m:t>(</m:t>
+                            </m:r>
+                            <m:sSup>
+                              <m:e>
+                                <m:r>
+                                  <m:t>β</m:t>
+                                </m:r>
+                              </m:e>
+                              <m:sup>
+                                <m:d>
+                                  <m:dPr>
+                                    <m:begChr m:val="("/>
+                                    <m:endChr m:val=")"/>
+                                    <m:sepChr m:val=""/>
+                                    <m:grow/>
+                                  </m:dPr>
+                                  <m:e>
+                                    <m:r>
+                                      <m:t>k</m:t>
+                                    </m:r>
+                                  </m:e>
+                                </m:d>
+                              </m:sup>
+                            </m:sSup>
+                          </m:e>
+                        </m:acc>
+                      </m:e>
+                    </m:nary>
+                    <m:r>
+                      <m:rPr>
+                        <m:sty m:val="p"/>
+                      </m:rPr>
+                      <m:t>−</m:t>
+                    </m:r>
+                    <m:r>
+                      <m:t>2</m:t>
+                    </m:r>
+                    <m:sSup>
+                      <m:e>
+                        <m:r>
+                          <m:rPr>
+                            <m:sty m:val="p"/>
+                          </m:rPr>
+                          <m:t>)</m:t>
+                        </m:r>
+                      </m:e>
+                      <m:sup>
+                        <m:r>
+                          <m:t>2</m:t>
+                        </m:r>
+                      </m:sup>
+                    </m:sSup>
+                  </m:oMath>
+                </a14:m>
+                <a:br/>
+                <a14:m>
+                  <m:oMath xmlns:m="http://schemas.openxmlformats.org/officeDocument/2006/math">
+                    <m:r>
+                      <m:t>M</m:t>
+                    </m:r>
+                    <m:r>
+                      <m:t>S</m:t>
+                    </m:r>
+                    <m:r>
+                      <m:t>E</m:t>
+                    </m:r>
+                    <m:r>
+                      <m:rPr>
+                        <m:sty m:val="p"/>
+                      </m:rPr>
+                      <m:t>=</m:t>
+                    </m:r>
+                    <m:f>
+                      <m:fPr>
+                        <m:type m:val="bar"/>
+                      </m:fPr>
+                      <m:num>
+                        <m:r>
+                          <m:t>1</m:t>
+                        </m:r>
+                      </m:num>
+                      <m:den>
+                        <m:r>
+                          <m:t>k</m:t>
+                        </m:r>
+                      </m:den>
+                    </m:f>
+                    <m:nary>
+                      <m:naryPr>
+                        <m:chr m:val="∑"/>
+                        <m:limLoc m:val="undOvr"/>
+                        <m:subHide m:val="0"/>
+                        <m:supHide m:val="0"/>
+                      </m:naryPr>
+                      <m:sub>
+                        <m:r>
+                          <m:t>i</m:t>
+                        </m:r>
+                        <m:r>
+                          <m:rPr>
+                            <m:sty m:val="p"/>
+                          </m:rPr>
+                          <m:t>=</m:t>
+                        </m:r>
+                        <m:r>
+                          <m:t>1</m:t>
+                        </m:r>
+                      </m:sub>
+                      <m:sup>
+                        <m:r>
+                          <m:t>k</m:t>
+                        </m:r>
+                      </m:sup>
+                      <m:e>
+                        <m:sSup>
+                          <m:e>
+                            <m:d>
+                              <m:dPr>
+                                <m:begChr m:val="("/>
+                                <m:endChr m:val=")"/>
+                                <m:sepChr m:val=""/>
+                                <m:grow/>
+                              </m:dPr>
+                              <m:e>
+                                <m:acc>
+                                  <m:accPr>
+                                    <m:chr m:val="̂"/>
+                                  </m:accPr>
+                                  <m:e>
+                                    <m:sSup>
+                                      <m:e>
+                                        <m:r>
+                                          <m:t>β</m:t>
+                                        </m:r>
+                                      </m:e>
+                                      <m:sup>
+                                        <m:d>
+                                          <m:dPr>
+                                            <m:begChr m:val="("/>
+                                            <m:endChr m:val=")"/>
+                                            <m:sepChr m:val=""/>
+                                            <m:grow/>
+                                          </m:dPr>
+                                          <m:e>
+                                            <m:r>
+                                              <m:t>k</m:t>
+                                            </m:r>
+                                          </m:e>
+                                        </m:d>
+                                      </m:sup>
+                                    </m:sSup>
+                                  </m:e>
+                                </m:acc>
+                                <m:r>
+                                  <m:rPr>
+                                    <m:sty m:val="p"/>
+                                  </m:rPr>
+                                  <m:t>−</m:t>
+                                </m:r>
+                                <m:r>
+                                  <m:t>β</m:t>
+                                </m:r>
+                              </m:e>
+                            </m:d>
+                          </m:e>
+                          <m:sup>
+                            <m:r>
+                              <m:t>2</m:t>
+                            </m:r>
+                          </m:sup>
+                        </m:sSup>
+                      </m:e>
+                    </m:nary>
+                    <m:r>
+                      <m:rPr>
+                        <m:sty m:val="p"/>
+                      </m:rPr>
+                      <m:t>=</m:t>
+                    </m:r>
+                    <m:f>
+                      <m:fPr>
+                        <m:type m:val="bar"/>
+                      </m:fPr>
+                      <m:num>
+                        <m:r>
+                          <m:t>1</m:t>
+                        </m:r>
+                      </m:num>
+                      <m:den>
+                        <m:r>
+                          <m:t>k</m:t>
+                        </m:r>
+                      </m:den>
+                    </m:f>
+                    <m:nary>
+                      <m:naryPr>
+                        <m:chr m:val="∑"/>
+                        <m:limLoc m:val="undOvr"/>
+                        <m:subHide m:val="0"/>
+                        <m:supHide m:val="0"/>
+                      </m:naryPr>
+                      <m:sub>
+                        <m:r>
+                          <m:t>i</m:t>
+                        </m:r>
+                        <m:r>
+                          <m:rPr>
+                            <m:sty m:val="p"/>
+                          </m:rPr>
+                          <m:t>=</m:t>
+                        </m:r>
+                        <m:r>
+                          <m:t>1</m:t>
+                        </m:r>
+                      </m:sub>
+                      <m:sup>
+                        <m:r>
+                          <m:t>k</m:t>
+                        </m:r>
+                      </m:sup>
+                      <m:e>
+                        <m:sSup>
+                          <m:e>
+                            <m:d>
+                              <m:dPr>
+                                <m:begChr m:val="("/>
+                                <m:endChr m:val=")"/>
+                                <m:sepChr m:val=""/>
+                                <m:grow/>
+                              </m:dPr>
+                              <m:e>
+                                <m:acc>
+                                  <m:accPr>
+                                    <m:chr m:val="̂"/>
+                                  </m:accPr>
+                                  <m:e>
+                                    <m:sSup>
+                                      <m:e>
+                                        <m:r>
+                                          <m:t>β</m:t>
+                                        </m:r>
+                                      </m:e>
+                                      <m:sup>
+                                        <m:d>
+                                          <m:dPr>
+                                            <m:begChr m:val="("/>
+                                            <m:endChr m:val=")"/>
+                                            <m:sepChr m:val=""/>
+                                            <m:grow/>
+                                          </m:dPr>
+                                          <m:e>
+                                            <m:r>
+                                              <m:t>k</m:t>
+                                            </m:r>
+                                          </m:e>
+                                        </m:d>
+                                      </m:sup>
+                                    </m:sSup>
+                                  </m:e>
+                                </m:acc>
+                                <m:r>
+                                  <m:rPr>
+                                    <m:sty m:val="p"/>
+                                  </m:rPr>
+                                  <m:t>−</m:t>
+                                </m:r>
+                                <m:r>
+                                  <m:t>2</m:t>
+                                </m:r>
+                              </m:e>
+                            </m:d>
+                          </m:e>
+                          <m:sup>
+                            <m:r>
+                              <m:t>2</m:t>
+                            </m:r>
+                          </m:sup>
+                        </m:sSup>
+                      </m:e>
+                    </m:nary>
+                  </m:oMath>
+                </a14:m>
+                <a:br/>
+              </a:p>
+            </p:txBody>
+          </p:sp>
+        </mc:Choice>
+      </mc:AlternateContent>
+      <p:sp>
+        <p:nvSpPr>
+          <p:cNvPr id="5" name="Footer Placeholder 4"/>
+          <p:cNvSpPr>
+            <a:spLocks noGrp="1"/>
+          </p:cNvSpPr>
+          <p:nvPr>
+            <p:ph idx="11" sz="quarter" type="ftr"/>
+          </p:nvPr>
+        </p:nvSpPr>
+        <p:spPr/>
+        <p:txBody>
+          <a:bodyPr/>
+          <a:lstStyle/>
+          <a:p>
+            <a:endParaRPr lang="en-US"/>
+          </a:p>
+        </p:txBody>
+      </p:sp>
+      <p:sp>
+        <p:nvSpPr>
+          <p:cNvPr id="6" name="Slide Number Placeholder 5"/>
+          <p:cNvSpPr>
+            <a:spLocks noGrp="1"/>
+          </p:cNvSpPr>
+          <p:nvPr>
+            <p:ph idx="12" sz="quarter" type="sldNum"/>
+          </p:nvPr>
+        </p:nvSpPr>
+        <p:spPr/>
+        <p:txBody>
+          <a:bodyPr/>
+          <a:lstStyle/>
+          <a:p>
+            <a:fld id="{C5EF2332-01BF-834F-8236-50238282D533}" type="slidenum">
+              <a:rPr lang="en-US" smtClean="0"/>
+              <a:t>‹#›</a:t>
+            </a:fld>
+            <a:endParaRPr lang="en-US"/>
+          </a:p>
+        </p:txBody>
+      </p:sp>
+    </p:spTree>
+  </p:cSld>
+</p:sld>
+</file>
+
+<file path=ppt/slides/slide9.xml><?xml version="1.0" encoding="utf-8"?>
+<p:sld xmlns:a="http://schemas.openxmlformats.org/drawingml/2006/main" xmlns:r="http://schemas.openxmlformats.org/officeDocument/2006/relationships" xmlns:p="http://schemas.openxmlformats.org/presentationml/2006/main">
+  <p:cSld>
+    <p:spTree>
+      <p:nvGrpSpPr>
+        <p:cNvPr id="1" name=""/>
+        <p:cNvGrpSpPr/>
+        <p:nvPr/>
+      </p:nvGrpSpPr>
+      <p:grpSpPr>
+        <a:xfrm>
+          <a:off x="0" y="0"/>
+          <a:ext cx="0" cy="0"/>
+          <a:chOff x="0" y="0"/>
+          <a:chExt cx="0" cy="0"/>
+        </a:xfrm>
+      </p:grpSpPr>
+      <p:sp>
+        <p:nvSpPr>
+          <p:cNvPr id="2" name="Title 1"/>
+          <p:cNvSpPr>
+            <a:spLocks noGrp="1"/>
+          </p:cNvSpPr>
+          <p:nvPr>
+            <p:ph type="title"/>
+          </p:nvPr>
+        </p:nvSpPr>
+        <p:spPr/>
+        <p:txBody>
+          <a:bodyPr/>
+          <a:lstStyle/>
+          <a:p>
+            <a:pPr lvl="0" indent="0" marL="0">
+              <a:buNone/>
+            </a:pPr>
+            <a:r>
+              <a:rPr/>
+              <a:t>…</a:t>
+            </a:r>
+          </a:p>
+        </p:txBody>
+      </p:sp>
+      <mc:AlternateContent xmlns:mc="http://schemas.openxmlformats.org/markup-compatibility/2006">
+        <mc:Choice xmlns:a14="http://schemas.microsoft.com/office/drawing/2010/main" Requires="a14">
+          <p:sp>
+            <p:nvSpPr>
+              <p:cNvPr id="3" name="Content Placeholder 2"/>
+              <p:cNvSpPr>
+                <a:spLocks noGrp="1"/>
+              </p:cNvSpPr>
+              <p:nvPr>
+                <p:ph idx="1"/>
+              </p:nvPr>
+            </p:nvSpPr>
+            <p:spPr/>
+            <p:txBody>
+              <a:bodyPr/>
+              <a:lstStyle/>
+              <a:p>
+                <a:pPr lvl="0" indent="0" marL="0">
+                  <a:buNone/>
+                </a:pPr>
+                <a:r>
+                  <a:rPr/>
+                  <a:t>Survival function, </a:t>
+                </a:r>
+                <a14:m>
+                  <m:oMath xmlns:m="http://schemas.openxmlformats.org/officeDocument/2006/math">
+                    <m:r>
+                      <m:t>S</m:t>
+                    </m:r>
+                    <m:d>
+                      <m:dPr>
+                        <m:begChr m:val="("/>
+                        <m:endChr m:val=")"/>
+                        <m:sepChr m:val=""/>
+                        <m:grow/>
+                      </m:dPr>
+                      <m:e>
+                        <m:r>
+                          <m:t>t</m:t>
+                        </m:r>
+                      </m:e>
+                    </m:d>
+                  </m:oMath>
+                </a14:m>
+                <a:r>
+                  <a:rPr/>
+                  <a:t> is the probability of observing individual survival time T beyond a certain time </a:t>
+                </a:r>
+                <a14:m>
+                  <m:oMath xmlns:m="http://schemas.openxmlformats.org/officeDocument/2006/math">
+                    <m:r>
+                      <m:t>t</m:t>
+                    </m:r>
+                  </m:oMath>
+                </a14:m>
+                <a:r>
+                  <a:rPr/>
+                  <a:t>.</a:t>
+                </a:r>
+                <a:br/>
+              </a:p>
+              <a:p>
+                <a:pPr lvl="0" indent="0" marL="0">
+                  <a:buNone/>
+                </a:pPr>
+                <a:r>
+                  <a:rPr/>
+                  <a:t>The Cumulative distribution function of the random variable survival time T, F(t)=Pr(T</a:t>
+                </a:r>
+                <a14:m>
+                  <m:oMath xmlns:m="http://schemas.openxmlformats.org/officeDocument/2006/math">
+                    <m:r>
+                      <m:rPr>
+                        <m:sty m:val="p"/>
+                      </m:rPr>
+                      <m:t>≤</m:t>
+                    </m:r>
+                  </m:oMath>
+                </a14:m>
+                <a:r>
+                  <a:rPr/>
+                  <a:t>t) is the probability of observing individual survival time T less than a certain time </a:t>
+                </a:r>
+                <a14:m>
+                  <m:oMath xmlns:m="http://schemas.openxmlformats.org/officeDocument/2006/math">
+                    <m:r>
+                      <m:t>t</m:t>
+                    </m:r>
+                  </m:oMath>
+                </a14:m>
+                <a:r>
+                  <a:rPr/>
+                  <a:t>.</a:t>
+                </a:r>
+                <a:br/>
+              </a:p>
+              <a:p>
+                <a:pPr lvl="0" indent="0" marL="0">
+                  <a:buNone/>
+                </a:pPr>
+                <a:r>
+                  <a:rPr/>
+                  <a:t>The Hazard function, </a:t>
+                </a:r>
+                <a14:m>
+                  <m:oMath xmlns:m="http://schemas.openxmlformats.org/officeDocument/2006/math">
+                    <m:r>
+                      <m:t>h</m:t>
+                    </m:r>
+                    <m:d>
+                      <m:dPr>
+                        <m:begChr m:val="("/>
+                        <m:endChr m:val=")"/>
+                        <m:sepChr m:val=""/>
+                        <m:grow/>
+                      </m:dPr>
+                      <m:e>
+                        <m:r>
+                          <m:t>t</m:t>
+                        </m:r>
+                      </m:e>
+                    </m:d>
+                  </m:oMath>
+                </a14:m>
+                <a:r>
+                  <a:rPr/>
+                  <a:t> is the product of </a:t>
+                </a:r>
+                <a14:m>
+                  <m:oMath xmlns:m="http://schemas.openxmlformats.org/officeDocument/2006/math">
+                    <m:sSub>
+                      <m:e>
+                        <m:r>
+                          <m:t>h</m:t>
+                        </m:r>
+                      </m:e>
+                      <m:sub>
+                        <m:r>
+                          <m:t>0</m:t>
+                        </m:r>
+                      </m:sub>
+                    </m:sSub>
+                    <m:d>
+                      <m:dPr>
+                        <m:begChr m:val="("/>
+                        <m:endChr m:val=")"/>
+                        <m:sepChr m:val=""/>
+                        <m:grow/>
+                      </m:dPr>
+                      <m:e>
+                        <m:r>
+                          <m:t>t</m:t>
+                        </m:r>
+                      </m:e>
+                    </m:d>
+                  </m:oMath>
+                </a14:m>
+                <a:r>
+                  <a:rPr/>
+                  <a:t> and </a:t>
+                </a:r>
+                <a14:m>
+                  <m:oMath xmlns:m="http://schemas.openxmlformats.org/officeDocument/2006/math">
+                    <m:r>
+                      <m:t>r</m:t>
+                    </m:r>
+                    <m:d>
+                      <m:dPr>
+                        <m:begChr m:val="("/>
+                        <m:endChr m:val=")"/>
+                        <m:sepChr m:val=""/>
+                        <m:grow/>
+                      </m:dPr>
+                      <m:e>
+                        <m:r>
+                          <m:t>X</m:t>
+                        </m:r>
+                        <m:r>
+                          <m:rPr>
+                            <m:sty m:val="p"/>
+                          </m:rPr>
+                          <m:t>,</m:t>
+                        </m:r>
+                        <m:r>
+                          <m:t>β</m:t>
+                        </m:r>
+                      </m:e>
+                    </m:d>
+                  </m:oMath>
+                </a14:m>
+                <a:r>
+                  <a:rPr/>
+                  <a:t>, which is defined as the ratio of probability density function of time variable and Survival function</a:t>
+                </a:r>
+                <a:br/>
+              </a:p>
+              <a:p>
+                <a:pPr lvl="0" indent="0" marL="0">
+                  <a:buNone/>
+                </a:pPr>
+                <a:r>
+                  <a:rPr/>
+                  <a:t>where </a:t>
+                </a:r>
+                <a14:m>
+                  <m:oMath xmlns:m="http://schemas.openxmlformats.org/officeDocument/2006/math">
+                    <m:sSub>
+                      <m:e>
+                        <m:r>
+                          <m:t>h</m:t>
+                        </m:r>
+                      </m:e>
+                      <m:sub>
+                        <m:r>
+                          <m:t>0</m:t>
+                        </m:r>
+                      </m:sub>
+                    </m:sSub>
+                    <m:d>
+                      <m:dPr>
+                        <m:begChr m:val="("/>
+                        <m:endChr m:val=")"/>
+                        <m:sepChr m:val=""/>
+                        <m:grow/>
+                      </m:dPr>
+                      <m:e>
+                        <m:r>
+                          <m:t>t</m:t>
+                        </m:r>
+                      </m:e>
+                    </m:d>
+                  </m:oMath>
+                </a14:m>
+                <a:r>
+                  <a:rPr/>
+                  <a:t> is the baseline hazard function, how the hazard function changes as a function of survival time T</a:t>
+                </a:r>
+                <a:br/>
+                <a14:m>
+                  <m:oMath xmlns:m="http://schemas.openxmlformats.org/officeDocument/2006/math">
+                    <m:r>
+                      <m:t>r</m:t>
+                    </m:r>
+                    <m:d>
+                      <m:dPr>
+                        <m:begChr m:val="("/>
+                        <m:endChr m:val=")"/>
+                        <m:sepChr m:val=""/>
+                        <m:grow/>
+                      </m:dPr>
+                      <m:e>
+                        <m:r>
+                          <m:t>X</m:t>
+                        </m:r>
+                        <m:r>
+                          <m:rPr>
+                            <m:sty m:val="p"/>
+                          </m:rPr>
+                          <m:t>,</m:t>
+                        </m:r>
+                        <m:r>
+                          <m:t>β</m:t>
+                        </m:r>
+                      </m:e>
+                    </m:d>
+                    <m:r>
+                      <m:rPr>
+                        <m:sty m:val="p"/>
+                      </m:rPr>
+                      <m:t>=</m:t>
+                    </m:r>
+                    <m:r>
+                      <m:t>e</m:t>
+                    </m:r>
+                    <m:r>
+                      <m:t>x</m:t>
+                    </m:r>
+                    <m:r>
+                      <m:t>p</m:t>
+                    </m:r>
+                    <m:d>
+                      <m:dPr>
+                        <m:begChr m:val="("/>
+                        <m:endChr m:val=")"/>
+                        <m:sepChr m:val=""/>
+                        <m:grow/>
+                      </m:dPr>
+                      <m:e>
+                        <m:r>
+                          <m:t>X</m:t>
+                        </m:r>
+                        <m:r>
+                          <m:t>β</m:t>
+                        </m:r>
+                      </m:e>
+                    </m:d>
+                  </m:oMath>
+                </a14:m>
+                <a:r>
+                  <a:rPr/>
+                  <a:t> is a function characterize how the hazard function changes as a function of covariate </a:t>
+                </a:r>
+                <a14:m>
+                  <m:oMath xmlns:m="http://schemas.openxmlformats.org/officeDocument/2006/math">
+                    <m:sSub>
+                      <m:e>
+                        <m:r>
+                          <m:t>X</m:t>
+                        </m:r>
+                      </m:e>
+                      <m:sub>
+                        <m:r>
+                          <m:t>t</m:t>
+                        </m:r>
+                        <m:r>
+                          <m:t>r</m:t>
+                        </m:r>
+                        <m:r>
+                          <m:t>e</m:t>
+                        </m:r>
+                        <m:r>
+                          <m:t>a</m:t>
+                        </m:r>
+                        <m:r>
+                          <m:t>t</m:t>
+                        </m:r>
+                        <m:r>
+                          <m:t>m</m:t>
+                        </m:r>
+                        <m:r>
+                          <m:t>e</m:t>
+                        </m:r>
+                        <m:r>
+                          <m:t>n</m:t>
+                        </m:r>
+                        <m:r>
+                          <m:t>t</m:t>
+                        </m:r>
+                      </m:sub>
+                    </m:sSub>
+                  </m:oMath>
+                </a14:m>
+                <a:br/>
+              </a:p>
+              <a:p>
+                <a:pPr lvl="0" indent="0" marL="0">
+                  <a:buNone/>
+                </a:pPr>
+                <a:r>
+                  <a:rPr/>
+                  <a:t>Cumulative hazard function i</a:t>
+                </a:r>
+              </a:p>
+            </p:txBody>
+          </p:sp>
+        </mc:Choice>
+      </mc:AlternateContent>
       <p:sp>
         <p:nvSpPr>
           <p:cNvPr id="5" name="Footer Placeholder 4"/>
